--- a/Lecture02_UnivariateOLS/Lecture2_OLS_2022F.pptx
+++ b/Lecture02_UnivariateOLS/Lecture2_OLS_2022F.pptx
@@ -255,7 +255,7 @@
           <a:p>
             <a:fld id="{EF911157-0FC2-4F06-8D61-FD647FE4E19D}" type="datetimeFigureOut">
               <a:rPr lang="en-US" smtClean="0"/>
-              <a:t>8/9/2022</a:t>
+              <a:t>8/19/2022</a:t>
             </a:fld>
             <a:endParaRPr lang="en-US"/>
           </a:p>
@@ -4322,7 +4322,7 @@
             <a:fld id="{0972D05C-DCFB-4BB6-B49C-AC126BF3ED2C}" type="datetimeFigureOut">
               <a:rPr lang="en-US" smtClean="0"/>
               <a:pPr/>
-              <a:t>8/9/2022</a:t>
+              <a:t>8/19/2022</a:t>
             </a:fld>
             <a:endParaRPr lang="en-US"/>
           </a:p>
@@ -4552,7 +4552,7 @@
             <a:fld id="{0972D05C-DCFB-4BB6-B49C-AC126BF3ED2C}" type="datetimeFigureOut">
               <a:rPr lang="en-US" smtClean="0"/>
               <a:pPr/>
-              <a:t>8/9/2022</a:t>
+              <a:t>8/19/2022</a:t>
             </a:fld>
             <a:endParaRPr lang="en-US"/>
           </a:p>
@@ -4734,7 +4734,7 @@
             <a:fld id="{0972D05C-DCFB-4BB6-B49C-AC126BF3ED2C}" type="datetimeFigureOut">
               <a:rPr lang="en-US" smtClean="0"/>
               <a:pPr/>
-              <a:t>8/9/2022</a:t>
+              <a:t>8/19/2022</a:t>
             </a:fld>
             <a:endParaRPr lang="en-US"/>
           </a:p>
@@ -4906,7 +4906,7 @@
             <a:fld id="{0972D05C-DCFB-4BB6-B49C-AC126BF3ED2C}" type="datetimeFigureOut">
               <a:rPr lang="en-US" smtClean="0"/>
               <a:pPr/>
-              <a:t>8/9/2022</a:t>
+              <a:t>8/19/2022</a:t>
             </a:fld>
             <a:endParaRPr lang="en-US"/>
           </a:p>
@@ -5162,7 +5162,7 @@
             <a:fld id="{0972D05C-DCFB-4BB6-B49C-AC126BF3ED2C}" type="datetimeFigureOut">
               <a:rPr lang="en-US" smtClean="0"/>
               <a:pPr/>
-              <a:t>8/9/2022</a:t>
+              <a:t>8/19/2022</a:t>
             </a:fld>
             <a:endParaRPr lang="en-US"/>
           </a:p>
@@ -5490,7 +5490,7 @@
             <a:fld id="{0972D05C-DCFB-4BB6-B49C-AC126BF3ED2C}" type="datetimeFigureOut">
               <a:rPr lang="en-US" smtClean="0"/>
               <a:pPr/>
-              <a:t>8/9/2022</a:t>
+              <a:t>8/19/2022</a:t>
             </a:fld>
             <a:endParaRPr lang="en-US"/>
           </a:p>
@@ -5943,7 +5943,7 @@
             <a:fld id="{0972D05C-DCFB-4BB6-B49C-AC126BF3ED2C}" type="datetimeFigureOut">
               <a:rPr lang="en-US" smtClean="0"/>
               <a:pPr/>
-              <a:t>8/9/2022</a:t>
+              <a:t>8/19/2022</a:t>
             </a:fld>
             <a:endParaRPr lang="en-US"/>
           </a:p>
@@ -6063,7 +6063,7 @@
             <a:fld id="{0972D05C-DCFB-4BB6-B49C-AC126BF3ED2C}" type="datetimeFigureOut">
               <a:rPr lang="en-US" smtClean="0"/>
               <a:pPr/>
-              <a:t>8/9/2022</a:t>
+              <a:t>8/19/2022</a:t>
             </a:fld>
             <a:endParaRPr lang="en-US"/>
           </a:p>
@@ -6160,7 +6160,7 @@
             <a:fld id="{0972D05C-DCFB-4BB6-B49C-AC126BF3ED2C}" type="datetimeFigureOut">
               <a:rPr lang="en-US" smtClean="0"/>
               <a:pPr/>
-              <a:t>8/9/2022</a:t>
+              <a:t>8/19/2022</a:t>
             </a:fld>
             <a:endParaRPr lang="en-US"/>
           </a:p>
@@ -6449,7 +6449,7 @@
             <a:fld id="{0972D05C-DCFB-4BB6-B49C-AC126BF3ED2C}" type="datetimeFigureOut">
               <a:rPr lang="en-US" smtClean="0"/>
               <a:pPr/>
-              <a:t>8/9/2022</a:t>
+              <a:t>8/19/2022</a:t>
             </a:fld>
             <a:endParaRPr lang="en-US"/>
           </a:p>
@@ -6773,7 +6773,7 @@
             <a:fld id="{0972D05C-DCFB-4BB6-B49C-AC126BF3ED2C}" type="datetimeFigureOut">
               <a:rPr lang="en-US" smtClean="0"/>
               <a:pPr/>
-              <a:t>8/9/2022</a:t>
+              <a:t>8/19/2022</a:t>
             </a:fld>
             <a:endParaRPr lang="en-US"/>
           </a:p>
@@ -7028,7 +7028,7 @@
             <a:fld id="{0972D05C-DCFB-4BB6-B49C-AC126BF3ED2C}" type="datetimeFigureOut">
               <a:rPr lang="en-US" smtClean="0"/>
               <a:pPr/>
-              <a:t>8/9/2022</a:t>
+              <a:t>8/19/2022</a:t>
             </a:fld>
             <a:endParaRPr lang="en-US" dirty="0"/>
           </a:p>
@@ -8896,8 +8896,8 @@
           </a:p>
         </p:txBody>
       </p:sp>
-      <mc:AlternateContent xmlns:mc="http://schemas.openxmlformats.org/markup-compatibility/2006">
-        <mc:Choice xmlns:a14="http://schemas.microsoft.com/office/drawing/2010/main" Requires="a14">
+      <mc:AlternateContent xmlns:mc="http://schemas.openxmlformats.org/markup-compatibility/2006" xmlns:a14="http://schemas.microsoft.com/office/drawing/2010/main">
+        <mc:Choice Requires="a14">
           <p:sp>
             <p:nvSpPr>
               <p:cNvPr id="3" name="Content Placeholder 2"/>
@@ -9178,7 +9178,7 @@
             </p:txBody>
           </p:sp>
         </mc:Choice>
-        <mc:Fallback>
+        <mc:Fallback xmlns="">
           <p:sp>
             <p:nvSpPr>
               <p:cNvPr id="3" name="Content Placeholder 2"/>
@@ -10746,8 +10746,8 @@
           </a:p>
         </p:txBody>
       </p:sp>
-      <mc:AlternateContent xmlns:mc="http://schemas.openxmlformats.org/markup-compatibility/2006">
-        <mc:Choice xmlns:a14="http://schemas.microsoft.com/office/drawing/2010/main" Requires="a14">
+      <mc:AlternateContent xmlns:mc="http://schemas.openxmlformats.org/markup-compatibility/2006" xmlns:a14="http://schemas.microsoft.com/office/drawing/2010/main">
+        <mc:Choice Requires="a14">
           <p:sp>
             <p:nvSpPr>
               <p:cNvPr id="3" name="Content Placeholder 2"/>
@@ -11235,7 +11235,7 @@
             </p:txBody>
           </p:sp>
         </mc:Choice>
-        <mc:Fallback>
+        <mc:Fallback xmlns="">
           <p:sp>
             <p:nvSpPr>
               <p:cNvPr id="3" name="Content Placeholder 2"/>
@@ -14171,8 +14171,8 @@
           </a:p>
         </p:txBody>
       </p:sp>
-      <mc:AlternateContent xmlns:mc="http://schemas.openxmlformats.org/markup-compatibility/2006">
-        <mc:Choice xmlns:a14="http://schemas.microsoft.com/office/drawing/2010/main" Requires="a14">
+      <mc:AlternateContent xmlns:mc="http://schemas.openxmlformats.org/markup-compatibility/2006" xmlns:a14="http://schemas.microsoft.com/office/drawing/2010/main">
+        <mc:Choice Requires="a14">
           <p:sp>
             <p:nvSpPr>
               <p:cNvPr id="3" name="Content Placeholder 2"/>
@@ -15103,7 +15103,7 @@
             </p:txBody>
           </p:sp>
         </mc:Choice>
-        <mc:Fallback>
+        <mc:Fallback xmlns="">
           <p:sp>
             <p:nvSpPr>
               <p:cNvPr id="3" name="Content Placeholder 2"/>
@@ -17389,8 +17389,8 @@
           </a:p>
         </p:txBody>
       </p:sp>
-      <mc:AlternateContent xmlns:mc="http://schemas.openxmlformats.org/markup-compatibility/2006">
-        <mc:Choice xmlns:a14="http://schemas.microsoft.com/office/drawing/2010/main" Requires="a14">
+      <mc:AlternateContent xmlns:mc="http://schemas.openxmlformats.org/markup-compatibility/2006" xmlns:a14="http://schemas.microsoft.com/office/drawing/2010/main">
+        <mc:Choice Requires="a14">
           <p:sp>
             <p:nvSpPr>
               <p:cNvPr id="3" name="Content Placeholder 2"/>
@@ -17486,7 +17486,7 @@
             </p:txBody>
           </p:sp>
         </mc:Choice>
-        <mc:Fallback>
+        <mc:Fallback xmlns="">
           <p:sp>
             <p:nvSpPr>
               <p:cNvPr id="3" name="Content Placeholder 2"/>
@@ -17589,8 +17589,8 @@
           </a:p>
         </p:txBody>
       </p:sp>
-      <mc:AlternateContent xmlns:mc="http://schemas.openxmlformats.org/markup-compatibility/2006">
-        <mc:Choice xmlns:a14="http://schemas.microsoft.com/office/drawing/2010/main" Requires="a14">
+      <mc:AlternateContent xmlns:mc="http://schemas.openxmlformats.org/markup-compatibility/2006" xmlns:a14="http://schemas.microsoft.com/office/drawing/2010/main">
+        <mc:Choice Requires="a14">
           <p:sp>
             <p:nvSpPr>
               <p:cNvPr id="3" name="Content Placeholder 2"/>
@@ -17736,7 +17736,7 @@
             </p:txBody>
           </p:sp>
         </mc:Choice>
-        <mc:Fallback>
+        <mc:Fallback xmlns="">
           <p:sp>
             <p:nvSpPr>
               <p:cNvPr id="3" name="Content Placeholder 2"/>
@@ -18305,8 +18305,8 @@
           </a:p>
         </p:txBody>
       </p:sp>
-      <mc:AlternateContent xmlns:mc="http://schemas.openxmlformats.org/markup-compatibility/2006">
-        <mc:Choice xmlns:a14="http://schemas.microsoft.com/office/drawing/2010/main" Requires="a14">
+      <mc:AlternateContent xmlns:mc="http://schemas.openxmlformats.org/markup-compatibility/2006" xmlns:a14="http://schemas.microsoft.com/office/drawing/2010/main">
+        <mc:Choice Requires="a14">
           <p:sp>
             <p:nvSpPr>
               <p:cNvPr id="3" name="Content Placeholder 2"/>
@@ -18941,7 +18941,7 @@
             </p:txBody>
           </p:sp>
         </mc:Choice>
-        <mc:Fallback>
+        <mc:Fallback xmlns="">
           <p:sp>
             <p:nvSpPr>
               <p:cNvPr id="3" name="Content Placeholder 2"/>
@@ -19988,8 +19988,8 @@
           </a:p>
         </p:txBody>
       </p:sp>
-      <mc:AlternateContent xmlns:mc="http://schemas.openxmlformats.org/markup-compatibility/2006">
-        <mc:Choice xmlns:a14="http://schemas.microsoft.com/office/drawing/2010/main" Requires="a14">
+      <mc:AlternateContent xmlns:mc="http://schemas.openxmlformats.org/markup-compatibility/2006" xmlns:a14="http://schemas.microsoft.com/office/drawing/2010/main">
+        <mc:Choice Requires="a14">
           <p:sp>
             <p:nvSpPr>
               <p:cNvPr id="3" name="Content Placeholder 2"/>
@@ -20271,7 +20271,7 @@
             </p:txBody>
           </p:sp>
         </mc:Choice>
-        <mc:Fallback>
+        <mc:Fallback xmlns="">
           <p:sp>
             <p:nvSpPr>
               <p:cNvPr id="3" name="Content Placeholder 2"/>
@@ -20374,8 +20374,8 @@
           </a:p>
         </p:txBody>
       </p:sp>
-      <mc:AlternateContent xmlns:mc="http://schemas.openxmlformats.org/markup-compatibility/2006">
-        <mc:Choice xmlns:a14="http://schemas.microsoft.com/office/drawing/2010/main" Requires="a14">
+      <mc:AlternateContent xmlns:mc="http://schemas.openxmlformats.org/markup-compatibility/2006" xmlns:a14="http://schemas.microsoft.com/office/drawing/2010/main">
+        <mc:Choice Requires="a14">
           <p:sp>
             <p:nvSpPr>
               <p:cNvPr id="3" name="Content Placeholder 2"/>
@@ -20801,7 +20801,7 @@
             </p:txBody>
           </p:sp>
         </mc:Choice>
-        <mc:Fallback>
+        <mc:Fallback xmlns="">
           <p:sp>
             <p:nvSpPr>
               <p:cNvPr id="3" name="Content Placeholder 2"/>
@@ -20904,8 +20904,8 @@
           </a:p>
         </p:txBody>
       </p:sp>
-      <mc:AlternateContent xmlns:mc="http://schemas.openxmlformats.org/markup-compatibility/2006">
-        <mc:Choice xmlns:a14="http://schemas.microsoft.com/office/drawing/2010/main" Requires="a14">
+      <mc:AlternateContent xmlns:mc="http://schemas.openxmlformats.org/markup-compatibility/2006" xmlns:a14="http://schemas.microsoft.com/office/drawing/2010/main">
+        <mc:Choice Requires="a14">
           <p:sp>
             <p:nvSpPr>
               <p:cNvPr id="3" name="Content Placeholder 2"/>
@@ -21492,7 +21492,7 @@
             </p:txBody>
           </p:sp>
         </mc:Choice>
-        <mc:Fallback>
+        <mc:Fallback xmlns="">
           <p:sp>
             <p:nvSpPr>
               <p:cNvPr id="3" name="Content Placeholder 2"/>
@@ -21595,8 +21595,8 @@
           </a:p>
         </p:txBody>
       </p:sp>
-      <mc:AlternateContent xmlns:mc="http://schemas.openxmlformats.org/markup-compatibility/2006">
-        <mc:Choice xmlns:a14="http://schemas.microsoft.com/office/drawing/2010/main" Requires="a14">
+      <mc:AlternateContent xmlns:mc="http://schemas.openxmlformats.org/markup-compatibility/2006" xmlns:a14="http://schemas.microsoft.com/office/drawing/2010/main">
+        <mc:Choice Requires="a14">
           <p:sp>
             <p:nvSpPr>
               <p:cNvPr id="3" name="Content Placeholder 2"/>
@@ -22402,7 +22402,7 @@
             </p:txBody>
           </p:sp>
         </mc:Choice>
-        <mc:Fallback>
+        <mc:Fallback xmlns="">
           <p:sp>
             <p:nvSpPr>
               <p:cNvPr id="3" name="Content Placeholder 2"/>
@@ -22512,8 +22512,8 @@
           </a:p>
         </p:txBody>
       </p:sp>
-      <mc:AlternateContent xmlns:mc="http://schemas.openxmlformats.org/markup-compatibility/2006">
-        <mc:Choice xmlns:a14="http://schemas.microsoft.com/office/drawing/2010/main" Requires="a14">
+      <mc:AlternateContent xmlns:mc="http://schemas.openxmlformats.org/markup-compatibility/2006" xmlns:a14="http://schemas.microsoft.com/office/drawing/2010/main">
+        <mc:Choice Requires="a14">
           <p:sp>
             <p:nvSpPr>
               <p:cNvPr id="3" name="Content Placeholder 2"/>
@@ -23141,7 +23141,7 @@
             </p:txBody>
           </p:sp>
         </mc:Choice>
-        <mc:Fallback>
+        <mc:Fallback xmlns="">
           <p:sp>
             <p:nvSpPr>
               <p:cNvPr id="3" name="Content Placeholder 2"/>
@@ -23251,8 +23251,8 @@
           </a:p>
         </p:txBody>
       </p:sp>
-      <mc:AlternateContent xmlns:mc="http://schemas.openxmlformats.org/markup-compatibility/2006">
-        <mc:Choice xmlns:a14="http://schemas.microsoft.com/office/drawing/2010/main" Requires="a14">
+      <mc:AlternateContent xmlns:mc="http://schemas.openxmlformats.org/markup-compatibility/2006" xmlns:a14="http://schemas.microsoft.com/office/drawing/2010/main">
+        <mc:Choice Requires="a14">
           <p:sp>
             <p:nvSpPr>
               <p:cNvPr id="3" name="Content Placeholder 2"/>
@@ -23844,7 +23844,7 @@
             </p:txBody>
           </p:sp>
         </mc:Choice>
-        <mc:Fallback>
+        <mc:Fallback xmlns="">
           <p:sp>
             <p:nvSpPr>
               <p:cNvPr id="3" name="Content Placeholder 2"/>
@@ -23944,8 +23944,8 @@
           </a:p>
         </p:txBody>
       </p:sp>
-      <mc:AlternateContent xmlns:mc="http://schemas.openxmlformats.org/markup-compatibility/2006">
-        <mc:Choice xmlns:a14="http://schemas.microsoft.com/office/drawing/2010/main" Requires="a14">
+      <mc:AlternateContent xmlns:mc="http://schemas.openxmlformats.org/markup-compatibility/2006" xmlns:a14="http://schemas.microsoft.com/office/drawing/2010/main">
+        <mc:Choice Requires="a14">
           <p:sp>
             <p:nvSpPr>
               <p:cNvPr id="3" name="Content Placeholder 2"/>
@@ -25284,7 +25284,7 @@
             </p:txBody>
           </p:sp>
         </mc:Choice>
-        <mc:Fallback>
+        <mc:Fallback xmlns="">
           <p:sp>
             <p:nvSpPr>
               <p:cNvPr id="3" name="Content Placeholder 2"/>
@@ -25431,8 +25431,8 @@
           </a:p>
         </p:txBody>
       </p:sp>
-      <mc:AlternateContent xmlns:mc="http://schemas.openxmlformats.org/markup-compatibility/2006">
-        <mc:Choice xmlns:a14="http://schemas.microsoft.com/office/drawing/2010/main" Requires="a14">
+      <mc:AlternateContent xmlns:mc="http://schemas.openxmlformats.org/markup-compatibility/2006" xmlns:a14="http://schemas.microsoft.com/office/drawing/2010/main">
+        <mc:Choice Requires="a14">
           <p:sp>
             <p:nvSpPr>
               <p:cNvPr id="3" name="Content Placeholder 2"/>
@@ -26301,7 +26301,7 @@
             </p:txBody>
           </p:sp>
         </mc:Choice>
-        <mc:Fallback>
+        <mc:Fallback xmlns="">
           <p:sp>
             <p:nvSpPr>
               <p:cNvPr id="3" name="Content Placeholder 2"/>
@@ -26448,8 +26448,8 @@
           </a:p>
         </p:txBody>
       </p:sp>
-      <mc:AlternateContent xmlns:mc="http://schemas.openxmlformats.org/markup-compatibility/2006">
-        <mc:Choice xmlns:a14="http://schemas.microsoft.com/office/drawing/2010/main" Requires="a14">
+      <mc:AlternateContent xmlns:mc="http://schemas.openxmlformats.org/markup-compatibility/2006" xmlns:a14="http://schemas.microsoft.com/office/drawing/2010/main">
+        <mc:Choice Requires="a14">
           <p:sp>
             <p:nvSpPr>
               <p:cNvPr id="3" name="Content Placeholder 2"/>
@@ -27154,7 +27154,7 @@
             </p:txBody>
           </p:sp>
         </mc:Choice>
-        <mc:Fallback>
+        <mc:Fallback xmlns="">
           <p:sp>
             <p:nvSpPr>
               <p:cNvPr id="3" name="Content Placeholder 2"/>
@@ -27254,8 +27254,8 @@
           </a:p>
         </p:txBody>
       </p:sp>
-      <mc:AlternateContent xmlns:mc="http://schemas.openxmlformats.org/markup-compatibility/2006">
-        <mc:Choice xmlns:a14="http://schemas.microsoft.com/office/drawing/2010/main" Requires="a14">
+      <mc:AlternateContent xmlns:mc="http://schemas.openxmlformats.org/markup-compatibility/2006" xmlns:a14="http://schemas.microsoft.com/office/drawing/2010/main">
+        <mc:Choice Requires="a14">
           <p:sp>
             <p:nvSpPr>
               <p:cNvPr id="3" name="Content Placeholder 2"/>
@@ -27997,7 +27997,7 @@
             </p:txBody>
           </p:sp>
         </mc:Choice>
-        <mc:Fallback>
+        <mc:Fallback xmlns="">
           <p:sp>
             <p:nvSpPr>
               <p:cNvPr id="3" name="Content Placeholder 2"/>
@@ -28335,8 +28335,8 @@
           </a:p>
         </p:txBody>
       </p:sp>
-      <mc:AlternateContent xmlns:mc="http://schemas.openxmlformats.org/markup-compatibility/2006">
-        <mc:Choice xmlns:a14="http://schemas.microsoft.com/office/drawing/2010/main" Requires="a14">
+      <mc:AlternateContent xmlns:mc="http://schemas.openxmlformats.org/markup-compatibility/2006" xmlns:a14="http://schemas.microsoft.com/office/drawing/2010/main">
+        <mc:Choice Requires="a14">
           <p:sp>
             <p:nvSpPr>
               <p:cNvPr id="3" name="Content Placeholder 2"/>
@@ -29004,7 +29004,7 @@
             </p:txBody>
           </p:sp>
         </mc:Choice>
-        <mc:Fallback>
+        <mc:Fallback xmlns="">
           <p:sp>
             <p:nvSpPr>
               <p:cNvPr id="3" name="Content Placeholder 2"/>
@@ -29104,8 +29104,8 @@
           </a:p>
         </p:txBody>
       </p:sp>
-      <mc:AlternateContent xmlns:mc="http://schemas.openxmlformats.org/markup-compatibility/2006">
-        <mc:Choice xmlns:a14="http://schemas.microsoft.com/office/drawing/2010/main" Requires="a14">
+      <mc:AlternateContent xmlns:mc="http://schemas.openxmlformats.org/markup-compatibility/2006" xmlns:a14="http://schemas.microsoft.com/office/drawing/2010/main">
+        <mc:Choice Requires="a14">
           <p:sp>
             <p:nvSpPr>
               <p:cNvPr id="3" name="Content Placeholder 2"/>
@@ -29719,7 +29719,7 @@
             </p:txBody>
           </p:sp>
         </mc:Choice>
-        <mc:Fallback>
+        <mc:Fallback xmlns="">
           <p:sp>
             <p:nvSpPr>
               <p:cNvPr id="3" name="Content Placeholder 2"/>
@@ -29866,8 +29866,8 @@
           </a:p>
         </p:txBody>
       </p:sp>
-      <mc:AlternateContent xmlns:mc="http://schemas.openxmlformats.org/markup-compatibility/2006">
-        <mc:Choice xmlns:a14="http://schemas.microsoft.com/office/drawing/2010/main" Requires="a14">
+      <mc:AlternateContent xmlns:mc="http://schemas.openxmlformats.org/markup-compatibility/2006" xmlns:a14="http://schemas.microsoft.com/office/drawing/2010/main">
+        <mc:Choice Requires="a14">
           <p:sp>
             <p:nvSpPr>
               <p:cNvPr id="3" name="Content Placeholder 2"/>
@@ -30542,7 +30542,7 @@
             </p:txBody>
           </p:sp>
         </mc:Choice>
-        <mc:Fallback>
+        <mc:Fallback xmlns="">
           <p:sp>
             <p:nvSpPr>
               <p:cNvPr id="3" name="Content Placeholder 2"/>
@@ -30760,8 +30760,8 @@
           </a:p>
         </p:txBody>
       </p:sp>
-      <mc:AlternateContent xmlns:mc="http://schemas.openxmlformats.org/markup-compatibility/2006">
-        <mc:Choice xmlns:a14="http://schemas.microsoft.com/office/drawing/2010/main" Requires="a14">
+      <mc:AlternateContent xmlns:mc="http://schemas.openxmlformats.org/markup-compatibility/2006" xmlns:a14="http://schemas.microsoft.com/office/drawing/2010/main">
+        <mc:Choice Requires="a14">
           <p:sp>
             <p:nvSpPr>
               <p:cNvPr id="3" name="Content Placeholder 2"/>
@@ -31642,7 +31642,7 @@
             </p:txBody>
           </p:sp>
         </mc:Choice>
-        <mc:Fallback>
+        <mc:Fallback xmlns="">
           <p:sp>
             <p:nvSpPr>
               <p:cNvPr id="3" name="Content Placeholder 2"/>
@@ -31742,8 +31742,8 @@
           </a:p>
         </p:txBody>
       </p:sp>
-      <mc:AlternateContent xmlns:mc="http://schemas.openxmlformats.org/markup-compatibility/2006">
-        <mc:Choice xmlns:a14="http://schemas.microsoft.com/office/drawing/2010/main" Requires="a14">
+      <mc:AlternateContent xmlns:mc="http://schemas.openxmlformats.org/markup-compatibility/2006" xmlns:a14="http://schemas.microsoft.com/office/drawing/2010/main">
+        <mc:Choice Requires="a14">
           <p:sp>
             <p:nvSpPr>
               <p:cNvPr id="3" name="Content Placeholder 2"/>
@@ -32730,7 +32730,7 @@
             </p:txBody>
           </p:sp>
         </mc:Choice>
-        <mc:Fallback>
+        <mc:Fallback xmlns="">
           <p:sp>
             <p:nvSpPr>
               <p:cNvPr id="3" name="Content Placeholder 2"/>
@@ -32830,8 +32830,8 @@
           </a:p>
         </p:txBody>
       </p:sp>
-      <mc:AlternateContent xmlns:mc="http://schemas.openxmlformats.org/markup-compatibility/2006">
-        <mc:Choice xmlns:a14="http://schemas.microsoft.com/office/drawing/2010/main" Requires="a14">
+      <mc:AlternateContent xmlns:mc="http://schemas.openxmlformats.org/markup-compatibility/2006" xmlns:a14="http://schemas.microsoft.com/office/drawing/2010/main">
+        <mc:Choice Requires="a14">
           <p:sp>
             <p:nvSpPr>
               <p:cNvPr id="3" name="Content Placeholder 2"/>
@@ -33995,7 +33995,7 @@
             </p:txBody>
           </p:sp>
         </mc:Choice>
-        <mc:Fallback>
+        <mc:Fallback xmlns="">
           <p:sp>
             <p:nvSpPr>
               <p:cNvPr id="3" name="Content Placeholder 2"/>
@@ -34095,8 +34095,8 @@
           </a:p>
         </p:txBody>
       </p:sp>
-      <mc:AlternateContent xmlns:mc="http://schemas.openxmlformats.org/markup-compatibility/2006">
-        <mc:Choice xmlns:a14="http://schemas.microsoft.com/office/drawing/2010/main" Requires="a14">
+      <mc:AlternateContent xmlns:mc="http://schemas.openxmlformats.org/markup-compatibility/2006" xmlns:a14="http://schemas.microsoft.com/office/drawing/2010/main">
+        <mc:Choice Requires="a14">
           <p:sp>
             <p:nvSpPr>
               <p:cNvPr id="3" name="Content Placeholder 2"/>
@@ -35322,7 +35322,7 @@
             </p:txBody>
           </p:sp>
         </mc:Choice>
-        <mc:Fallback>
+        <mc:Fallback xmlns="">
           <p:sp>
             <p:nvSpPr>
               <p:cNvPr id="3" name="Content Placeholder 2"/>
@@ -35663,8 +35663,8 @@
         </p:blipFill>
         <p:spPr bwMode="auto">
           <a:xfrm>
-            <a:off x="1447799" y="1447800"/>
-            <a:ext cx="6034493" cy="5141388"/>
+            <a:off x="137707" y="1524000"/>
+            <a:ext cx="4680000" cy="3987360"/>
           </a:xfrm>
           <a:prstGeom prst="rect">
             <a:avLst/>
@@ -35679,6 +35679,36 @@
               </a14:hiddenFill>
             </a:ext>
           </a:extLst>
+        </p:spPr>
+      </p:pic>
+      <p:pic>
+        <p:nvPicPr>
+          <p:cNvPr id="5" name="Picture 4">
+            <a:extLst>
+              <a:ext uri="{FF2B5EF4-FFF2-40B4-BE49-F238E27FC236}">
+                <a16:creationId xmlns:a16="http://schemas.microsoft.com/office/drawing/2014/main" id="{FB420987-4E4C-E816-724E-440FD352A971}"/>
+              </a:ext>
+            </a:extLst>
+          </p:cNvPr>
+          <p:cNvPicPr>
+            <a:picLocks noChangeAspect="1"/>
+          </p:cNvPicPr>
+          <p:nvPr/>
+        </p:nvPicPr>
+        <p:blipFill>
+          <a:blip r:embed="rId4"/>
+          <a:stretch>
+            <a:fillRect/>
+          </a:stretch>
+        </p:blipFill>
+        <p:spPr>
+          <a:xfrm>
+            <a:off x="4953000" y="1905000"/>
+            <a:ext cx="5753903" cy="1981477"/>
+          </a:xfrm>
+          <a:prstGeom prst="rect">
+            <a:avLst/>
+          </a:prstGeom>
         </p:spPr>
       </p:pic>
     </p:spTree>
@@ -35826,8 +35856,8 @@
           </a:p>
         </p:txBody>
       </p:sp>
-      <mc:AlternateContent xmlns:mc="http://schemas.openxmlformats.org/markup-compatibility/2006">
-        <mc:Choice xmlns:a14="http://schemas.microsoft.com/office/drawing/2010/main" Requires="a14">
+      <mc:AlternateContent xmlns:mc="http://schemas.openxmlformats.org/markup-compatibility/2006" xmlns:a14="http://schemas.microsoft.com/office/drawing/2010/main">
+        <mc:Choice Requires="a14">
           <p:sp>
             <p:nvSpPr>
               <p:cNvPr id="3" name="Content Placeholder 2"/>
@@ -36346,7 +36376,7 @@
             </p:txBody>
           </p:sp>
         </mc:Choice>
-        <mc:Fallback>
+        <mc:Fallback xmlns="">
           <p:sp>
             <p:nvSpPr>
               <p:cNvPr id="3" name="Content Placeholder 2"/>
@@ -36446,8 +36476,8 @@
           </a:p>
         </p:txBody>
       </p:sp>
-      <mc:AlternateContent xmlns:mc="http://schemas.openxmlformats.org/markup-compatibility/2006">
-        <mc:Choice xmlns:a14="http://schemas.microsoft.com/office/drawing/2010/main" Requires="a14">
+      <mc:AlternateContent xmlns:mc="http://schemas.openxmlformats.org/markup-compatibility/2006" xmlns:a14="http://schemas.microsoft.com/office/drawing/2010/main">
+        <mc:Choice Requires="a14">
           <p:sp>
             <p:nvSpPr>
               <p:cNvPr id="3" name="Content Placeholder 2"/>
@@ -37003,7 +37033,7 @@
             </p:txBody>
           </p:sp>
         </mc:Choice>
-        <mc:Fallback>
+        <mc:Fallback xmlns="">
           <p:sp>
             <p:nvSpPr>
               <p:cNvPr id="3" name="Content Placeholder 2"/>

--- a/Lecture02_UnivariateOLS/Lecture2_OLS_2022F.pptx
+++ b/Lecture02_UnivariateOLS/Lecture2_OLS_2022F.pptx
@@ -53,8 +53,8 @@
     <p:sldId id="350" r:id="rId44"/>
     <p:sldId id="354" r:id="rId45"/>
     <p:sldId id="356" r:id="rId46"/>
-    <p:sldId id="364" r:id="rId47"/>
-    <p:sldId id="365" r:id="rId48"/>
+    <p:sldId id="374" r:id="rId47"/>
+    <p:sldId id="375" r:id="rId48"/>
     <p:sldId id="353" r:id="rId49"/>
   </p:sldIdLst>
   <p:sldSz cx="12192000" cy="6858000"/>
@@ -255,7 +255,7 @@
           <a:p>
             <a:fld id="{EF911157-0FC2-4F06-8D61-FD647FE4E19D}" type="datetimeFigureOut">
               <a:rPr lang="en-US" smtClean="0"/>
-              <a:t>8/19/2022</a:t>
+              <a:t>9/15/2022</a:t>
             </a:fld>
             <a:endParaRPr lang="en-US"/>
           </a:p>
@@ -661,7 +661,186 @@
           <a:p>
             <a:r>
               <a:rPr lang="en-US" dirty="0"/>
-              <a:t>P(B|A) is the data you observe</a:t>
+              <a:t>Note – here chronic conditions are absorbing states -- you don’t get away from them. Hence, as you proceed into the future, your probability of getting a chronic condition is the same in each period, but your total probability is a different number (stocks versus flows). </a:t>
+            </a:r>
+            <a:r>
+              <a:rPr lang="en-US" b="1" dirty="0"/>
+              <a:t>Timing of inference/regression matters. </a:t>
+            </a:r>
+            <a:endParaRPr lang="en-US" dirty="0"/>
+          </a:p>
+        </p:txBody>
+      </p:sp>
+      <p:sp>
+        <p:nvSpPr>
+          <p:cNvPr id="4" name="Slide Number Placeholder 3"/>
+          <p:cNvSpPr>
+            <a:spLocks noGrp="1"/>
+          </p:cNvSpPr>
+          <p:nvPr>
+            <p:ph type="sldNum" sz="quarter" idx="5"/>
+          </p:nvPr>
+        </p:nvSpPr>
+        <p:spPr/>
+        <p:txBody>
+          <a:bodyPr/>
+          <a:lstStyle/>
+          <a:p>
+            <a:fld id="{4AF79E1B-2C51-4B9B-8EA4-26DE9E345AFF}" type="slidenum">
+              <a:rPr lang="en-US" smtClean="0"/>
+              <a:t>12</a:t>
+            </a:fld>
+            <a:endParaRPr lang="en-US"/>
+          </a:p>
+        </p:txBody>
+      </p:sp>
+    </p:spTree>
+    <p:extLst>
+      <p:ext uri="{BB962C8B-B14F-4D97-AF65-F5344CB8AC3E}">
+        <p14:creationId xmlns:p14="http://schemas.microsoft.com/office/powerpoint/2010/main" val="2831909352"/>
+      </p:ext>
+    </p:extLst>
+  </p:cSld>
+  <p:clrMapOvr>
+    <a:masterClrMapping/>
+  </p:clrMapOvr>
+</p:notes>
+</file>
+
+<file path=ppt/notesSlides/notesSlide11.xml><?xml version="1.0" encoding="utf-8"?>
+<p:notes xmlns:a="http://schemas.openxmlformats.org/drawingml/2006/main" xmlns:r="http://schemas.openxmlformats.org/officeDocument/2006/relationships" xmlns:p="http://schemas.openxmlformats.org/presentationml/2006/main">
+  <p:cSld>
+    <p:spTree>
+      <p:nvGrpSpPr>
+        <p:cNvPr id="1" name=""/>
+        <p:cNvGrpSpPr/>
+        <p:nvPr/>
+      </p:nvGrpSpPr>
+      <p:grpSpPr>
+        <a:xfrm>
+          <a:off x="0" y="0"/>
+          <a:ext cx="0" cy="0"/>
+          <a:chOff x="0" y="0"/>
+          <a:chExt cx="0" cy="0"/>
+        </a:xfrm>
+      </p:grpSpPr>
+      <p:sp>
+        <p:nvSpPr>
+          <p:cNvPr id="2" name="Slide Image Placeholder 1"/>
+          <p:cNvSpPr>
+            <a:spLocks noGrp="1" noRot="1" noChangeAspect="1"/>
+          </p:cNvSpPr>
+          <p:nvPr>
+            <p:ph type="sldImg"/>
+          </p:nvPr>
+        </p:nvSpPr>
+        <p:spPr/>
+      </p:sp>
+      <p:sp>
+        <p:nvSpPr>
+          <p:cNvPr id="3" name="Notes Placeholder 2"/>
+          <p:cNvSpPr>
+            <a:spLocks noGrp="1"/>
+          </p:cNvSpPr>
+          <p:nvPr>
+            <p:ph type="body" idx="1"/>
+          </p:nvPr>
+        </p:nvSpPr>
+        <p:spPr/>
+        <p:txBody>
+          <a:bodyPr/>
+          <a:lstStyle/>
+          <a:p>
+            <a:r>
+              <a:rPr lang="en-US" dirty="0"/>
+              <a:t>Note: what assumptions does this process depend on? That you look like me (this is a very standard assumption, should think about it a lot in metrics). </a:t>
+            </a:r>
+          </a:p>
+        </p:txBody>
+      </p:sp>
+      <p:sp>
+        <p:nvSpPr>
+          <p:cNvPr id="4" name="Slide Number Placeholder 3"/>
+          <p:cNvSpPr>
+            <a:spLocks noGrp="1"/>
+          </p:cNvSpPr>
+          <p:nvPr>
+            <p:ph type="sldNum" sz="quarter" idx="5"/>
+          </p:nvPr>
+        </p:nvSpPr>
+        <p:spPr/>
+        <p:txBody>
+          <a:bodyPr/>
+          <a:lstStyle/>
+          <a:p>
+            <a:fld id="{4AF79E1B-2C51-4B9B-8EA4-26DE9E345AFF}" type="slidenum">
+              <a:rPr lang="en-US" smtClean="0"/>
+              <a:t>13</a:t>
+            </a:fld>
+            <a:endParaRPr lang="en-US"/>
+          </a:p>
+        </p:txBody>
+      </p:sp>
+    </p:spTree>
+    <p:extLst>
+      <p:ext uri="{BB962C8B-B14F-4D97-AF65-F5344CB8AC3E}">
+        <p14:creationId xmlns:p14="http://schemas.microsoft.com/office/powerpoint/2010/main" val="3667854020"/>
+      </p:ext>
+    </p:extLst>
+  </p:cSld>
+  <p:clrMapOvr>
+    <a:masterClrMapping/>
+  </p:clrMapOvr>
+</p:notes>
+</file>
+
+<file path=ppt/notesSlides/notesSlide12.xml><?xml version="1.0" encoding="utf-8"?>
+<p:notes xmlns:a="http://schemas.openxmlformats.org/drawingml/2006/main" xmlns:r="http://schemas.openxmlformats.org/officeDocument/2006/relationships" xmlns:p="http://schemas.openxmlformats.org/presentationml/2006/main">
+  <p:cSld>
+    <p:spTree>
+      <p:nvGrpSpPr>
+        <p:cNvPr id="1" name=""/>
+        <p:cNvGrpSpPr/>
+        <p:nvPr/>
+      </p:nvGrpSpPr>
+      <p:grpSpPr>
+        <a:xfrm>
+          <a:off x="0" y="0"/>
+          <a:ext cx="0" cy="0"/>
+          <a:chOff x="0" y="0"/>
+          <a:chExt cx="0" cy="0"/>
+        </a:xfrm>
+      </p:grpSpPr>
+      <p:sp>
+        <p:nvSpPr>
+          <p:cNvPr id="2" name="Slide Image Placeholder 1"/>
+          <p:cNvSpPr>
+            <a:spLocks noGrp="1" noRot="1" noChangeAspect="1"/>
+          </p:cNvSpPr>
+          <p:nvPr>
+            <p:ph type="sldImg"/>
+          </p:nvPr>
+        </p:nvSpPr>
+        <p:spPr/>
+      </p:sp>
+      <p:sp>
+        <p:nvSpPr>
+          <p:cNvPr id="3" name="Notes Placeholder 2"/>
+          <p:cNvSpPr>
+            <a:spLocks noGrp="1"/>
+          </p:cNvSpPr>
+          <p:nvPr>
+            <p:ph type="body" idx="1"/>
+          </p:nvPr>
+        </p:nvSpPr>
+        <p:spPr/>
+        <p:txBody>
+          <a:bodyPr/>
+          <a:lstStyle/>
+          <a:p>
+            <a:r>
+              <a:rPr lang="en-US" dirty="0"/>
+              <a:t>P(B|A) is the data you observe. This is literally a data generating process! Albeit one of many</a:t>
             </a:r>
           </a:p>
         </p:txBody>
@@ -702,7 +881,7 @@
 </p:notes>
 </file>
 
-<file path=ppt/notesSlides/notesSlide11.xml><?xml version="1.0" encoding="utf-8"?>
+<file path=ppt/notesSlides/notesSlide13.xml><?xml version="1.0" encoding="utf-8"?>
 <p:notes xmlns:a="http://schemas.openxmlformats.org/drawingml/2006/main" xmlns:r="http://schemas.openxmlformats.org/officeDocument/2006/relationships" xmlns:p="http://schemas.openxmlformats.org/presentationml/2006/main">
   <p:cSld>
     <p:spTree>
@@ -789,7 +968,111 @@
 </p:notes>
 </file>
 
-<file path=ppt/notesSlides/notesSlide12.xml><?xml version="1.0" encoding="utf-8"?>
+<file path=ppt/notesSlides/notesSlide14.xml><?xml version="1.0" encoding="utf-8"?>
+<p:notes xmlns:a="http://schemas.openxmlformats.org/drawingml/2006/main" xmlns:r="http://schemas.openxmlformats.org/officeDocument/2006/relationships" xmlns:p="http://schemas.openxmlformats.org/presentationml/2006/main">
+  <p:cSld>
+    <p:spTree>
+      <p:nvGrpSpPr>
+        <p:cNvPr id="1" name=""/>
+        <p:cNvGrpSpPr/>
+        <p:nvPr/>
+      </p:nvGrpSpPr>
+      <p:grpSpPr>
+        <a:xfrm>
+          <a:off x="0" y="0"/>
+          <a:ext cx="0" cy="0"/>
+          <a:chOff x="0" y="0"/>
+          <a:chExt cx="0" cy="0"/>
+        </a:xfrm>
+      </p:grpSpPr>
+      <p:sp>
+        <p:nvSpPr>
+          <p:cNvPr id="2" name="Slide Image Placeholder 1"/>
+          <p:cNvSpPr>
+            <a:spLocks noGrp="1" noRot="1" noChangeAspect="1"/>
+          </p:cNvSpPr>
+          <p:nvPr>
+            <p:ph type="sldImg"/>
+          </p:nvPr>
+        </p:nvSpPr>
+        <p:spPr/>
+      </p:sp>
+      <p:sp>
+        <p:nvSpPr>
+          <p:cNvPr id="3" name="Notes Placeholder 2"/>
+          <p:cNvSpPr>
+            <a:spLocks noGrp="1"/>
+          </p:cNvSpPr>
+          <p:nvPr>
+            <p:ph type="body" idx="1"/>
+          </p:nvPr>
+        </p:nvSpPr>
+        <p:spPr/>
+        <p:txBody>
+          <a:bodyPr/>
+          <a:lstStyle/>
+          <a:p>
+            <a:r>
+              <a:rPr lang="en-US" dirty="0"/>
+              <a:t>We introduced this notation last time – remember that expectations are </a:t>
+            </a:r>
+            <a:r>
+              <a:rPr lang="en-US" b="1" dirty="0"/>
+              <a:t>weighted averages, </a:t>
+            </a:r>
+            <a:r>
+              <a:rPr lang="en-US" b="0" dirty="0"/>
+              <a:t>where weights are probabilities. If data is </a:t>
+            </a:r>
+            <a:r>
+              <a:rPr lang="en-US" b="0" dirty="0" err="1"/>
+              <a:t>i.i.d.</a:t>
+            </a:r>
+            <a:r>
+              <a:rPr lang="en-US" b="0" dirty="0"/>
+              <a:t>, then simple averages. </a:t>
+            </a:r>
+            <a:endParaRPr lang="en-US" dirty="0"/>
+          </a:p>
+        </p:txBody>
+      </p:sp>
+      <p:sp>
+        <p:nvSpPr>
+          <p:cNvPr id="4" name="Slide Number Placeholder 3"/>
+          <p:cNvSpPr>
+            <a:spLocks noGrp="1"/>
+          </p:cNvSpPr>
+          <p:nvPr>
+            <p:ph type="sldNum" sz="quarter" idx="5"/>
+          </p:nvPr>
+        </p:nvSpPr>
+        <p:spPr/>
+        <p:txBody>
+          <a:bodyPr/>
+          <a:lstStyle/>
+          <a:p>
+            <a:fld id="{4AF79E1B-2C51-4B9B-8EA4-26DE9E345AFF}" type="slidenum">
+              <a:rPr lang="en-US" smtClean="0"/>
+              <a:t>17</a:t>
+            </a:fld>
+            <a:endParaRPr lang="en-US"/>
+          </a:p>
+        </p:txBody>
+      </p:sp>
+    </p:spTree>
+    <p:extLst>
+      <p:ext uri="{BB962C8B-B14F-4D97-AF65-F5344CB8AC3E}">
+        <p14:creationId xmlns:p14="http://schemas.microsoft.com/office/powerpoint/2010/main" val="1240825092"/>
+      </p:ext>
+    </p:extLst>
+  </p:cSld>
+  <p:clrMapOvr>
+    <a:masterClrMapping/>
+  </p:clrMapOvr>
+</p:notes>
+</file>
+
+<file path=ppt/notesSlides/notesSlide15.xml><?xml version="1.0" encoding="utf-8"?>
 <p:notes xmlns:a="http://schemas.openxmlformats.org/drawingml/2006/main" xmlns:r="http://schemas.openxmlformats.org/officeDocument/2006/relationships" xmlns:p="http://schemas.openxmlformats.org/presentationml/2006/main">
   <p:cSld>
     <p:spTree>
@@ -876,7 +1159,189 @@
 </p:notes>
 </file>
 
-<file path=ppt/notesSlides/notesSlide13.xml><?xml version="1.0" encoding="utf-8"?>
+<file path=ppt/notesSlides/notesSlide16.xml><?xml version="1.0" encoding="utf-8"?>
+<p:notes xmlns:a="http://schemas.openxmlformats.org/drawingml/2006/main" xmlns:r="http://schemas.openxmlformats.org/officeDocument/2006/relationships" xmlns:p="http://schemas.openxmlformats.org/presentationml/2006/main">
+  <p:cSld>
+    <p:spTree>
+      <p:nvGrpSpPr>
+        <p:cNvPr id="1" name=""/>
+        <p:cNvGrpSpPr/>
+        <p:nvPr/>
+      </p:nvGrpSpPr>
+      <p:grpSpPr>
+        <a:xfrm>
+          <a:off x="0" y="0"/>
+          <a:ext cx="0" cy="0"/>
+          <a:chOff x="0" y="0"/>
+          <a:chExt cx="0" cy="0"/>
+        </a:xfrm>
+      </p:grpSpPr>
+      <p:sp>
+        <p:nvSpPr>
+          <p:cNvPr id="2" name="Slide Image Placeholder 1"/>
+          <p:cNvSpPr>
+            <a:spLocks noGrp="1" noRot="1" noChangeAspect="1"/>
+          </p:cNvSpPr>
+          <p:nvPr>
+            <p:ph type="sldImg"/>
+          </p:nvPr>
+        </p:nvSpPr>
+        <p:spPr/>
+      </p:sp>
+      <p:sp>
+        <p:nvSpPr>
+          <p:cNvPr id="3" name="Notes Placeholder 2"/>
+          <p:cNvSpPr>
+            <a:spLocks noGrp="1"/>
+          </p:cNvSpPr>
+          <p:nvPr>
+            <p:ph type="body" idx="1"/>
+          </p:nvPr>
+        </p:nvSpPr>
+        <p:spPr/>
+        <p:txBody>
+          <a:bodyPr/>
+          <a:lstStyle/>
+          <a:p>
+            <a:r>
+              <a:rPr lang="en-US" dirty="0"/>
+              <a:t>Variance will be important to us as a measure of how informative our estimates are. If a random process always returns something close to truth (e.g. testing for disease with high specificity – </a:t>
+            </a:r>
+            <a:r>
+              <a:rPr lang="en-US" dirty="0" err="1"/>
+              <a:t>huntington’s</a:t>
+            </a:r>
+            <a:r>
+              <a:rPr lang="en-US" dirty="0"/>
+              <a:t> disease), that’s helpful. Less helpful is. E.g., newborn hearing tests, with low specificity. Higher variance = less updating of prior. </a:t>
+            </a:r>
+          </a:p>
+        </p:txBody>
+      </p:sp>
+      <p:sp>
+        <p:nvSpPr>
+          <p:cNvPr id="4" name="Slide Number Placeholder 3"/>
+          <p:cNvSpPr>
+            <a:spLocks noGrp="1"/>
+          </p:cNvSpPr>
+          <p:nvPr>
+            <p:ph type="sldNum" sz="quarter" idx="5"/>
+          </p:nvPr>
+        </p:nvSpPr>
+        <p:spPr/>
+        <p:txBody>
+          <a:bodyPr/>
+          <a:lstStyle/>
+          <a:p>
+            <a:fld id="{4AF79E1B-2C51-4B9B-8EA4-26DE9E345AFF}" type="slidenum">
+              <a:rPr lang="en-US" smtClean="0"/>
+              <a:t>19</a:t>
+            </a:fld>
+            <a:endParaRPr lang="en-US"/>
+          </a:p>
+        </p:txBody>
+      </p:sp>
+    </p:spTree>
+    <p:extLst>
+      <p:ext uri="{BB962C8B-B14F-4D97-AF65-F5344CB8AC3E}">
+        <p14:creationId xmlns:p14="http://schemas.microsoft.com/office/powerpoint/2010/main" val="1329745439"/>
+      </p:ext>
+    </p:extLst>
+  </p:cSld>
+  <p:clrMapOvr>
+    <a:masterClrMapping/>
+  </p:clrMapOvr>
+</p:notes>
+</file>
+
+<file path=ppt/notesSlides/notesSlide17.xml><?xml version="1.0" encoding="utf-8"?>
+<p:notes xmlns:a="http://schemas.openxmlformats.org/drawingml/2006/main" xmlns:r="http://schemas.openxmlformats.org/officeDocument/2006/relationships" xmlns:p="http://schemas.openxmlformats.org/presentationml/2006/main">
+  <p:cSld>
+    <p:spTree>
+      <p:nvGrpSpPr>
+        <p:cNvPr id="1" name=""/>
+        <p:cNvGrpSpPr/>
+        <p:nvPr/>
+      </p:nvGrpSpPr>
+      <p:grpSpPr>
+        <a:xfrm>
+          <a:off x="0" y="0"/>
+          <a:ext cx="0" cy="0"/>
+          <a:chOff x="0" y="0"/>
+          <a:chExt cx="0" cy="0"/>
+        </a:xfrm>
+      </p:grpSpPr>
+      <p:sp>
+        <p:nvSpPr>
+          <p:cNvPr id="2" name="Slide Image Placeholder 1"/>
+          <p:cNvSpPr>
+            <a:spLocks noGrp="1" noRot="1" noChangeAspect="1"/>
+          </p:cNvSpPr>
+          <p:nvPr>
+            <p:ph type="sldImg"/>
+          </p:nvPr>
+        </p:nvSpPr>
+        <p:spPr/>
+      </p:sp>
+      <p:sp>
+        <p:nvSpPr>
+          <p:cNvPr id="3" name="Notes Placeholder 2"/>
+          <p:cNvSpPr>
+            <a:spLocks noGrp="1"/>
+          </p:cNvSpPr>
+          <p:nvPr>
+            <p:ph type="body" idx="1"/>
+          </p:nvPr>
+        </p:nvSpPr>
+        <p:spPr/>
+        <p:txBody>
+          <a:bodyPr/>
+          <a:lstStyle/>
+          <a:p>
+            <a:r>
+              <a:rPr lang="en-US" dirty="0"/>
+              <a:t>This estimated variance ultimately gives us standard errors, Cis, p-values, etc. </a:t>
+            </a:r>
+          </a:p>
+        </p:txBody>
+      </p:sp>
+      <p:sp>
+        <p:nvSpPr>
+          <p:cNvPr id="4" name="Slide Number Placeholder 3"/>
+          <p:cNvSpPr>
+            <a:spLocks noGrp="1"/>
+          </p:cNvSpPr>
+          <p:nvPr>
+            <p:ph type="sldNum" sz="quarter" idx="5"/>
+          </p:nvPr>
+        </p:nvSpPr>
+        <p:spPr/>
+        <p:txBody>
+          <a:bodyPr/>
+          <a:lstStyle/>
+          <a:p>
+            <a:fld id="{4AF79E1B-2C51-4B9B-8EA4-26DE9E345AFF}" type="slidenum">
+              <a:rPr lang="en-US" smtClean="0"/>
+              <a:t>20</a:t>
+            </a:fld>
+            <a:endParaRPr lang="en-US"/>
+          </a:p>
+        </p:txBody>
+      </p:sp>
+    </p:spTree>
+    <p:extLst>
+      <p:ext uri="{BB962C8B-B14F-4D97-AF65-F5344CB8AC3E}">
+        <p14:creationId xmlns:p14="http://schemas.microsoft.com/office/powerpoint/2010/main" val="4140879455"/>
+      </p:ext>
+    </p:extLst>
+  </p:cSld>
+  <p:clrMapOvr>
+    <a:masterClrMapping/>
+  </p:clrMapOvr>
+</p:notes>
+</file>
+
+<file path=ppt/notesSlides/notesSlide18.xml><?xml version="1.0" encoding="utf-8"?>
 <p:notes xmlns:a="http://schemas.openxmlformats.org/drawingml/2006/main" xmlns:r="http://schemas.openxmlformats.org/officeDocument/2006/relationships" xmlns:p="http://schemas.openxmlformats.org/presentationml/2006/main">
   <p:cSld>
     <p:spTree>
@@ -930,7 +1395,7 @@
             </a:r>
             <a:r>
               <a:rPr lang="en-US" dirty="0"/>
-              <a:t> DAG for now</a:t>
+              <a:t> DAG for now with only two bubbles. TO ADD ON NEXT SLIDE: Coefficient is the probability E(Y|X). </a:t>
             </a:r>
           </a:p>
         </p:txBody>
@@ -971,7 +1436,7 @@
 </p:notes>
 </file>
 
-<file path=ppt/notesSlides/notesSlide14.xml><?xml version="1.0" encoding="utf-8"?>
+<file path=ppt/notesSlides/notesSlide19.xml><?xml version="1.0" encoding="utf-8"?>
 <p:notes xmlns:a="http://schemas.openxmlformats.org/drawingml/2006/main" xmlns:r="http://schemas.openxmlformats.org/officeDocument/2006/relationships" xmlns:p="http://schemas.openxmlformats.org/presentationml/2006/main">
   <p:cSld>
     <p:spTree>
@@ -1049,441 +1514,6 @@
     <p:extLst>
       <p:ext uri="{BB962C8B-B14F-4D97-AF65-F5344CB8AC3E}">
         <p14:creationId xmlns:p14="http://schemas.microsoft.com/office/powerpoint/2010/main" val="2803838812"/>
-      </p:ext>
-    </p:extLst>
-  </p:cSld>
-  <p:clrMapOvr>
-    <a:masterClrMapping/>
-  </p:clrMapOvr>
-</p:notes>
-</file>
-
-<file path=ppt/notesSlides/notesSlide15.xml><?xml version="1.0" encoding="utf-8"?>
-<p:notes xmlns:a="http://schemas.openxmlformats.org/drawingml/2006/main" xmlns:r="http://schemas.openxmlformats.org/officeDocument/2006/relationships" xmlns:p="http://schemas.openxmlformats.org/presentationml/2006/main">
-  <p:cSld>
-    <p:spTree>
-      <p:nvGrpSpPr>
-        <p:cNvPr id="1" name=""/>
-        <p:cNvGrpSpPr/>
-        <p:nvPr/>
-      </p:nvGrpSpPr>
-      <p:grpSpPr>
-        <a:xfrm>
-          <a:off x="0" y="0"/>
-          <a:ext cx="0" cy="0"/>
-          <a:chOff x="0" y="0"/>
-          <a:chExt cx="0" cy="0"/>
-        </a:xfrm>
-      </p:grpSpPr>
-      <p:sp>
-        <p:nvSpPr>
-          <p:cNvPr id="2" name="Slide Image Placeholder 1"/>
-          <p:cNvSpPr>
-            <a:spLocks noGrp="1" noRot="1" noChangeAspect="1"/>
-          </p:cNvSpPr>
-          <p:nvPr>
-            <p:ph type="sldImg"/>
-          </p:nvPr>
-        </p:nvSpPr>
-        <p:spPr/>
-      </p:sp>
-      <p:sp>
-        <p:nvSpPr>
-          <p:cNvPr id="3" name="Notes Placeholder 2"/>
-          <p:cNvSpPr>
-            <a:spLocks noGrp="1"/>
-          </p:cNvSpPr>
-          <p:nvPr>
-            <p:ph type="body" idx="1"/>
-          </p:nvPr>
-        </p:nvSpPr>
-        <p:spPr/>
-        <p:txBody>
-          <a:bodyPr/>
-          <a:lstStyle/>
-          <a:p>
-            <a:r>
-              <a:rPr lang="en-US" dirty="0"/>
-              <a:t>We have some data: cookies eaten and happiness – what’s the simplest relationship?</a:t>
-            </a:r>
-          </a:p>
-        </p:txBody>
-      </p:sp>
-      <p:sp>
-        <p:nvSpPr>
-          <p:cNvPr id="4" name="Slide Number Placeholder 3"/>
-          <p:cNvSpPr>
-            <a:spLocks noGrp="1"/>
-          </p:cNvSpPr>
-          <p:nvPr>
-            <p:ph type="sldNum" sz="quarter" idx="5"/>
-          </p:nvPr>
-        </p:nvSpPr>
-        <p:spPr/>
-        <p:txBody>
-          <a:bodyPr/>
-          <a:lstStyle/>
-          <a:p>
-            <a:fld id="{4AF79E1B-2C51-4B9B-8EA4-26DE9E345AFF}" type="slidenum">
-              <a:rPr lang="en-US" smtClean="0"/>
-              <a:t>24</a:t>
-            </a:fld>
-            <a:endParaRPr lang="en-US"/>
-          </a:p>
-        </p:txBody>
-      </p:sp>
-    </p:spTree>
-    <p:extLst>
-      <p:ext uri="{BB962C8B-B14F-4D97-AF65-F5344CB8AC3E}">
-        <p14:creationId xmlns:p14="http://schemas.microsoft.com/office/powerpoint/2010/main" val="1783157137"/>
-      </p:ext>
-    </p:extLst>
-  </p:cSld>
-  <p:clrMapOvr>
-    <a:masterClrMapping/>
-  </p:clrMapOvr>
-</p:notes>
-</file>
-
-<file path=ppt/notesSlides/notesSlide16.xml><?xml version="1.0" encoding="utf-8"?>
-<p:notes xmlns:a="http://schemas.openxmlformats.org/drawingml/2006/main" xmlns:r="http://schemas.openxmlformats.org/officeDocument/2006/relationships" xmlns:p="http://schemas.openxmlformats.org/presentationml/2006/main">
-  <p:cSld>
-    <p:spTree>
-      <p:nvGrpSpPr>
-        <p:cNvPr id="1" name=""/>
-        <p:cNvGrpSpPr/>
-        <p:nvPr/>
-      </p:nvGrpSpPr>
-      <p:grpSpPr>
-        <a:xfrm>
-          <a:off x="0" y="0"/>
-          <a:ext cx="0" cy="0"/>
-          <a:chOff x="0" y="0"/>
-          <a:chExt cx="0" cy="0"/>
-        </a:xfrm>
-      </p:grpSpPr>
-      <p:sp>
-        <p:nvSpPr>
-          <p:cNvPr id="2" name="Slide Image Placeholder 1"/>
-          <p:cNvSpPr>
-            <a:spLocks noGrp="1" noRot="1" noChangeAspect="1"/>
-          </p:cNvSpPr>
-          <p:nvPr>
-            <p:ph type="sldImg"/>
-          </p:nvPr>
-        </p:nvSpPr>
-        <p:spPr/>
-      </p:sp>
-      <p:sp>
-        <p:nvSpPr>
-          <p:cNvPr id="3" name="Notes Placeholder 2"/>
-          <p:cNvSpPr>
-            <a:spLocks noGrp="1"/>
-          </p:cNvSpPr>
-          <p:nvPr>
-            <p:ph type="body" idx="1"/>
-          </p:nvPr>
-        </p:nvSpPr>
-        <p:spPr/>
-        <p:txBody>
-          <a:bodyPr/>
-          <a:lstStyle/>
-          <a:p>
-            <a:r>
-              <a:rPr lang="en-US" dirty="0"/>
-              <a:t>You could make a very complicated relationship – is this interesting or policy relevant? Why or why not? </a:t>
-            </a:r>
-          </a:p>
-        </p:txBody>
-      </p:sp>
-      <p:sp>
-        <p:nvSpPr>
-          <p:cNvPr id="4" name="Slide Number Placeholder 3"/>
-          <p:cNvSpPr>
-            <a:spLocks noGrp="1"/>
-          </p:cNvSpPr>
-          <p:nvPr>
-            <p:ph type="sldNum" sz="quarter" idx="5"/>
-          </p:nvPr>
-        </p:nvSpPr>
-        <p:spPr/>
-        <p:txBody>
-          <a:bodyPr/>
-          <a:lstStyle/>
-          <a:p>
-            <a:fld id="{4AF79E1B-2C51-4B9B-8EA4-26DE9E345AFF}" type="slidenum">
-              <a:rPr lang="en-US" smtClean="0"/>
-              <a:t>25</a:t>
-            </a:fld>
-            <a:endParaRPr lang="en-US"/>
-          </a:p>
-        </p:txBody>
-      </p:sp>
-    </p:spTree>
-    <p:extLst>
-      <p:ext uri="{BB962C8B-B14F-4D97-AF65-F5344CB8AC3E}">
-        <p14:creationId xmlns:p14="http://schemas.microsoft.com/office/powerpoint/2010/main" val="887522557"/>
-      </p:ext>
-    </p:extLst>
-  </p:cSld>
-  <p:clrMapOvr>
-    <a:masterClrMapping/>
-  </p:clrMapOvr>
-</p:notes>
-</file>
-
-<file path=ppt/notesSlides/notesSlide17.xml><?xml version="1.0" encoding="utf-8"?>
-<p:notes xmlns:a="http://schemas.openxmlformats.org/drawingml/2006/main" xmlns:r="http://schemas.openxmlformats.org/officeDocument/2006/relationships" xmlns:p="http://schemas.openxmlformats.org/presentationml/2006/main">
-  <p:cSld>
-    <p:spTree>
-      <p:nvGrpSpPr>
-        <p:cNvPr id="1" name=""/>
-        <p:cNvGrpSpPr/>
-        <p:nvPr/>
-      </p:nvGrpSpPr>
-      <p:grpSpPr>
-        <a:xfrm>
-          <a:off x="0" y="0"/>
-          <a:ext cx="0" cy="0"/>
-          <a:chOff x="0" y="0"/>
-          <a:chExt cx="0" cy="0"/>
-        </a:xfrm>
-      </p:grpSpPr>
-      <p:sp>
-        <p:nvSpPr>
-          <p:cNvPr id="2" name="Slide Image Placeholder 1"/>
-          <p:cNvSpPr>
-            <a:spLocks noGrp="1" noRot="1" noChangeAspect="1"/>
-          </p:cNvSpPr>
-          <p:nvPr>
-            <p:ph type="sldImg"/>
-          </p:nvPr>
-        </p:nvSpPr>
-        <p:spPr/>
-      </p:sp>
-      <p:sp>
-        <p:nvSpPr>
-          <p:cNvPr id="3" name="Notes Placeholder 2"/>
-          <p:cNvSpPr>
-            <a:spLocks noGrp="1"/>
-          </p:cNvSpPr>
-          <p:nvPr>
-            <p:ph type="body" idx="1"/>
-          </p:nvPr>
-        </p:nvSpPr>
-        <p:spPr/>
-        <p:txBody>
-          <a:bodyPr/>
-          <a:lstStyle/>
-          <a:p>
-            <a:r>
-              <a:rPr lang="en-US" dirty="0"/>
-              <a:t>So instead you smooth it out a little bit</a:t>
-            </a:r>
-          </a:p>
-        </p:txBody>
-      </p:sp>
-      <p:sp>
-        <p:nvSpPr>
-          <p:cNvPr id="4" name="Slide Number Placeholder 3"/>
-          <p:cNvSpPr>
-            <a:spLocks noGrp="1"/>
-          </p:cNvSpPr>
-          <p:nvPr>
-            <p:ph type="sldNum" sz="quarter" idx="5"/>
-          </p:nvPr>
-        </p:nvSpPr>
-        <p:spPr/>
-        <p:txBody>
-          <a:bodyPr/>
-          <a:lstStyle/>
-          <a:p>
-            <a:fld id="{4AF79E1B-2C51-4B9B-8EA4-26DE9E345AFF}" type="slidenum">
-              <a:rPr lang="en-US" smtClean="0"/>
-              <a:t>26</a:t>
-            </a:fld>
-            <a:endParaRPr lang="en-US"/>
-          </a:p>
-        </p:txBody>
-      </p:sp>
-    </p:spTree>
-    <p:extLst>
-      <p:ext uri="{BB962C8B-B14F-4D97-AF65-F5344CB8AC3E}">
-        <p14:creationId xmlns:p14="http://schemas.microsoft.com/office/powerpoint/2010/main" val="3705005457"/>
-      </p:ext>
-    </p:extLst>
-  </p:cSld>
-  <p:clrMapOvr>
-    <a:masterClrMapping/>
-  </p:clrMapOvr>
-</p:notes>
-</file>
-
-<file path=ppt/notesSlides/notesSlide18.xml><?xml version="1.0" encoding="utf-8"?>
-<p:notes xmlns:a="http://schemas.openxmlformats.org/drawingml/2006/main" xmlns:r="http://schemas.openxmlformats.org/officeDocument/2006/relationships" xmlns:p="http://schemas.openxmlformats.org/presentationml/2006/main">
-  <p:cSld>
-    <p:spTree>
-      <p:nvGrpSpPr>
-        <p:cNvPr id="1" name=""/>
-        <p:cNvGrpSpPr/>
-        <p:nvPr/>
-      </p:nvGrpSpPr>
-      <p:grpSpPr>
-        <a:xfrm>
-          <a:off x="0" y="0"/>
-          <a:ext cx="0" cy="0"/>
-          <a:chOff x="0" y="0"/>
-          <a:chExt cx="0" cy="0"/>
-        </a:xfrm>
-      </p:grpSpPr>
-      <p:sp>
-        <p:nvSpPr>
-          <p:cNvPr id="2" name="Slide Image Placeholder 1"/>
-          <p:cNvSpPr>
-            <a:spLocks noGrp="1" noRot="1" noChangeAspect="1"/>
-          </p:cNvSpPr>
-          <p:nvPr>
-            <p:ph type="sldImg"/>
-          </p:nvPr>
-        </p:nvSpPr>
-        <p:spPr/>
-      </p:sp>
-      <p:sp>
-        <p:nvSpPr>
-          <p:cNvPr id="3" name="Notes Placeholder 2"/>
-          <p:cNvSpPr>
-            <a:spLocks noGrp="1"/>
-          </p:cNvSpPr>
-          <p:nvPr>
-            <p:ph type="body" idx="1"/>
-          </p:nvPr>
-        </p:nvSpPr>
-        <p:spPr/>
-        <p:txBody>
-          <a:bodyPr/>
-          <a:lstStyle/>
-          <a:p>
-            <a:r>
-              <a:rPr lang="en-US" dirty="0"/>
-              <a:t>Smooth until you get to simplest relationship – a line</a:t>
-            </a:r>
-          </a:p>
-        </p:txBody>
-      </p:sp>
-      <p:sp>
-        <p:nvSpPr>
-          <p:cNvPr id="4" name="Slide Number Placeholder 3"/>
-          <p:cNvSpPr>
-            <a:spLocks noGrp="1"/>
-          </p:cNvSpPr>
-          <p:nvPr>
-            <p:ph type="sldNum" sz="quarter" idx="5"/>
-          </p:nvPr>
-        </p:nvSpPr>
-        <p:spPr/>
-        <p:txBody>
-          <a:bodyPr/>
-          <a:lstStyle/>
-          <a:p>
-            <a:fld id="{4AF79E1B-2C51-4B9B-8EA4-26DE9E345AFF}" type="slidenum">
-              <a:rPr lang="en-US" smtClean="0"/>
-              <a:t>27</a:t>
-            </a:fld>
-            <a:endParaRPr lang="en-US"/>
-          </a:p>
-        </p:txBody>
-      </p:sp>
-    </p:spTree>
-    <p:extLst>
-      <p:ext uri="{BB962C8B-B14F-4D97-AF65-F5344CB8AC3E}">
-        <p14:creationId xmlns:p14="http://schemas.microsoft.com/office/powerpoint/2010/main" val="2711680998"/>
-      </p:ext>
-    </p:extLst>
-  </p:cSld>
-  <p:clrMapOvr>
-    <a:masterClrMapping/>
-  </p:clrMapOvr>
-</p:notes>
-</file>
-
-<file path=ppt/notesSlides/notesSlide19.xml><?xml version="1.0" encoding="utf-8"?>
-<p:notes xmlns:a="http://schemas.openxmlformats.org/drawingml/2006/main" xmlns:r="http://schemas.openxmlformats.org/officeDocument/2006/relationships" xmlns:p="http://schemas.openxmlformats.org/presentationml/2006/main">
-  <p:cSld>
-    <p:spTree>
-      <p:nvGrpSpPr>
-        <p:cNvPr id="1" name=""/>
-        <p:cNvGrpSpPr/>
-        <p:nvPr/>
-      </p:nvGrpSpPr>
-      <p:grpSpPr>
-        <a:xfrm>
-          <a:off x="0" y="0"/>
-          <a:ext cx="0" cy="0"/>
-          <a:chOff x="0" y="0"/>
-          <a:chExt cx="0" cy="0"/>
-        </a:xfrm>
-      </p:grpSpPr>
-      <p:sp>
-        <p:nvSpPr>
-          <p:cNvPr id="2" name="Slide Image Placeholder 1"/>
-          <p:cNvSpPr>
-            <a:spLocks noGrp="1" noRot="1" noChangeAspect="1"/>
-          </p:cNvSpPr>
-          <p:nvPr>
-            <p:ph type="sldImg"/>
-          </p:nvPr>
-        </p:nvSpPr>
-        <p:spPr/>
-      </p:sp>
-      <p:sp>
-        <p:nvSpPr>
-          <p:cNvPr id="3" name="Notes Placeholder 2"/>
-          <p:cNvSpPr>
-            <a:spLocks noGrp="1"/>
-          </p:cNvSpPr>
-          <p:nvPr>
-            <p:ph type="body" idx="1"/>
-          </p:nvPr>
-        </p:nvSpPr>
-        <p:spPr/>
-        <p:txBody>
-          <a:bodyPr/>
-          <a:lstStyle/>
-          <a:p>
-            <a:r>
-              <a:rPr lang="en-US" dirty="0"/>
-              <a:t>Simplest relationship is linear (the intercept looks like we’re adding complexity, but you’ll see why this is actually simpler – taking all randomness out). Talk about the hat as estimated value and ultimately, predicted values of happiness</a:t>
-            </a:r>
-          </a:p>
-        </p:txBody>
-      </p:sp>
-      <p:sp>
-        <p:nvSpPr>
-          <p:cNvPr id="4" name="Slide Number Placeholder 3"/>
-          <p:cNvSpPr>
-            <a:spLocks noGrp="1"/>
-          </p:cNvSpPr>
-          <p:nvPr>
-            <p:ph type="sldNum" sz="quarter" idx="5"/>
-          </p:nvPr>
-        </p:nvSpPr>
-        <p:spPr/>
-        <p:txBody>
-          <a:bodyPr/>
-          <a:lstStyle/>
-          <a:p>
-            <a:fld id="{4AF79E1B-2C51-4B9B-8EA4-26DE9E345AFF}" type="slidenum">
-              <a:rPr lang="en-US" smtClean="0"/>
-              <a:t>28</a:t>
-            </a:fld>
-            <a:endParaRPr lang="en-US"/>
-          </a:p>
-        </p:txBody>
-      </p:sp>
-    </p:spTree>
-    <p:extLst>
-      <p:ext uri="{BB962C8B-B14F-4D97-AF65-F5344CB8AC3E}">
-        <p14:creationId xmlns:p14="http://schemas.microsoft.com/office/powerpoint/2010/main" val="2056980807"/>
       </p:ext>
     </p:extLst>
   </p:cSld>
@@ -1626,6 +1656,441 @@
           <a:p>
             <a:r>
               <a:rPr lang="en-US" dirty="0"/>
+              <a:t>We have some data: cookies eaten and happiness – what’s the simplest relationship? </a:t>
+            </a:r>
+          </a:p>
+        </p:txBody>
+      </p:sp>
+      <p:sp>
+        <p:nvSpPr>
+          <p:cNvPr id="4" name="Slide Number Placeholder 3"/>
+          <p:cNvSpPr>
+            <a:spLocks noGrp="1"/>
+          </p:cNvSpPr>
+          <p:nvPr>
+            <p:ph type="sldNum" sz="quarter" idx="5"/>
+          </p:nvPr>
+        </p:nvSpPr>
+        <p:spPr/>
+        <p:txBody>
+          <a:bodyPr/>
+          <a:lstStyle/>
+          <a:p>
+            <a:fld id="{4AF79E1B-2C51-4B9B-8EA4-26DE9E345AFF}" type="slidenum">
+              <a:rPr lang="en-US" smtClean="0"/>
+              <a:t>24</a:t>
+            </a:fld>
+            <a:endParaRPr lang="en-US"/>
+          </a:p>
+        </p:txBody>
+      </p:sp>
+    </p:spTree>
+    <p:extLst>
+      <p:ext uri="{BB962C8B-B14F-4D97-AF65-F5344CB8AC3E}">
+        <p14:creationId xmlns:p14="http://schemas.microsoft.com/office/powerpoint/2010/main" val="1783157137"/>
+      </p:ext>
+    </p:extLst>
+  </p:cSld>
+  <p:clrMapOvr>
+    <a:masterClrMapping/>
+  </p:clrMapOvr>
+</p:notes>
+</file>
+
+<file path=ppt/notesSlides/notesSlide21.xml><?xml version="1.0" encoding="utf-8"?>
+<p:notes xmlns:a="http://schemas.openxmlformats.org/drawingml/2006/main" xmlns:r="http://schemas.openxmlformats.org/officeDocument/2006/relationships" xmlns:p="http://schemas.openxmlformats.org/presentationml/2006/main">
+  <p:cSld>
+    <p:spTree>
+      <p:nvGrpSpPr>
+        <p:cNvPr id="1" name=""/>
+        <p:cNvGrpSpPr/>
+        <p:nvPr/>
+      </p:nvGrpSpPr>
+      <p:grpSpPr>
+        <a:xfrm>
+          <a:off x="0" y="0"/>
+          <a:ext cx="0" cy="0"/>
+          <a:chOff x="0" y="0"/>
+          <a:chExt cx="0" cy="0"/>
+        </a:xfrm>
+      </p:grpSpPr>
+      <p:sp>
+        <p:nvSpPr>
+          <p:cNvPr id="2" name="Slide Image Placeholder 1"/>
+          <p:cNvSpPr>
+            <a:spLocks noGrp="1" noRot="1" noChangeAspect="1"/>
+          </p:cNvSpPr>
+          <p:nvPr>
+            <p:ph type="sldImg"/>
+          </p:nvPr>
+        </p:nvSpPr>
+        <p:spPr/>
+      </p:sp>
+      <p:sp>
+        <p:nvSpPr>
+          <p:cNvPr id="3" name="Notes Placeholder 2"/>
+          <p:cNvSpPr>
+            <a:spLocks noGrp="1"/>
+          </p:cNvSpPr>
+          <p:nvPr>
+            <p:ph type="body" idx="1"/>
+          </p:nvPr>
+        </p:nvSpPr>
+        <p:spPr/>
+        <p:txBody>
+          <a:bodyPr/>
+          <a:lstStyle/>
+          <a:p>
+            <a:r>
+              <a:rPr lang="en-US" dirty="0"/>
+              <a:t>You could make a very complicated relationship – is this interesting or policy relevant? Why or why not? </a:t>
+            </a:r>
+          </a:p>
+        </p:txBody>
+      </p:sp>
+      <p:sp>
+        <p:nvSpPr>
+          <p:cNvPr id="4" name="Slide Number Placeholder 3"/>
+          <p:cNvSpPr>
+            <a:spLocks noGrp="1"/>
+          </p:cNvSpPr>
+          <p:nvPr>
+            <p:ph type="sldNum" sz="quarter" idx="5"/>
+          </p:nvPr>
+        </p:nvSpPr>
+        <p:spPr/>
+        <p:txBody>
+          <a:bodyPr/>
+          <a:lstStyle/>
+          <a:p>
+            <a:fld id="{4AF79E1B-2C51-4B9B-8EA4-26DE9E345AFF}" type="slidenum">
+              <a:rPr lang="en-US" smtClean="0"/>
+              <a:t>25</a:t>
+            </a:fld>
+            <a:endParaRPr lang="en-US"/>
+          </a:p>
+        </p:txBody>
+      </p:sp>
+    </p:spTree>
+    <p:extLst>
+      <p:ext uri="{BB962C8B-B14F-4D97-AF65-F5344CB8AC3E}">
+        <p14:creationId xmlns:p14="http://schemas.microsoft.com/office/powerpoint/2010/main" val="887522557"/>
+      </p:ext>
+    </p:extLst>
+  </p:cSld>
+  <p:clrMapOvr>
+    <a:masterClrMapping/>
+  </p:clrMapOvr>
+</p:notes>
+</file>
+
+<file path=ppt/notesSlides/notesSlide22.xml><?xml version="1.0" encoding="utf-8"?>
+<p:notes xmlns:a="http://schemas.openxmlformats.org/drawingml/2006/main" xmlns:r="http://schemas.openxmlformats.org/officeDocument/2006/relationships" xmlns:p="http://schemas.openxmlformats.org/presentationml/2006/main">
+  <p:cSld>
+    <p:spTree>
+      <p:nvGrpSpPr>
+        <p:cNvPr id="1" name=""/>
+        <p:cNvGrpSpPr/>
+        <p:nvPr/>
+      </p:nvGrpSpPr>
+      <p:grpSpPr>
+        <a:xfrm>
+          <a:off x="0" y="0"/>
+          <a:ext cx="0" cy="0"/>
+          <a:chOff x="0" y="0"/>
+          <a:chExt cx="0" cy="0"/>
+        </a:xfrm>
+      </p:grpSpPr>
+      <p:sp>
+        <p:nvSpPr>
+          <p:cNvPr id="2" name="Slide Image Placeholder 1"/>
+          <p:cNvSpPr>
+            <a:spLocks noGrp="1" noRot="1" noChangeAspect="1"/>
+          </p:cNvSpPr>
+          <p:nvPr>
+            <p:ph type="sldImg"/>
+          </p:nvPr>
+        </p:nvSpPr>
+        <p:spPr/>
+      </p:sp>
+      <p:sp>
+        <p:nvSpPr>
+          <p:cNvPr id="3" name="Notes Placeholder 2"/>
+          <p:cNvSpPr>
+            <a:spLocks noGrp="1"/>
+          </p:cNvSpPr>
+          <p:nvPr>
+            <p:ph type="body" idx="1"/>
+          </p:nvPr>
+        </p:nvSpPr>
+        <p:spPr/>
+        <p:txBody>
+          <a:bodyPr/>
+          <a:lstStyle/>
+          <a:p>
+            <a:r>
+              <a:rPr lang="en-US" dirty="0"/>
+              <a:t>So instead you smooth it out a little bit</a:t>
+            </a:r>
+          </a:p>
+        </p:txBody>
+      </p:sp>
+      <p:sp>
+        <p:nvSpPr>
+          <p:cNvPr id="4" name="Slide Number Placeholder 3"/>
+          <p:cNvSpPr>
+            <a:spLocks noGrp="1"/>
+          </p:cNvSpPr>
+          <p:nvPr>
+            <p:ph type="sldNum" sz="quarter" idx="5"/>
+          </p:nvPr>
+        </p:nvSpPr>
+        <p:spPr/>
+        <p:txBody>
+          <a:bodyPr/>
+          <a:lstStyle/>
+          <a:p>
+            <a:fld id="{4AF79E1B-2C51-4B9B-8EA4-26DE9E345AFF}" type="slidenum">
+              <a:rPr lang="en-US" smtClean="0"/>
+              <a:t>26</a:t>
+            </a:fld>
+            <a:endParaRPr lang="en-US"/>
+          </a:p>
+        </p:txBody>
+      </p:sp>
+    </p:spTree>
+    <p:extLst>
+      <p:ext uri="{BB962C8B-B14F-4D97-AF65-F5344CB8AC3E}">
+        <p14:creationId xmlns:p14="http://schemas.microsoft.com/office/powerpoint/2010/main" val="3705005457"/>
+      </p:ext>
+    </p:extLst>
+  </p:cSld>
+  <p:clrMapOvr>
+    <a:masterClrMapping/>
+  </p:clrMapOvr>
+</p:notes>
+</file>
+
+<file path=ppt/notesSlides/notesSlide23.xml><?xml version="1.0" encoding="utf-8"?>
+<p:notes xmlns:a="http://schemas.openxmlformats.org/drawingml/2006/main" xmlns:r="http://schemas.openxmlformats.org/officeDocument/2006/relationships" xmlns:p="http://schemas.openxmlformats.org/presentationml/2006/main">
+  <p:cSld>
+    <p:spTree>
+      <p:nvGrpSpPr>
+        <p:cNvPr id="1" name=""/>
+        <p:cNvGrpSpPr/>
+        <p:nvPr/>
+      </p:nvGrpSpPr>
+      <p:grpSpPr>
+        <a:xfrm>
+          <a:off x="0" y="0"/>
+          <a:ext cx="0" cy="0"/>
+          <a:chOff x="0" y="0"/>
+          <a:chExt cx="0" cy="0"/>
+        </a:xfrm>
+      </p:grpSpPr>
+      <p:sp>
+        <p:nvSpPr>
+          <p:cNvPr id="2" name="Slide Image Placeholder 1"/>
+          <p:cNvSpPr>
+            <a:spLocks noGrp="1" noRot="1" noChangeAspect="1"/>
+          </p:cNvSpPr>
+          <p:nvPr>
+            <p:ph type="sldImg"/>
+          </p:nvPr>
+        </p:nvSpPr>
+        <p:spPr/>
+      </p:sp>
+      <p:sp>
+        <p:nvSpPr>
+          <p:cNvPr id="3" name="Notes Placeholder 2"/>
+          <p:cNvSpPr>
+            <a:spLocks noGrp="1"/>
+          </p:cNvSpPr>
+          <p:nvPr>
+            <p:ph type="body" idx="1"/>
+          </p:nvPr>
+        </p:nvSpPr>
+        <p:spPr/>
+        <p:txBody>
+          <a:bodyPr/>
+          <a:lstStyle/>
+          <a:p>
+            <a:r>
+              <a:rPr lang="en-US" dirty="0"/>
+              <a:t>Smooth until you get to simplest relationship – a line. What’s the practical (earlier, was philosophical) role of epsilon here? Explaining why our data aren’t perfect. </a:t>
+            </a:r>
+          </a:p>
+        </p:txBody>
+      </p:sp>
+      <p:sp>
+        <p:nvSpPr>
+          <p:cNvPr id="4" name="Slide Number Placeholder 3"/>
+          <p:cNvSpPr>
+            <a:spLocks noGrp="1"/>
+          </p:cNvSpPr>
+          <p:nvPr>
+            <p:ph type="sldNum" sz="quarter" idx="5"/>
+          </p:nvPr>
+        </p:nvSpPr>
+        <p:spPr/>
+        <p:txBody>
+          <a:bodyPr/>
+          <a:lstStyle/>
+          <a:p>
+            <a:fld id="{4AF79E1B-2C51-4B9B-8EA4-26DE9E345AFF}" type="slidenum">
+              <a:rPr lang="en-US" smtClean="0"/>
+              <a:t>27</a:t>
+            </a:fld>
+            <a:endParaRPr lang="en-US"/>
+          </a:p>
+        </p:txBody>
+      </p:sp>
+    </p:spTree>
+    <p:extLst>
+      <p:ext uri="{BB962C8B-B14F-4D97-AF65-F5344CB8AC3E}">
+        <p14:creationId xmlns:p14="http://schemas.microsoft.com/office/powerpoint/2010/main" val="2711680998"/>
+      </p:ext>
+    </p:extLst>
+  </p:cSld>
+  <p:clrMapOvr>
+    <a:masterClrMapping/>
+  </p:clrMapOvr>
+</p:notes>
+</file>
+
+<file path=ppt/notesSlides/notesSlide24.xml><?xml version="1.0" encoding="utf-8"?>
+<p:notes xmlns:a="http://schemas.openxmlformats.org/drawingml/2006/main" xmlns:r="http://schemas.openxmlformats.org/officeDocument/2006/relationships" xmlns:p="http://schemas.openxmlformats.org/presentationml/2006/main">
+  <p:cSld>
+    <p:spTree>
+      <p:nvGrpSpPr>
+        <p:cNvPr id="1" name=""/>
+        <p:cNvGrpSpPr/>
+        <p:nvPr/>
+      </p:nvGrpSpPr>
+      <p:grpSpPr>
+        <a:xfrm>
+          <a:off x="0" y="0"/>
+          <a:ext cx="0" cy="0"/>
+          <a:chOff x="0" y="0"/>
+          <a:chExt cx="0" cy="0"/>
+        </a:xfrm>
+      </p:grpSpPr>
+      <p:sp>
+        <p:nvSpPr>
+          <p:cNvPr id="2" name="Slide Image Placeholder 1"/>
+          <p:cNvSpPr>
+            <a:spLocks noGrp="1" noRot="1" noChangeAspect="1"/>
+          </p:cNvSpPr>
+          <p:nvPr>
+            <p:ph type="sldImg"/>
+          </p:nvPr>
+        </p:nvSpPr>
+        <p:spPr/>
+      </p:sp>
+      <p:sp>
+        <p:nvSpPr>
+          <p:cNvPr id="3" name="Notes Placeholder 2"/>
+          <p:cNvSpPr>
+            <a:spLocks noGrp="1"/>
+          </p:cNvSpPr>
+          <p:nvPr>
+            <p:ph type="body" idx="1"/>
+          </p:nvPr>
+        </p:nvSpPr>
+        <p:spPr/>
+        <p:txBody>
+          <a:bodyPr/>
+          <a:lstStyle/>
+          <a:p>
+            <a:r>
+              <a:rPr lang="en-US" dirty="0"/>
+              <a:t>Simplest relationship is linear (the intercept looks like we’re adding complexity, but you’ll see why this is actually simpler – taking all randomness out). Talk about the hat as estimated value and ultimately, predicted values of happiness (depending on question)</a:t>
+            </a:r>
+          </a:p>
+        </p:txBody>
+      </p:sp>
+      <p:sp>
+        <p:nvSpPr>
+          <p:cNvPr id="4" name="Slide Number Placeholder 3"/>
+          <p:cNvSpPr>
+            <a:spLocks noGrp="1"/>
+          </p:cNvSpPr>
+          <p:nvPr>
+            <p:ph type="sldNum" sz="quarter" idx="5"/>
+          </p:nvPr>
+        </p:nvSpPr>
+        <p:spPr/>
+        <p:txBody>
+          <a:bodyPr/>
+          <a:lstStyle/>
+          <a:p>
+            <a:fld id="{4AF79E1B-2C51-4B9B-8EA4-26DE9E345AFF}" type="slidenum">
+              <a:rPr lang="en-US" smtClean="0"/>
+              <a:t>28</a:t>
+            </a:fld>
+            <a:endParaRPr lang="en-US"/>
+          </a:p>
+        </p:txBody>
+      </p:sp>
+    </p:spTree>
+    <p:extLst>
+      <p:ext uri="{BB962C8B-B14F-4D97-AF65-F5344CB8AC3E}">
+        <p14:creationId xmlns:p14="http://schemas.microsoft.com/office/powerpoint/2010/main" val="2056980807"/>
+      </p:ext>
+    </p:extLst>
+  </p:cSld>
+  <p:clrMapOvr>
+    <a:masterClrMapping/>
+  </p:clrMapOvr>
+</p:notes>
+</file>
+
+<file path=ppt/notesSlides/notesSlide25.xml><?xml version="1.0" encoding="utf-8"?>
+<p:notes xmlns:a="http://schemas.openxmlformats.org/drawingml/2006/main" xmlns:r="http://schemas.openxmlformats.org/officeDocument/2006/relationships" xmlns:p="http://schemas.openxmlformats.org/presentationml/2006/main">
+  <p:cSld>
+    <p:spTree>
+      <p:nvGrpSpPr>
+        <p:cNvPr id="1" name=""/>
+        <p:cNvGrpSpPr/>
+        <p:nvPr/>
+      </p:nvGrpSpPr>
+      <p:grpSpPr>
+        <a:xfrm>
+          <a:off x="0" y="0"/>
+          <a:ext cx="0" cy="0"/>
+          <a:chOff x="0" y="0"/>
+          <a:chExt cx="0" cy="0"/>
+        </a:xfrm>
+      </p:grpSpPr>
+      <p:sp>
+        <p:nvSpPr>
+          <p:cNvPr id="2" name="Slide Image Placeholder 1"/>
+          <p:cNvSpPr>
+            <a:spLocks noGrp="1" noRot="1" noChangeAspect="1"/>
+          </p:cNvSpPr>
+          <p:nvPr>
+            <p:ph type="sldImg"/>
+          </p:nvPr>
+        </p:nvSpPr>
+        <p:spPr/>
+      </p:sp>
+      <p:sp>
+        <p:nvSpPr>
+          <p:cNvPr id="3" name="Notes Placeholder 2"/>
+          <p:cNvSpPr>
+            <a:spLocks noGrp="1"/>
+          </p:cNvSpPr>
+          <p:nvPr>
+            <p:ph type="body" idx="1"/>
+          </p:nvPr>
+        </p:nvSpPr>
+        <p:spPr/>
+        <p:txBody>
+          <a:bodyPr/>
+          <a:lstStyle/>
+          <a:p>
+            <a:r>
+              <a:rPr lang="en-US" dirty="0"/>
               <a:t>What are the interpretations of beta_0 and beta_1?</a:t>
             </a:r>
           </a:p>
@@ -1667,7 +2132,198 @@
 </p:notes>
 </file>
 
-<file path=ppt/notesSlides/notesSlide21.xml><?xml version="1.0" encoding="utf-8"?>
+<file path=ppt/notesSlides/notesSlide26.xml><?xml version="1.0" encoding="utf-8"?>
+<p:notes xmlns:a="http://schemas.openxmlformats.org/drawingml/2006/main" xmlns:r="http://schemas.openxmlformats.org/officeDocument/2006/relationships" xmlns:p="http://schemas.openxmlformats.org/presentationml/2006/main">
+  <p:cSld>
+    <p:spTree>
+      <p:nvGrpSpPr>
+        <p:cNvPr id="1" name=""/>
+        <p:cNvGrpSpPr/>
+        <p:nvPr/>
+      </p:nvGrpSpPr>
+      <p:grpSpPr>
+        <a:xfrm>
+          <a:off x="0" y="0"/>
+          <a:ext cx="0" cy="0"/>
+          <a:chOff x="0" y="0"/>
+          <a:chExt cx="0" cy="0"/>
+        </a:xfrm>
+      </p:grpSpPr>
+      <p:sp>
+        <p:nvSpPr>
+          <p:cNvPr id="2" name="Slide Image Placeholder 1"/>
+          <p:cNvSpPr>
+            <a:spLocks noGrp="1" noRot="1" noChangeAspect="1"/>
+          </p:cNvSpPr>
+          <p:nvPr>
+            <p:ph type="sldImg"/>
+          </p:nvPr>
+        </p:nvSpPr>
+        <p:spPr/>
+      </p:sp>
+      <p:sp>
+        <p:nvSpPr>
+          <p:cNvPr id="3" name="Notes Placeholder 2"/>
+          <p:cNvSpPr>
+            <a:spLocks noGrp="1"/>
+          </p:cNvSpPr>
+          <p:nvPr>
+            <p:ph type="body" idx="1"/>
+          </p:nvPr>
+        </p:nvSpPr>
+        <p:spPr/>
+        <p:txBody>
+          <a:bodyPr/>
+          <a:lstStyle/>
+          <a:p>
+            <a:r>
+              <a:rPr lang="en-US" dirty="0"/>
+              <a:t>Draw this on the board – can shift line until you get to </a:t>
+            </a:r>
+            <a:r>
+              <a:rPr lang="en-US" i="1" dirty="0"/>
+              <a:t>unconditional</a:t>
+            </a:r>
+            <a:r>
+              <a:rPr lang="en-US" dirty="0"/>
+              <a:t> mean zero error. More interesting is </a:t>
+            </a:r>
+            <a:r>
+              <a:rPr lang="en-US" i="1" dirty="0"/>
+              <a:t>conditional </a:t>
+            </a:r>
+            <a:r>
+              <a:rPr lang="en-US" i="0" dirty="0"/>
+              <a:t>average error—are there things our model is missing?</a:t>
+            </a:r>
+            <a:endParaRPr lang="en-US" dirty="0"/>
+          </a:p>
+        </p:txBody>
+      </p:sp>
+      <p:sp>
+        <p:nvSpPr>
+          <p:cNvPr id="4" name="Slide Number Placeholder 3"/>
+          <p:cNvSpPr>
+            <a:spLocks noGrp="1"/>
+          </p:cNvSpPr>
+          <p:nvPr>
+            <p:ph type="sldNum" sz="quarter" idx="5"/>
+          </p:nvPr>
+        </p:nvSpPr>
+        <p:spPr/>
+        <p:txBody>
+          <a:bodyPr/>
+          <a:lstStyle/>
+          <a:p>
+            <a:fld id="{4AF79E1B-2C51-4B9B-8EA4-26DE9E345AFF}" type="slidenum">
+              <a:rPr lang="en-US" smtClean="0"/>
+              <a:t>30</a:t>
+            </a:fld>
+            <a:endParaRPr lang="en-US"/>
+          </a:p>
+        </p:txBody>
+      </p:sp>
+    </p:spTree>
+    <p:extLst>
+      <p:ext uri="{BB962C8B-B14F-4D97-AF65-F5344CB8AC3E}">
+        <p14:creationId xmlns:p14="http://schemas.microsoft.com/office/powerpoint/2010/main" val="3227714858"/>
+      </p:ext>
+    </p:extLst>
+  </p:cSld>
+  <p:clrMapOvr>
+    <a:masterClrMapping/>
+  </p:clrMapOvr>
+</p:notes>
+</file>
+
+<file path=ppt/notesSlides/notesSlide27.xml><?xml version="1.0" encoding="utf-8"?>
+<p:notes xmlns:a="http://schemas.openxmlformats.org/drawingml/2006/main" xmlns:r="http://schemas.openxmlformats.org/officeDocument/2006/relationships" xmlns:p="http://schemas.openxmlformats.org/presentationml/2006/main">
+  <p:cSld>
+    <p:spTree>
+      <p:nvGrpSpPr>
+        <p:cNvPr id="1" name=""/>
+        <p:cNvGrpSpPr/>
+        <p:nvPr/>
+      </p:nvGrpSpPr>
+      <p:grpSpPr>
+        <a:xfrm>
+          <a:off x="0" y="0"/>
+          <a:ext cx="0" cy="0"/>
+          <a:chOff x="0" y="0"/>
+          <a:chExt cx="0" cy="0"/>
+        </a:xfrm>
+      </p:grpSpPr>
+      <p:sp>
+        <p:nvSpPr>
+          <p:cNvPr id="2" name="Slide Image Placeholder 1"/>
+          <p:cNvSpPr>
+            <a:spLocks noGrp="1" noRot="1" noChangeAspect="1"/>
+          </p:cNvSpPr>
+          <p:nvPr>
+            <p:ph type="sldImg"/>
+          </p:nvPr>
+        </p:nvSpPr>
+        <p:spPr/>
+      </p:sp>
+      <p:sp>
+        <p:nvSpPr>
+          <p:cNvPr id="3" name="Notes Placeholder 2"/>
+          <p:cNvSpPr>
+            <a:spLocks noGrp="1"/>
+          </p:cNvSpPr>
+          <p:nvPr>
+            <p:ph type="body" idx="1"/>
+          </p:nvPr>
+        </p:nvSpPr>
+        <p:spPr/>
+        <p:txBody>
+          <a:bodyPr/>
+          <a:lstStyle/>
+          <a:p>
+            <a:r>
+              <a:rPr lang="en-US" dirty="0"/>
+              <a:t>Open backdoor!</a:t>
+            </a:r>
+          </a:p>
+        </p:txBody>
+      </p:sp>
+      <p:sp>
+        <p:nvSpPr>
+          <p:cNvPr id="4" name="Slide Number Placeholder 3"/>
+          <p:cNvSpPr>
+            <a:spLocks noGrp="1"/>
+          </p:cNvSpPr>
+          <p:nvPr>
+            <p:ph type="sldNum" sz="quarter" idx="5"/>
+          </p:nvPr>
+        </p:nvSpPr>
+        <p:spPr/>
+        <p:txBody>
+          <a:bodyPr/>
+          <a:lstStyle/>
+          <a:p>
+            <a:fld id="{4AF79E1B-2C51-4B9B-8EA4-26DE9E345AFF}" type="slidenum">
+              <a:rPr lang="en-US" smtClean="0"/>
+              <a:t>31</a:t>
+            </a:fld>
+            <a:endParaRPr lang="en-US"/>
+          </a:p>
+        </p:txBody>
+      </p:sp>
+    </p:spTree>
+    <p:extLst>
+      <p:ext uri="{BB962C8B-B14F-4D97-AF65-F5344CB8AC3E}">
+        <p14:creationId xmlns:p14="http://schemas.microsoft.com/office/powerpoint/2010/main" val="468181831"/>
+      </p:ext>
+    </p:extLst>
+  </p:cSld>
+  <p:clrMapOvr>
+    <a:masterClrMapping/>
+  </p:clrMapOvr>
+</p:notes>
+</file>
+
+<file path=ppt/notesSlides/notesSlide28.xml><?xml version="1.0" encoding="utf-8"?>
 <p:notes xmlns:a="http://schemas.openxmlformats.org/drawingml/2006/main" xmlns:r="http://schemas.openxmlformats.org/officeDocument/2006/relationships" xmlns:p="http://schemas.openxmlformats.org/presentationml/2006/main">
   <p:cSld>
     <p:spTree>
@@ -1754,7 +2410,7 @@
 </p:notes>
 </file>
 
-<file path=ppt/notesSlides/notesSlide22.xml><?xml version="1.0" encoding="utf-8"?>
+<file path=ppt/notesSlides/notesSlide29.xml><?xml version="1.0" encoding="utf-8"?>
 <p:notes xmlns:a="http://schemas.openxmlformats.org/drawingml/2006/main" xmlns:r="http://schemas.openxmlformats.org/officeDocument/2006/relationships" xmlns:p="http://schemas.openxmlformats.org/presentationml/2006/main">
   <p:cSld>
     <p:spTree>
@@ -1800,7 +2456,7 @@
           <a:p>
             <a:r>
               <a:rPr lang="en-US" dirty="0"/>
-              <a:t>We’ll go through these in more detail</a:t>
+              <a:t>We’ll go through these in more detail later. First two are enough to pin down the coefficients and say something about bias/consistency.</a:t>
             </a:r>
           </a:p>
         </p:txBody>
@@ -1841,7 +2497,118 @@
 </p:notes>
 </file>
 
-<file path=ppt/notesSlides/notesSlide23.xml><?xml version="1.0" encoding="utf-8"?>
+<file path=ppt/notesSlides/notesSlide3.xml><?xml version="1.0" encoding="utf-8"?>
+<p:notes xmlns:a="http://schemas.openxmlformats.org/drawingml/2006/main" xmlns:r="http://schemas.openxmlformats.org/officeDocument/2006/relationships" xmlns:p="http://schemas.openxmlformats.org/presentationml/2006/main">
+  <p:cSld>
+    <p:spTree>
+      <p:nvGrpSpPr>
+        <p:cNvPr id="1" name=""/>
+        <p:cNvGrpSpPr/>
+        <p:nvPr/>
+      </p:nvGrpSpPr>
+      <p:grpSpPr>
+        <a:xfrm>
+          <a:off x="0" y="0"/>
+          <a:ext cx="0" cy="0"/>
+          <a:chOff x="0" y="0"/>
+          <a:chExt cx="0" cy="0"/>
+        </a:xfrm>
+      </p:grpSpPr>
+      <p:sp>
+        <p:nvSpPr>
+          <p:cNvPr id="2" name="Slide Image Placeholder 1"/>
+          <p:cNvSpPr>
+            <a:spLocks noGrp="1" noRot="1" noChangeAspect="1"/>
+          </p:cNvSpPr>
+          <p:nvPr>
+            <p:ph type="sldImg"/>
+          </p:nvPr>
+        </p:nvSpPr>
+        <p:spPr/>
+      </p:sp>
+      <p:sp>
+        <p:nvSpPr>
+          <p:cNvPr id="3" name="Notes Placeholder 2"/>
+          <p:cNvSpPr>
+            <a:spLocks noGrp="1"/>
+          </p:cNvSpPr>
+          <p:nvPr>
+            <p:ph type="body" idx="1"/>
+          </p:nvPr>
+        </p:nvSpPr>
+        <p:spPr/>
+        <p:txBody>
+          <a:bodyPr/>
+          <a:lstStyle/>
+          <a:p>
+            <a:r>
+              <a:rPr lang="en-US" dirty="0"/>
+              <a:t>Apparently folders are going out of vogue – I will fight to save these till my dying breath! Urge you to start your shared projects using a structure like this (and </a:t>
+            </a:r>
+            <a:r>
+              <a:rPr lang="en-US" dirty="0" err="1"/>
+              <a:t>Github</a:t>
+            </a:r>
+            <a:r>
+              <a:rPr lang="en-US" dirty="0"/>
+              <a:t> and/or Dropbox and/or Overleaf and/or Trello – the dream team). Also have your </a:t>
+            </a:r>
+            <a:r>
+              <a:rPr lang="en-US" dirty="0" err="1"/>
+              <a:t>Rproject</a:t>
+            </a:r>
+            <a:r>
+              <a:rPr lang="en-US" dirty="0"/>
+              <a:t> here, so that you can have raw data (which you don’t touch), analytical data, code, and outputs all in separate places. Then draft can either be </a:t>
+            </a:r>
+            <a:r>
+              <a:rPr lang="en-US" dirty="0" err="1"/>
+              <a:t>Rmd</a:t>
+            </a:r>
+            <a:r>
+              <a:rPr lang="en-US" dirty="0"/>
+              <a:t> or Latex, Word, etc. </a:t>
+            </a:r>
+          </a:p>
+        </p:txBody>
+      </p:sp>
+      <p:sp>
+        <p:nvSpPr>
+          <p:cNvPr id="4" name="Slide Number Placeholder 3"/>
+          <p:cNvSpPr>
+            <a:spLocks noGrp="1"/>
+          </p:cNvSpPr>
+          <p:nvPr>
+            <p:ph type="sldNum" sz="quarter" idx="5"/>
+          </p:nvPr>
+        </p:nvSpPr>
+        <p:spPr/>
+        <p:txBody>
+          <a:bodyPr/>
+          <a:lstStyle/>
+          <a:p>
+            <a:fld id="{4AF79E1B-2C51-4B9B-8EA4-26DE9E345AFF}" type="slidenum">
+              <a:rPr lang="en-US" smtClean="0"/>
+              <a:t>4</a:t>
+            </a:fld>
+            <a:endParaRPr lang="en-US"/>
+          </a:p>
+        </p:txBody>
+      </p:sp>
+    </p:spTree>
+    <p:extLst>
+      <p:ext uri="{BB962C8B-B14F-4D97-AF65-F5344CB8AC3E}">
+        <p14:creationId xmlns:p14="http://schemas.microsoft.com/office/powerpoint/2010/main" val="3428859710"/>
+      </p:ext>
+    </p:extLst>
+  </p:cSld>
+  <p:clrMapOvr>
+    <a:masterClrMapping/>
+  </p:clrMapOvr>
+</p:notes>
+</file>
+
+<file path=ppt/notesSlides/notesSlide30.xml><?xml version="1.0" encoding="utf-8"?>
 <p:notes xmlns:a="http://schemas.openxmlformats.org/drawingml/2006/main" xmlns:r="http://schemas.openxmlformats.org/officeDocument/2006/relationships" xmlns:p="http://schemas.openxmlformats.org/presentationml/2006/main">
   <p:cSld>
     <p:spTree>
@@ -1928,7 +2695,7 @@
 </p:notes>
 </file>
 
-<file path=ppt/notesSlides/notesSlide24.xml><?xml version="1.0" encoding="utf-8"?>
+<file path=ppt/notesSlides/notesSlide31.xml><?xml version="1.0" encoding="utf-8"?>
 <p:notes xmlns:a="http://schemas.openxmlformats.org/drawingml/2006/main" xmlns:r="http://schemas.openxmlformats.org/officeDocument/2006/relationships" xmlns:p="http://schemas.openxmlformats.org/presentationml/2006/main">
   <p:cSld>
     <p:spTree>
@@ -2015,7 +2782,7 @@
 </p:notes>
 </file>
 
-<file path=ppt/notesSlides/notesSlide25.xml><?xml version="1.0" encoding="utf-8"?>
+<file path=ppt/notesSlides/notesSlide32.xml><?xml version="1.0" encoding="utf-8"?>
 <p:notes xmlns:a="http://schemas.openxmlformats.org/drawingml/2006/main" xmlns:r="http://schemas.openxmlformats.org/officeDocument/2006/relationships" xmlns:p="http://schemas.openxmlformats.org/presentationml/2006/main">
   <p:cSld>
     <p:spTree>
@@ -2102,7 +2869,7 @@
 </p:notes>
 </file>
 
-<file path=ppt/notesSlides/notesSlide26.xml><?xml version="1.0" encoding="utf-8"?>
+<file path=ppt/notesSlides/notesSlide33.xml><?xml version="1.0" encoding="utf-8"?>
 <p:notes xmlns:a="http://schemas.openxmlformats.org/drawingml/2006/main" xmlns:r="http://schemas.openxmlformats.org/officeDocument/2006/relationships" xmlns:p="http://schemas.openxmlformats.org/presentationml/2006/main">
   <p:cSld>
     <p:spTree>
@@ -2198,7 +2965,7 @@
 </p:notes>
 </file>
 
-<file path=ppt/notesSlides/notesSlide27.xml><?xml version="1.0" encoding="utf-8"?>
+<file path=ppt/notesSlides/notesSlide34.xml><?xml version="1.0" encoding="utf-8"?>
 <p:notes xmlns:a="http://schemas.openxmlformats.org/drawingml/2006/main" xmlns:r="http://schemas.openxmlformats.org/officeDocument/2006/relationships" xmlns:p="http://schemas.openxmlformats.org/presentationml/2006/main">
   <p:cSld>
     <p:spTree>
@@ -2285,7 +3052,7 @@
 </p:notes>
 </file>
 
-<file path=ppt/notesSlides/notesSlide28.xml><?xml version="1.0" encoding="utf-8"?>
+<file path=ppt/notesSlides/notesSlide35.xml><?xml version="1.0" encoding="utf-8"?>
 <p:notes xmlns:a="http://schemas.openxmlformats.org/drawingml/2006/main" xmlns:r="http://schemas.openxmlformats.org/officeDocument/2006/relationships" xmlns:p="http://schemas.openxmlformats.org/presentationml/2006/main">
   <p:cSld>
     <p:spTree>
@@ -2372,7 +3139,94 @@
 </p:notes>
 </file>
 
-<file path=ppt/notesSlides/notesSlide29.xml><?xml version="1.0" encoding="utf-8"?>
+<file path=ppt/notesSlides/notesSlide36.xml><?xml version="1.0" encoding="utf-8"?>
+<p:notes xmlns:a="http://schemas.openxmlformats.org/drawingml/2006/main" xmlns:r="http://schemas.openxmlformats.org/officeDocument/2006/relationships" xmlns:p="http://schemas.openxmlformats.org/presentationml/2006/main">
+  <p:cSld>
+    <p:spTree>
+      <p:nvGrpSpPr>
+        <p:cNvPr id="1" name=""/>
+        <p:cNvGrpSpPr/>
+        <p:nvPr/>
+      </p:nvGrpSpPr>
+      <p:grpSpPr>
+        <a:xfrm>
+          <a:off x="0" y="0"/>
+          <a:ext cx="0" cy="0"/>
+          <a:chOff x="0" y="0"/>
+          <a:chExt cx="0" cy="0"/>
+        </a:xfrm>
+      </p:grpSpPr>
+      <p:sp>
+        <p:nvSpPr>
+          <p:cNvPr id="2" name="Slide Image Placeholder 1"/>
+          <p:cNvSpPr>
+            <a:spLocks noGrp="1" noRot="1" noChangeAspect="1"/>
+          </p:cNvSpPr>
+          <p:nvPr>
+            <p:ph type="sldImg"/>
+          </p:nvPr>
+        </p:nvSpPr>
+        <p:spPr/>
+      </p:sp>
+      <p:sp>
+        <p:nvSpPr>
+          <p:cNvPr id="3" name="Notes Placeholder 2"/>
+          <p:cNvSpPr>
+            <a:spLocks noGrp="1"/>
+          </p:cNvSpPr>
+          <p:nvPr>
+            <p:ph type="body" idx="1"/>
+          </p:nvPr>
+        </p:nvSpPr>
+        <p:spPr/>
+        <p:txBody>
+          <a:bodyPr/>
+          <a:lstStyle/>
+          <a:p>
+            <a:r>
+              <a:rPr lang="en-US" dirty="0"/>
+              <a:t>R2 is measuring something different than the strength of the causal relationship, it’s measuring predictive power or how much variation you are utilizing. These aren’t the same. </a:t>
+            </a:r>
+          </a:p>
+        </p:txBody>
+      </p:sp>
+      <p:sp>
+        <p:nvSpPr>
+          <p:cNvPr id="4" name="Slide Number Placeholder 3"/>
+          <p:cNvSpPr>
+            <a:spLocks noGrp="1"/>
+          </p:cNvSpPr>
+          <p:nvPr>
+            <p:ph type="sldNum" sz="quarter" idx="5"/>
+          </p:nvPr>
+        </p:nvSpPr>
+        <p:spPr/>
+        <p:txBody>
+          <a:bodyPr/>
+          <a:lstStyle/>
+          <a:p>
+            <a:fld id="{4AF79E1B-2C51-4B9B-8EA4-26DE9E345AFF}" type="slidenum">
+              <a:rPr lang="en-US" smtClean="0"/>
+              <a:t>42</a:t>
+            </a:fld>
+            <a:endParaRPr lang="en-US"/>
+          </a:p>
+        </p:txBody>
+      </p:sp>
+    </p:spTree>
+    <p:extLst>
+      <p:ext uri="{BB962C8B-B14F-4D97-AF65-F5344CB8AC3E}">
+        <p14:creationId xmlns:p14="http://schemas.microsoft.com/office/powerpoint/2010/main" val="31568448"/>
+      </p:ext>
+    </p:extLst>
+  </p:cSld>
+  <p:clrMapOvr>
+    <a:masterClrMapping/>
+  </p:clrMapOvr>
+</p:notes>
+</file>
+
+<file path=ppt/notesSlides/notesSlide37.xml><?xml version="1.0" encoding="utf-8"?>
 <p:notes xmlns:a="http://schemas.openxmlformats.org/drawingml/2006/main" xmlns:r="http://schemas.openxmlformats.org/officeDocument/2006/relationships" xmlns:p="http://schemas.openxmlformats.org/presentationml/2006/main">
   <p:cSld>
     <p:spTree>
@@ -2741,7 +3595,7 @@
 </p:notes>
 </file>
 
-<file path=ppt/notesSlides/notesSlide3.xml><?xml version="1.0" encoding="utf-8"?>
+<file path=ppt/notesSlides/notesSlide38.xml><?xml version="1.0" encoding="utf-8"?>
 <p:notes xmlns:a="http://schemas.openxmlformats.org/drawingml/2006/main" xmlns:r="http://schemas.openxmlformats.org/officeDocument/2006/relationships" xmlns:p="http://schemas.openxmlformats.org/presentationml/2006/main">
   <p:cSld>
     <p:spTree>
@@ -2787,15 +3641,7 @@
           <a:p>
             <a:r>
               <a:rPr lang="en-US" dirty="0"/>
-              <a:t>Apparently folders are going out of vogue – I will fight to save these till my dying breath! Urge you to start your shared projects using a structure like this (and </a:t>
-            </a:r>
-            <a:r>
-              <a:rPr lang="en-US" dirty="0" err="1"/>
-              <a:t>Github</a:t>
-            </a:r>
-            <a:r>
-              <a:rPr lang="en-US" dirty="0"/>
-              <a:t> and/or Dropbox and/or Overleaf and/or Trello – the dream team)</a:t>
+              <a:t>We could do a MC simulation like we did last time to show this is true under certain assumptions. Try coding it up if you are curious!</a:t>
             </a:r>
           </a:p>
         </p:txBody>
@@ -2817,7 +3663,7 @@
           <a:p>
             <a:fld id="{4AF79E1B-2C51-4B9B-8EA4-26DE9E345AFF}" type="slidenum">
               <a:rPr lang="en-US" smtClean="0"/>
-              <a:t>4</a:t>
+              <a:t>44</a:t>
             </a:fld>
             <a:endParaRPr lang="en-US"/>
           </a:p>
@@ -2826,7 +3672,7 @@
     </p:spTree>
     <p:extLst>
       <p:ext uri="{BB962C8B-B14F-4D97-AF65-F5344CB8AC3E}">
-        <p14:creationId xmlns:p14="http://schemas.microsoft.com/office/powerpoint/2010/main" val="3428859710"/>
+        <p14:creationId xmlns:p14="http://schemas.microsoft.com/office/powerpoint/2010/main" val="4098161086"/>
       </p:ext>
     </p:extLst>
   </p:cSld>
@@ -2836,7 +3682,7 @@
 </p:notes>
 </file>
 
-<file path=ppt/notesSlides/notesSlide30.xml><?xml version="1.0" encoding="utf-8"?>
+<file path=ppt/notesSlides/notesSlide39.xml><?xml version="1.0" encoding="utf-8"?>
 <p:notes xmlns:a="http://schemas.openxmlformats.org/drawingml/2006/main" xmlns:r="http://schemas.openxmlformats.org/officeDocument/2006/relationships" xmlns:p="http://schemas.openxmlformats.org/presentationml/2006/main">
   <p:cSld>
     <p:spTree>
@@ -2882,7 +3728,181 @@
           <a:p>
             <a:r>
               <a:rPr lang="en-US" dirty="0"/>
-              <a:t>The key assumption is that we have isolated the causal pathway. In math, this is the mean independence assumption</a:t>
+              <a:t>Are these assumptions testable? </a:t>
+            </a:r>
+          </a:p>
+        </p:txBody>
+      </p:sp>
+      <p:sp>
+        <p:nvSpPr>
+          <p:cNvPr id="4" name="Slide Number Placeholder 3"/>
+          <p:cNvSpPr>
+            <a:spLocks noGrp="1"/>
+          </p:cNvSpPr>
+          <p:nvPr>
+            <p:ph type="sldNum" sz="quarter" idx="5"/>
+          </p:nvPr>
+        </p:nvSpPr>
+        <p:spPr/>
+        <p:txBody>
+          <a:bodyPr/>
+          <a:lstStyle/>
+          <a:p>
+            <a:fld id="{4AF79E1B-2C51-4B9B-8EA4-26DE9E345AFF}" type="slidenum">
+              <a:rPr lang="en-US" smtClean="0"/>
+              <a:t>45</a:t>
+            </a:fld>
+            <a:endParaRPr lang="en-US"/>
+          </a:p>
+        </p:txBody>
+      </p:sp>
+    </p:spTree>
+    <p:extLst>
+      <p:ext uri="{BB962C8B-B14F-4D97-AF65-F5344CB8AC3E}">
+        <p14:creationId xmlns:p14="http://schemas.microsoft.com/office/powerpoint/2010/main" val="572889972"/>
+      </p:ext>
+    </p:extLst>
+  </p:cSld>
+  <p:clrMapOvr>
+    <a:masterClrMapping/>
+  </p:clrMapOvr>
+</p:notes>
+</file>
+
+<file path=ppt/notesSlides/notesSlide4.xml><?xml version="1.0" encoding="utf-8"?>
+<p:notes xmlns:a="http://schemas.openxmlformats.org/drawingml/2006/main" xmlns:r="http://schemas.openxmlformats.org/officeDocument/2006/relationships" xmlns:p="http://schemas.openxmlformats.org/presentationml/2006/main">
+  <p:cSld>
+    <p:spTree>
+      <p:nvGrpSpPr>
+        <p:cNvPr id="1" name=""/>
+        <p:cNvGrpSpPr/>
+        <p:nvPr/>
+      </p:nvGrpSpPr>
+      <p:grpSpPr>
+        <a:xfrm>
+          <a:off x="0" y="0"/>
+          <a:ext cx="0" cy="0"/>
+          <a:chOff x="0" y="0"/>
+          <a:chExt cx="0" cy="0"/>
+        </a:xfrm>
+      </p:grpSpPr>
+      <p:sp>
+        <p:nvSpPr>
+          <p:cNvPr id="2" name="Slide Image Placeholder 1"/>
+          <p:cNvSpPr>
+            <a:spLocks noGrp="1" noRot="1" noChangeAspect="1"/>
+          </p:cNvSpPr>
+          <p:nvPr>
+            <p:ph type="sldImg"/>
+          </p:nvPr>
+        </p:nvSpPr>
+        <p:spPr/>
+      </p:sp>
+      <p:sp>
+        <p:nvSpPr>
+          <p:cNvPr id="3" name="Notes Placeholder 2"/>
+          <p:cNvSpPr>
+            <a:spLocks noGrp="1"/>
+          </p:cNvSpPr>
+          <p:nvPr>
+            <p:ph type="body" idx="1"/>
+          </p:nvPr>
+        </p:nvSpPr>
+        <p:spPr/>
+        <p:txBody>
+          <a:bodyPr/>
+          <a:lstStyle/>
+          <a:p>
+            <a:r>
+              <a:rPr lang="en-US" dirty="0"/>
+              <a:t>In all seriousness your projects may go on for years, and then you’ll get requests for replication code pulls years after publication – you want to be able to explain your own reasoning years from now (and you want others to follow it as well)</a:t>
+            </a:r>
+          </a:p>
+        </p:txBody>
+      </p:sp>
+      <p:sp>
+        <p:nvSpPr>
+          <p:cNvPr id="4" name="Slide Number Placeholder 3"/>
+          <p:cNvSpPr>
+            <a:spLocks noGrp="1"/>
+          </p:cNvSpPr>
+          <p:nvPr>
+            <p:ph type="sldNum" sz="quarter" idx="5"/>
+          </p:nvPr>
+        </p:nvSpPr>
+        <p:spPr/>
+        <p:txBody>
+          <a:bodyPr/>
+          <a:lstStyle/>
+          <a:p>
+            <a:fld id="{4AF79E1B-2C51-4B9B-8EA4-26DE9E345AFF}" type="slidenum">
+              <a:rPr lang="en-US" smtClean="0"/>
+              <a:t>5</a:t>
+            </a:fld>
+            <a:endParaRPr lang="en-US"/>
+          </a:p>
+        </p:txBody>
+      </p:sp>
+    </p:spTree>
+    <p:extLst>
+      <p:ext uri="{BB962C8B-B14F-4D97-AF65-F5344CB8AC3E}">
+        <p14:creationId xmlns:p14="http://schemas.microsoft.com/office/powerpoint/2010/main" val="3825928462"/>
+      </p:ext>
+    </p:extLst>
+  </p:cSld>
+  <p:clrMapOvr>
+    <a:masterClrMapping/>
+  </p:clrMapOvr>
+</p:notes>
+</file>
+
+<file path=ppt/notesSlides/notesSlide40.xml><?xml version="1.0" encoding="utf-8"?>
+<p:notes xmlns:a="http://schemas.openxmlformats.org/drawingml/2006/main" xmlns:r="http://schemas.openxmlformats.org/officeDocument/2006/relationships" xmlns:p="http://schemas.openxmlformats.org/presentationml/2006/main">
+  <p:cSld>
+    <p:spTree>
+      <p:nvGrpSpPr>
+        <p:cNvPr id="1" name=""/>
+        <p:cNvGrpSpPr/>
+        <p:nvPr/>
+      </p:nvGrpSpPr>
+      <p:grpSpPr>
+        <a:xfrm>
+          <a:off x="0" y="0"/>
+          <a:ext cx="0" cy="0"/>
+          <a:chOff x="0" y="0"/>
+          <a:chExt cx="0" cy="0"/>
+        </a:xfrm>
+      </p:grpSpPr>
+      <p:sp>
+        <p:nvSpPr>
+          <p:cNvPr id="2" name="Slide Image Placeholder 1"/>
+          <p:cNvSpPr>
+            <a:spLocks noGrp="1" noRot="1" noChangeAspect="1"/>
+          </p:cNvSpPr>
+          <p:nvPr>
+            <p:ph type="sldImg"/>
+          </p:nvPr>
+        </p:nvSpPr>
+        <p:spPr/>
+      </p:sp>
+      <p:sp>
+        <p:nvSpPr>
+          <p:cNvPr id="3" name="Notes Placeholder 2"/>
+          <p:cNvSpPr>
+            <a:spLocks noGrp="1"/>
+          </p:cNvSpPr>
+          <p:nvPr>
+            <p:ph type="body" idx="1"/>
+          </p:nvPr>
+        </p:nvSpPr>
+        <p:spPr/>
+        <p:txBody>
+          <a:bodyPr/>
+          <a:lstStyle/>
+          <a:p>
+            <a:r>
+              <a:rPr lang="en-US" dirty="0"/>
+              <a:t>Are these assumptions testable? </a:t>
             </a:r>
           </a:p>
         </p:txBody>
@@ -2913,7 +3933,7 @@
     </p:spTree>
     <p:extLst>
       <p:ext uri="{BB962C8B-B14F-4D97-AF65-F5344CB8AC3E}">
-        <p14:creationId xmlns:p14="http://schemas.microsoft.com/office/powerpoint/2010/main" val="3894426938"/>
+        <p14:creationId xmlns:p14="http://schemas.microsoft.com/office/powerpoint/2010/main" val="3088144480"/>
       </p:ext>
     </p:extLst>
   </p:cSld>
@@ -2923,7 +3943,94 @@
 </p:notes>
 </file>
 
-<file path=ppt/notesSlides/notesSlide31.xml><?xml version="1.0" encoding="utf-8"?>
+<file path=ppt/notesSlides/notesSlide41.xml><?xml version="1.0" encoding="utf-8"?>
+<p:notes xmlns:a="http://schemas.openxmlformats.org/drawingml/2006/main" xmlns:r="http://schemas.openxmlformats.org/officeDocument/2006/relationships" xmlns:p="http://schemas.openxmlformats.org/presentationml/2006/main">
+  <p:cSld>
+    <p:spTree>
+      <p:nvGrpSpPr>
+        <p:cNvPr id="1" name=""/>
+        <p:cNvGrpSpPr/>
+        <p:nvPr/>
+      </p:nvGrpSpPr>
+      <p:grpSpPr>
+        <a:xfrm>
+          <a:off x="0" y="0"/>
+          <a:ext cx="0" cy="0"/>
+          <a:chOff x="0" y="0"/>
+          <a:chExt cx="0" cy="0"/>
+        </a:xfrm>
+      </p:grpSpPr>
+      <p:sp>
+        <p:nvSpPr>
+          <p:cNvPr id="2" name="Slide Image Placeholder 1"/>
+          <p:cNvSpPr>
+            <a:spLocks noGrp="1" noRot="1" noChangeAspect="1"/>
+          </p:cNvSpPr>
+          <p:nvPr>
+            <p:ph type="sldImg"/>
+          </p:nvPr>
+        </p:nvSpPr>
+        <p:spPr/>
+      </p:sp>
+      <p:sp>
+        <p:nvSpPr>
+          <p:cNvPr id="3" name="Notes Placeholder 2"/>
+          <p:cNvSpPr>
+            <a:spLocks noGrp="1"/>
+          </p:cNvSpPr>
+          <p:nvPr>
+            <p:ph type="body" idx="1"/>
+          </p:nvPr>
+        </p:nvSpPr>
+        <p:spPr/>
+        <p:txBody>
+          <a:bodyPr/>
+          <a:lstStyle/>
+          <a:p>
+            <a:r>
+              <a:rPr lang="en-US" dirty="0"/>
+              <a:t>Are these assumptions testable? </a:t>
+            </a:r>
+          </a:p>
+        </p:txBody>
+      </p:sp>
+      <p:sp>
+        <p:nvSpPr>
+          <p:cNvPr id="4" name="Slide Number Placeholder 3"/>
+          <p:cNvSpPr>
+            <a:spLocks noGrp="1"/>
+          </p:cNvSpPr>
+          <p:nvPr>
+            <p:ph type="sldNum" sz="quarter" idx="5"/>
+          </p:nvPr>
+        </p:nvSpPr>
+        <p:spPr/>
+        <p:txBody>
+          <a:bodyPr/>
+          <a:lstStyle/>
+          <a:p>
+            <a:fld id="{4AF79E1B-2C51-4B9B-8EA4-26DE9E345AFF}" type="slidenum">
+              <a:rPr lang="en-US" smtClean="0"/>
+              <a:t>47</a:t>
+            </a:fld>
+            <a:endParaRPr lang="en-US"/>
+          </a:p>
+        </p:txBody>
+      </p:sp>
+    </p:spTree>
+    <p:extLst>
+      <p:ext uri="{BB962C8B-B14F-4D97-AF65-F5344CB8AC3E}">
+        <p14:creationId xmlns:p14="http://schemas.microsoft.com/office/powerpoint/2010/main" val="3285936995"/>
+      </p:ext>
+    </p:extLst>
+  </p:cSld>
+  <p:clrMapOvr>
+    <a:masterClrMapping/>
+  </p:clrMapOvr>
+</p:notes>
+</file>
+
+<file path=ppt/notesSlides/notesSlide42.xml><?xml version="1.0" encoding="utf-8"?>
 <p:notes xmlns:a="http://schemas.openxmlformats.org/drawingml/2006/main" xmlns:r="http://schemas.openxmlformats.org/officeDocument/2006/relationships" xmlns:p="http://schemas.openxmlformats.org/presentationml/2006/main">
   <p:cSld>
     <p:spTree>
@@ -3617,93 +4724,6 @@
     <p:extLst>
       <p:ext uri="{BB962C8B-B14F-4D97-AF65-F5344CB8AC3E}">
         <p14:creationId xmlns:p14="http://schemas.microsoft.com/office/powerpoint/2010/main" val="841724163"/>
-      </p:ext>
-    </p:extLst>
-  </p:cSld>
-  <p:clrMapOvr>
-    <a:masterClrMapping/>
-  </p:clrMapOvr>
-</p:notes>
-</file>
-
-<file path=ppt/notesSlides/notesSlide4.xml><?xml version="1.0" encoding="utf-8"?>
-<p:notes xmlns:a="http://schemas.openxmlformats.org/drawingml/2006/main" xmlns:r="http://schemas.openxmlformats.org/officeDocument/2006/relationships" xmlns:p="http://schemas.openxmlformats.org/presentationml/2006/main">
-  <p:cSld>
-    <p:spTree>
-      <p:nvGrpSpPr>
-        <p:cNvPr id="1" name=""/>
-        <p:cNvGrpSpPr/>
-        <p:nvPr/>
-      </p:nvGrpSpPr>
-      <p:grpSpPr>
-        <a:xfrm>
-          <a:off x="0" y="0"/>
-          <a:ext cx="0" cy="0"/>
-          <a:chOff x="0" y="0"/>
-          <a:chExt cx="0" cy="0"/>
-        </a:xfrm>
-      </p:grpSpPr>
-      <p:sp>
-        <p:nvSpPr>
-          <p:cNvPr id="2" name="Slide Image Placeholder 1"/>
-          <p:cNvSpPr>
-            <a:spLocks noGrp="1" noRot="1" noChangeAspect="1"/>
-          </p:cNvSpPr>
-          <p:nvPr>
-            <p:ph type="sldImg"/>
-          </p:nvPr>
-        </p:nvSpPr>
-        <p:spPr/>
-      </p:sp>
-      <p:sp>
-        <p:nvSpPr>
-          <p:cNvPr id="3" name="Notes Placeholder 2"/>
-          <p:cNvSpPr>
-            <a:spLocks noGrp="1"/>
-          </p:cNvSpPr>
-          <p:nvPr>
-            <p:ph type="body" idx="1"/>
-          </p:nvPr>
-        </p:nvSpPr>
-        <p:spPr/>
-        <p:txBody>
-          <a:bodyPr/>
-          <a:lstStyle/>
-          <a:p>
-            <a:r>
-              <a:rPr lang="en-US" dirty="0"/>
-              <a:t>In all seriousness your projects may go on for years, and then you’ll get requests for replication code pulls years after publication – you want to be able to explain your own reasoning years from now (and you want others to follow it as well)</a:t>
-            </a:r>
-          </a:p>
-        </p:txBody>
-      </p:sp>
-      <p:sp>
-        <p:nvSpPr>
-          <p:cNvPr id="4" name="Slide Number Placeholder 3"/>
-          <p:cNvSpPr>
-            <a:spLocks noGrp="1"/>
-          </p:cNvSpPr>
-          <p:nvPr>
-            <p:ph type="sldNum" sz="quarter" idx="5"/>
-          </p:nvPr>
-        </p:nvSpPr>
-        <p:spPr/>
-        <p:txBody>
-          <a:bodyPr/>
-          <a:lstStyle/>
-          <a:p>
-            <a:fld id="{4AF79E1B-2C51-4B9B-8EA4-26DE9E345AFF}" type="slidenum">
-              <a:rPr lang="en-US" smtClean="0"/>
-              <a:t>5</a:t>
-            </a:fld>
-            <a:endParaRPr lang="en-US"/>
-          </a:p>
-        </p:txBody>
-      </p:sp>
-    </p:spTree>
-    <p:extLst>
-      <p:ext uri="{BB962C8B-B14F-4D97-AF65-F5344CB8AC3E}">
-        <p14:creationId xmlns:p14="http://schemas.microsoft.com/office/powerpoint/2010/main" val="3825928462"/>
       </p:ext>
     </p:extLst>
   </p:cSld>
@@ -3846,7 +4866,7 @@
           <a:p>
             <a:r>
               <a:rPr lang="en-US" dirty="0"/>
-              <a:t>We are talking about probabilities because that’s what we’re after in causal inference – what is the probability of an association? We don’t deal with definitive things, the whole class is in the space of probabilities. </a:t>
+              <a:t>We are talking about probabilities because that’s what we’re after in causal inference – what is the probability of an association? We don’t deal with definitive things, the whole class is in the space of probabilities. (If probabilities were 1, we wouldn’t study “why are there clouds when it rains”?)</a:t>
             </a:r>
           </a:p>
         </p:txBody>
@@ -3933,7 +4953,7 @@
           <a:p>
             <a:r>
               <a:rPr lang="en-US" dirty="0"/>
-              <a:t>We tend to care more about conditional probabilities than we do joint ones (why? Because joint things are less policy relevant – harder to pin down, and because conditional probabilities have a clear DAG structure – draw on board</a:t>
+              <a:t>Draw Venn diagram, talk about probabilities of union and intersection</a:t>
             </a:r>
           </a:p>
         </p:txBody>
@@ -3955,7 +4975,7 @@
           <a:p>
             <a:fld id="{4AF79E1B-2C51-4B9B-8EA4-26DE9E345AFF}" type="slidenum">
               <a:rPr lang="en-US" smtClean="0"/>
-              <a:t>10</a:t>
+              <a:t>9</a:t>
             </a:fld>
             <a:endParaRPr lang="en-US"/>
           </a:p>
@@ -3964,7 +4984,7 @@
     </p:spTree>
     <p:extLst>
       <p:ext uri="{BB962C8B-B14F-4D97-AF65-F5344CB8AC3E}">
-        <p14:creationId xmlns:p14="http://schemas.microsoft.com/office/powerpoint/2010/main" val="2240096818"/>
+        <p14:creationId xmlns:p14="http://schemas.microsoft.com/office/powerpoint/2010/main" val="1731532493"/>
       </p:ext>
     </p:extLst>
   </p:cSld>
@@ -4020,7 +5040,7 @@
           <a:p>
             <a:r>
               <a:rPr lang="en-US" dirty="0"/>
-              <a:t>Independence and DAGs</a:t>
+              <a:t>We tend to care more about conditional probabilities than we do joint ones (why? Because joint things are less policy relevant – harder to pin down, and because conditional probabilities have a clear DAG structure – draw on board with VD</a:t>
             </a:r>
           </a:p>
         </p:txBody>
@@ -4042,7 +5062,7 @@
           <a:p>
             <a:fld id="{4AF79E1B-2C51-4B9B-8EA4-26DE9E345AFF}" type="slidenum">
               <a:rPr lang="en-US" smtClean="0"/>
-              <a:t>11</a:t>
+              <a:t>10</a:t>
             </a:fld>
             <a:endParaRPr lang="en-US"/>
           </a:p>
@@ -4051,7 +5071,7 @@
     </p:spTree>
     <p:extLst>
       <p:ext uri="{BB962C8B-B14F-4D97-AF65-F5344CB8AC3E}">
-        <p14:creationId xmlns:p14="http://schemas.microsoft.com/office/powerpoint/2010/main" val="1502233986"/>
+        <p14:creationId xmlns:p14="http://schemas.microsoft.com/office/powerpoint/2010/main" val="2240096818"/>
       </p:ext>
     </p:extLst>
   </p:cSld>
@@ -4107,13 +5127,8 @@
           <a:p>
             <a:r>
               <a:rPr lang="en-US" dirty="0"/>
-              <a:t>Note – here chronic conditions are absorbing states -- you don’t get away from them. Hence, as you proceed into the future, your probability of getting a chronic condition is the same in each period, but your total probability is a different number (stocks versus flows). </a:t>
+              <a:t>Independence and DAGs (no arrows). Talk about R button here. </a:t>
             </a:r>
-            <a:r>
-              <a:rPr lang="en-US" b="1" dirty="0"/>
-              <a:t>Timing of inference/regression matters. </a:t>
-            </a:r>
-            <a:endParaRPr lang="en-US" dirty="0"/>
           </a:p>
         </p:txBody>
       </p:sp>
@@ -4134,7 +5149,7 @@
           <a:p>
             <a:fld id="{4AF79E1B-2C51-4B9B-8EA4-26DE9E345AFF}" type="slidenum">
               <a:rPr lang="en-US" smtClean="0"/>
-              <a:t>12</a:t>
+              <a:t>11</a:t>
             </a:fld>
             <a:endParaRPr lang="en-US"/>
           </a:p>
@@ -4143,7 +5158,7 @@
     </p:spTree>
     <p:extLst>
       <p:ext uri="{BB962C8B-B14F-4D97-AF65-F5344CB8AC3E}">
-        <p14:creationId xmlns:p14="http://schemas.microsoft.com/office/powerpoint/2010/main" val="2831909352"/>
+        <p14:creationId xmlns:p14="http://schemas.microsoft.com/office/powerpoint/2010/main" val="1502233986"/>
       </p:ext>
     </p:extLst>
   </p:cSld>
@@ -4322,7 +5337,7 @@
             <a:fld id="{0972D05C-DCFB-4BB6-B49C-AC126BF3ED2C}" type="datetimeFigureOut">
               <a:rPr lang="en-US" smtClean="0"/>
               <a:pPr/>
-              <a:t>8/19/2022</a:t>
+              <a:t>9/15/2022</a:t>
             </a:fld>
             <a:endParaRPr lang="en-US"/>
           </a:p>
@@ -4552,7 +5567,7 @@
             <a:fld id="{0972D05C-DCFB-4BB6-B49C-AC126BF3ED2C}" type="datetimeFigureOut">
               <a:rPr lang="en-US" smtClean="0"/>
               <a:pPr/>
-              <a:t>8/19/2022</a:t>
+              <a:t>9/15/2022</a:t>
             </a:fld>
             <a:endParaRPr lang="en-US"/>
           </a:p>
@@ -4734,7 +5749,7 @@
             <a:fld id="{0972D05C-DCFB-4BB6-B49C-AC126BF3ED2C}" type="datetimeFigureOut">
               <a:rPr lang="en-US" smtClean="0"/>
               <a:pPr/>
-              <a:t>8/19/2022</a:t>
+              <a:t>9/15/2022</a:t>
             </a:fld>
             <a:endParaRPr lang="en-US"/>
           </a:p>
@@ -4906,7 +5921,7 @@
             <a:fld id="{0972D05C-DCFB-4BB6-B49C-AC126BF3ED2C}" type="datetimeFigureOut">
               <a:rPr lang="en-US" smtClean="0"/>
               <a:pPr/>
-              <a:t>8/19/2022</a:t>
+              <a:t>9/15/2022</a:t>
             </a:fld>
             <a:endParaRPr lang="en-US"/>
           </a:p>
@@ -5162,7 +6177,7 @@
             <a:fld id="{0972D05C-DCFB-4BB6-B49C-AC126BF3ED2C}" type="datetimeFigureOut">
               <a:rPr lang="en-US" smtClean="0"/>
               <a:pPr/>
-              <a:t>8/19/2022</a:t>
+              <a:t>9/15/2022</a:t>
             </a:fld>
             <a:endParaRPr lang="en-US"/>
           </a:p>
@@ -5490,7 +6505,7 @@
             <a:fld id="{0972D05C-DCFB-4BB6-B49C-AC126BF3ED2C}" type="datetimeFigureOut">
               <a:rPr lang="en-US" smtClean="0"/>
               <a:pPr/>
-              <a:t>8/19/2022</a:t>
+              <a:t>9/15/2022</a:t>
             </a:fld>
             <a:endParaRPr lang="en-US"/>
           </a:p>
@@ -5943,7 +6958,7 @@
             <a:fld id="{0972D05C-DCFB-4BB6-B49C-AC126BF3ED2C}" type="datetimeFigureOut">
               <a:rPr lang="en-US" smtClean="0"/>
               <a:pPr/>
-              <a:t>8/19/2022</a:t>
+              <a:t>9/15/2022</a:t>
             </a:fld>
             <a:endParaRPr lang="en-US"/>
           </a:p>
@@ -6063,7 +7078,7 @@
             <a:fld id="{0972D05C-DCFB-4BB6-B49C-AC126BF3ED2C}" type="datetimeFigureOut">
               <a:rPr lang="en-US" smtClean="0"/>
               <a:pPr/>
-              <a:t>8/19/2022</a:t>
+              <a:t>9/15/2022</a:t>
             </a:fld>
             <a:endParaRPr lang="en-US"/>
           </a:p>
@@ -6160,7 +7175,7 @@
             <a:fld id="{0972D05C-DCFB-4BB6-B49C-AC126BF3ED2C}" type="datetimeFigureOut">
               <a:rPr lang="en-US" smtClean="0"/>
               <a:pPr/>
-              <a:t>8/19/2022</a:t>
+              <a:t>9/15/2022</a:t>
             </a:fld>
             <a:endParaRPr lang="en-US"/>
           </a:p>
@@ -6449,7 +7464,7 @@
             <a:fld id="{0972D05C-DCFB-4BB6-B49C-AC126BF3ED2C}" type="datetimeFigureOut">
               <a:rPr lang="en-US" smtClean="0"/>
               <a:pPr/>
-              <a:t>8/19/2022</a:t>
+              <a:t>9/15/2022</a:t>
             </a:fld>
             <a:endParaRPr lang="en-US"/>
           </a:p>
@@ -6773,7 +7788,7 @@
             <a:fld id="{0972D05C-DCFB-4BB6-B49C-AC126BF3ED2C}" type="datetimeFigureOut">
               <a:rPr lang="en-US" smtClean="0"/>
               <a:pPr/>
-              <a:t>8/19/2022</a:t>
+              <a:t>9/15/2022</a:t>
             </a:fld>
             <a:endParaRPr lang="en-US"/>
           </a:p>
@@ -7028,7 +8043,7 @@
             <a:fld id="{0972D05C-DCFB-4BB6-B49C-AC126BF3ED2C}" type="datetimeFigureOut">
               <a:rPr lang="en-US" smtClean="0"/>
               <a:pPr/>
-              <a:t>8/19/2022</a:t>
+              <a:t>9/15/2022</a:t>
             </a:fld>
             <a:endParaRPr lang="en-US" dirty="0"/>
           </a:p>
@@ -8896,8 +9911,8 @@
           </a:p>
         </p:txBody>
       </p:sp>
-      <mc:AlternateContent xmlns:mc="http://schemas.openxmlformats.org/markup-compatibility/2006" xmlns:a14="http://schemas.microsoft.com/office/drawing/2010/main">
-        <mc:Choice Requires="a14">
+      <mc:AlternateContent xmlns:mc="http://schemas.openxmlformats.org/markup-compatibility/2006">
+        <mc:Choice xmlns:a14="http://schemas.microsoft.com/office/drawing/2010/main" Requires="a14">
           <p:sp>
             <p:nvSpPr>
               <p:cNvPr id="3" name="Content Placeholder 2"/>
@@ -8991,6 +10006,11 @@
                 </a:r>
                 <a:r>
                   <a:rPr lang="en-US" sz="2400" b="1" dirty="0">
+                    <a:solidFill>
+                      <a:schemeClr val="accent2">
+                        <a:lumMod val="75000"/>
+                      </a:schemeClr>
+                    </a:solidFill>
                     <a:cs typeface="Times New Roman" panose="02020603050405020304" pitchFamily="18" charset="0"/>
                   </a:rPr>
                   <a:t>total probability </a:t>
@@ -9178,7 +10198,7 @@
             </p:txBody>
           </p:sp>
         </mc:Choice>
-        <mc:Fallback xmlns="">
+        <mc:Fallback>
           <p:sp>
             <p:nvSpPr>
               <p:cNvPr id="3" name="Content Placeholder 2"/>
@@ -10663,7 +11683,7 @@
                 <a:ext cx="9601200" cy="5141388"/>
               </a:xfrm>
               <a:blipFill>
-                <a:blip r:embed="rId2"/>
+                <a:blip r:embed="rId3"/>
                 <a:stretch>
                   <a:fillRect l="-444" t="-1305"/>
                 </a:stretch>
@@ -10746,8 +11766,8 @@
           </a:p>
         </p:txBody>
       </p:sp>
-      <mc:AlternateContent xmlns:mc="http://schemas.openxmlformats.org/markup-compatibility/2006" xmlns:a14="http://schemas.microsoft.com/office/drawing/2010/main">
-        <mc:Choice Requires="a14">
+      <mc:AlternateContent xmlns:mc="http://schemas.openxmlformats.org/markup-compatibility/2006">
+        <mc:Choice xmlns:a14="http://schemas.microsoft.com/office/drawing/2010/main" Requires="a14">
           <p:sp>
             <p:nvSpPr>
               <p:cNvPr id="3" name="Content Placeholder 2"/>
@@ -10775,7 +11795,7 @@
                     <a:latin typeface="Times New Roman" panose="02020603050405020304" pitchFamily="18" charset="0"/>
                     <a:cs typeface="Times New Roman" panose="02020603050405020304" pitchFamily="18" charset="0"/>
                   </a:rPr>
-                  <a:t>Given the occurrence of one event, how should we update our beliefs about subsequent events</a:t>
+                  <a:t>Given the occurrence of one event, how should we update our beliefs about subsequent events?</a:t>
                 </a:r>
               </a:p>
               <a:p>
@@ -11235,7 +12255,7 @@
             </p:txBody>
           </p:sp>
         </mc:Choice>
-        <mc:Fallback xmlns="">
+        <mc:Fallback>
           <p:sp>
             <p:nvSpPr>
               <p:cNvPr id="3" name="Content Placeholder 2"/>
@@ -14088,7 +15108,7 @@
                 <a:ext cx="9829800" cy="5141388"/>
               </a:xfrm>
               <a:blipFill>
-                <a:blip r:embed="rId2"/>
+                <a:blip r:embed="rId3"/>
                 <a:stretch>
                   <a:fillRect l="-434" t="-1305"/>
                 </a:stretch>
@@ -15766,7 +16786,7 @@
                 <a:ext cx="9677400" cy="5141388"/>
               </a:xfrm>
               <a:blipFill>
-                <a:blip r:embed="rId2"/>
+                <a:blip r:embed="rId3"/>
                 <a:stretch>
                   <a:fillRect l="-441" t="-1305"/>
                 </a:stretch>
@@ -15920,11 +16940,88 @@
                 <a:latin typeface="Times New Roman" panose="02020603050405020304" pitchFamily="18" charset="0"/>
                 <a:cs typeface="Times New Roman" panose="02020603050405020304" pitchFamily="18" charset="0"/>
               </a:rPr>
-              <a:t>Model testing typically requires assumptions, goal of analysis is to test whether those assumptions are plausible and examine many possible DGPs</a:t>
+              <a:t>Model testing typically requires </a:t>
+            </a:r>
+            <a:r>
+              <a:rPr lang="en-US" sz="2400" b="1" dirty="0">
+                <a:solidFill>
+                  <a:schemeClr val="accent2">
+                    <a:lumMod val="75000"/>
+                  </a:schemeClr>
+                </a:solidFill>
+                <a:latin typeface="Times New Roman" panose="02020603050405020304" pitchFamily="18" charset="0"/>
+                <a:cs typeface="Times New Roman" panose="02020603050405020304" pitchFamily="18" charset="0"/>
+              </a:rPr>
+              <a:t>assumptions:</a:t>
             </a:r>
           </a:p>
           <a:p>
+            <a:pPr lvl="1"/>
+            <a:r>
+              <a:rPr lang="en-US" sz="2200" dirty="0">
+                <a:cs typeface="Times New Roman" panose="02020603050405020304" pitchFamily="18" charset="0"/>
+              </a:rPr>
+              <a:t>Go</a:t>
+            </a:r>
+            <a:r>
+              <a:rPr lang="en-US" sz="2200" dirty="0">
+                <a:latin typeface="Times New Roman" panose="02020603050405020304" pitchFamily="18" charset="0"/>
+                <a:cs typeface="Times New Roman" panose="02020603050405020304" pitchFamily="18" charset="0"/>
+              </a:rPr>
+              <a:t>al is to test whether those are plausible and </a:t>
+            </a:r>
+          </a:p>
+          <a:p>
+            <a:pPr lvl="1"/>
+            <a:r>
+              <a:rPr lang="en-US" sz="2200" dirty="0">
+                <a:cs typeface="Times New Roman" panose="02020603050405020304" pitchFamily="18" charset="0"/>
+              </a:rPr>
+              <a:t>E</a:t>
+            </a:r>
+            <a:r>
+              <a:rPr lang="en-US" sz="2200" dirty="0">
+                <a:latin typeface="Times New Roman" panose="02020603050405020304" pitchFamily="18" charset="0"/>
+                <a:cs typeface="Times New Roman" panose="02020603050405020304" pitchFamily="18" charset="0"/>
+              </a:rPr>
+              <a:t>xamine many possible DGPs</a:t>
+            </a:r>
+          </a:p>
+          <a:p>
+            <a:r>
+              <a:rPr lang="en-US" sz="2400" dirty="0">
+                <a:cs typeface="Times New Roman" panose="02020603050405020304" pitchFamily="18" charset="0"/>
+              </a:rPr>
+              <a:t>This opens the door to</a:t>
+            </a:r>
+            <a:r>
+              <a:rPr lang="en-US" sz="2400" dirty="0">
+                <a:solidFill>
+                  <a:schemeClr val="accent2">
+                    <a:lumMod val="75000"/>
+                  </a:schemeClr>
+                </a:solidFill>
+                <a:cs typeface="Times New Roman" panose="02020603050405020304" pitchFamily="18" charset="0"/>
+              </a:rPr>
+              <a:t> </a:t>
+            </a:r>
+            <a:r>
+              <a:rPr lang="en-US" sz="2400" b="1" dirty="0">
+                <a:solidFill>
+                  <a:schemeClr val="accent2">
+                    <a:lumMod val="75000"/>
+                  </a:schemeClr>
+                </a:solidFill>
+                <a:cs typeface="Times New Roman" panose="02020603050405020304" pitchFamily="18" charset="0"/>
+              </a:rPr>
+              <a:t>causal statements</a:t>
+            </a:r>
             <a:endParaRPr lang="en-US" sz="2400" dirty="0">
+              <a:solidFill>
+                <a:schemeClr val="accent2">
+                  <a:lumMod val="75000"/>
+                </a:schemeClr>
+              </a:solidFill>
               <a:cs typeface="Times New Roman" panose="02020603050405020304" pitchFamily="18" charset="0"/>
             </a:endParaRPr>
           </a:p>
@@ -17220,7 +18317,7 @@
                 <a:ext cx="10363200" cy="5141388"/>
               </a:xfrm>
               <a:blipFill>
-                <a:blip r:embed="rId2"/>
+                <a:blip r:embed="rId3"/>
                 <a:stretch>
                   <a:fillRect l="-471" t="-1305" b="-3915"/>
                 </a:stretch>
@@ -19035,7 +20132,7 @@
               <a:rPr lang="en-US" dirty="0">
                 <a:cs typeface="Times New Roman" panose="02020603050405020304" pitchFamily="18" charset="0"/>
               </a:rPr>
-              <a:t>Population Model: Assumptions</a:t>
+              <a:t>Population Model</a:t>
             </a:r>
             <a:endParaRPr lang="en-US" dirty="0">
               <a:latin typeface="Times New Roman" panose="02020603050405020304" pitchFamily="18" charset="0"/>
@@ -19690,6 +20787,80 @@
           </a:prstGeom>
         </p:spPr>
       </p:pic>
+      <p:sp>
+        <p:nvSpPr>
+          <p:cNvPr id="5" name="TextBox 4">
+            <a:extLst>
+              <a:ext uri="{FF2B5EF4-FFF2-40B4-BE49-F238E27FC236}">
+                <a16:creationId xmlns:a16="http://schemas.microsoft.com/office/drawing/2014/main" id="{0867D202-42E6-5A5E-CD93-533FE68D8F7E}"/>
+              </a:ext>
+            </a:extLst>
+          </p:cNvPr>
+          <p:cNvSpPr txBox="1"/>
+          <p:nvPr/>
+        </p:nvSpPr>
+        <p:spPr>
+          <a:xfrm>
+            <a:off x="4648200" y="6096000"/>
+            <a:ext cx="1447800" cy="646331"/>
+          </a:xfrm>
+          <a:prstGeom prst="rect">
+            <a:avLst/>
+          </a:prstGeom>
+          <a:solidFill>
+            <a:schemeClr val="bg1"/>
+          </a:solidFill>
+        </p:spPr>
+        <p:txBody>
+          <a:bodyPr wrap="square" rtlCol="0">
+            <a:spAutoFit/>
+          </a:bodyPr>
+          <a:lstStyle/>
+          <a:p>
+            <a:r>
+              <a:rPr lang="en-US" dirty="0"/>
+              <a:t>Cookies Eaten</a:t>
+            </a:r>
+          </a:p>
+        </p:txBody>
+      </p:sp>
+      <p:sp>
+        <p:nvSpPr>
+          <p:cNvPr id="6" name="TextBox 5">
+            <a:extLst>
+              <a:ext uri="{FF2B5EF4-FFF2-40B4-BE49-F238E27FC236}">
+                <a16:creationId xmlns:a16="http://schemas.microsoft.com/office/drawing/2014/main" id="{718D52E2-9AB7-F918-C621-EE366F732CE0}"/>
+              </a:ext>
+            </a:extLst>
+          </p:cNvPr>
+          <p:cNvSpPr txBox="1"/>
+          <p:nvPr/>
+        </p:nvSpPr>
+        <p:spPr>
+          <a:xfrm rot="16200000">
+            <a:off x="-498219" y="3130034"/>
+            <a:ext cx="3124203" cy="369332"/>
+          </a:xfrm>
+          <a:prstGeom prst="rect">
+            <a:avLst/>
+          </a:prstGeom>
+          <a:solidFill>
+            <a:schemeClr val="bg1"/>
+          </a:solidFill>
+        </p:spPr>
+        <p:txBody>
+          <a:bodyPr wrap="square" rtlCol="0">
+            <a:spAutoFit/>
+          </a:bodyPr>
+          <a:lstStyle/>
+          <a:p>
+            <a:r>
+              <a:rPr lang="en-US" dirty="0"/>
+              <a:t>Average happiness</a:t>
+            </a:r>
+          </a:p>
+        </p:txBody>
+      </p:sp>
     </p:spTree>
     <p:extLst>
       <p:ext uri="{BB962C8B-B14F-4D97-AF65-F5344CB8AC3E}">
@@ -20288,7 +21459,7 @@
                 <a:ext cx="10286999" cy="5141388"/>
               </a:xfrm>
               <a:blipFill>
-                <a:blip r:embed="rId2"/>
+                <a:blip r:embed="rId3"/>
                 <a:stretch>
                   <a:fillRect l="-889" r="-59"/>
                 </a:stretch>
@@ -20818,7 +21989,7 @@
                 <a:ext cx="10286999" cy="5141388"/>
               </a:xfrm>
               <a:blipFill>
-                <a:blip r:embed="rId2"/>
+                <a:blip r:embed="rId3"/>
                 <a:stretch>
                   <a:fillRect l="-889" r="-59"/>
                 </a:stretch>
@@ -25431,8 +26602,8 @@
           </a:p>
         </p:txBody>
       </p:sp>
-      <mc:AlternateContent xmlns:mc="http://schemas.openxmlformats.org/markup-compatibility/2006" xmlns:a14="http://schemas.microsoft.com/office/drawing/2010/main">
-        <mc:Choice Requires="a14">
+      <mc:AlternateContent xmlns:mc="http://schemas.openxmlformats.org/markup-compatibility/2006">
+        <mc:Choice xmlns:a14="http://schemas.microsoft.com/office/drawing/2010/main" Requires="a14">
           <p:sp>
             <p:nvSpPr>
               <p:cNvPr id="3" name="Content Placeholder 2"/>
@@ -25445,8 +26616,8 @@
             </p:nvSpPr>
             <p:spPr>
               <a:xfrm>
-                <a:off x="1219199" y="1066801"/>
-                <a:ext cx="9405791" cy="5141388"/>
+                <a:off x="609601" y="1066801"/>
+                <a:ext cx="10015390" cy="5141388"/>
               </a:xfrm>
             </p:spPr>
             <p:txBody>
@@ -25986,23 +27157,6 @@
                     </m:r>
                   </m:oMath>
                 </a14:m>
-                <a:endParaRPr lang="en-CA" sz="2400" dirty="0">
-                  <a:solidFill>
-                    <a:schemeClr val="tx1">
-                      <a:lumMod val="75000"/>
-                      <a:lumOff val="25000"/>
-                    </a:schemeClr>
-                  </a:solidFill>
-                  <a:ea typeface="Open Sans" panose="020B0606030504020204" pitchFamily="34" charset="0"/>
-                  <a:cs typeface="Times New Roman" panose="02020603050405020304" pitchFamily="18" charset="0"/>
-                </a:endParaRPr>
-              </a:p>
-              <a:p>
-                <a:pPr lvl="1">
-                  <a:lnSpc>
-                    <a:spcPct val="120000"/>
-                  </a:lnSpc>
-                </a:pPr>
                 <a:r>
                   <a:rPr lang="en-CA" sz="2400" dirty="0">
                     <a:solidFill>
@@ -26014,7 +27168,7 @@
                     <a:ea typeface="Open Sans" panose="020B0606030504020204" pitchFamily="34" charset="0"/>
                     <a:cs typeface="Times New Roman" panose="02020603050405020304" pitchFamily="18" charset="0"/>
                   </a:rPr>
-                  <a:t>Any change </a:t>
+                  <a:t> or change </a:t>
                 </a:r>
                 <a14:m>
                   <m:oMath xmlns:m="http://schemas.openxmlformats.org/officeDocument/2006/math">
@@ -26301,7 +27455,7 @@
             </p:txBody>
           </p:sp>
         </mc:Choice>
-        <mc:Fallback xmlns="">
+        <mc:Fallback>
           <p:sp>
             <p:nvSpPr>
               <p:cNvPr id="3" name="Content Placeholder 2"/>
@@ -26314,13 +27468,13 @@
             </p:nvSpPr>
             <p:spPr>
               <a:xfrm>
-                <a:off x="1219199" y="1066801"/>
-                <a:ext cx="9405791" cy="5141388"/>
+                <a:off x="609601" y="1066801"/>
+                <a:ext cx="10015390" cy="5141388"/>
               </a:xfrm>
               <a:blipFill>
                 <a:blip r:embed="rId3"/>
                 <a:stretch>
-                  <a:fillRect l="-454" b="-10676"/>
+                  <a:fillRect l="-426" b="-593"/>
                 </a:stretch>
               </a:blipFill>
             </p:spPr>
@@ -29104,8 +30258,8 @@
           </a:p>
         </p:txBody>
       </p:sp>
-      <mc:AlternateContent xmlns:mc="http://schemas.openxmlformats.org/markup-compatibility/2006" xmlns:a14="http://schemas.microsoft.com/office/drawing/2010/main">
-        <mc:Choice Requires="a14">
+      <mc:AlternateContent xmlns:mc="http://schemas.openxmlformats.org/markup-compatibility/2006">
+        <mc:Choice xmlns:a14="http://schemas.microsoft.com/office/drawing/2010/main" Requires="a14">
           <p:sp>
             <p:nvSpPr>
               <p:cNvPr id="3" name="Content Placeholder 2"/>
@@ -29507,6 +30661,18 @@
                 <a:r>
                   <a:rPr lang="en-US" sz="2400" b="1" dirty="0">
                     <a:solidFill>
+                      <a:schemeClr val="accent2">
+                        <a:lumMod val="75000"/>
+                      </a:schemeClr>
+                    </a:solidFill>
+                    <a:ea typeface="Open Sans" panose="020B0606030504020204" pitchFamily="34" charset="0"/>
+                    <a:cs typeface="Times New Roman" panose="02020603050405020304" pitchFamily="18" charset="0"/>
+                  </a:rPr>
+                  <a:t>fraction of SST explained by our regression</a:t>
+                </a:r>
+                <a:r>
+                  <a:rPr lang="en-US" sz="2400" b="1" dirty="0">
+                    <a:solidFill>
                       <a:schemeClr val="tx1">
                         <a:lumMod val="75000"/>
                         <a:lumOff val="25000"/>
@@ -29515,7 +30681,7 @@
                     <a:ea typeface="Open Sans" panose="020B0606030504020204" pitchFamily="34" charset="0"/>
                     <a:cs typeface="Times New Roman" panose="02020603050405020304" pitchFamily="18" charset="0"/>
                   </a:rPr>
-                  <a:t>fraction of SST explained by our regression: </a:t>
+                  <a:t>: </a:t>
                 </a:r>
               </a:p>
               <a:p>
@@ -29719,7 +30885,7 @@
             </p:txBody>
           </p:sp>
         </mc:Choice>
-        <mc:Fallback xmlns="">
+        <mc:Fallback>
           <p:sp>
             <p:nvSpPr>
               <p:cNvPr id="3" name="Content Placeholder 2"/>
@@ -30559,7 +31725,7 @@
                 <a:ext cx="10363200" cy="5486399"/>
               </a:xfrm>
               <a:blipFill>
-                <a:blip r:embed="rId2"/>
+                <a:blip r:embed="rId3"/>
                 <a:stretch>
                   <a:fillRect l="-882"/>
                 </a:stretch>
@@ -30760,8 +31926,8 @@
           </a:p>
         </p:txBody>
       </p:sp>
-      <mc:AlternateContent xmlns:mc="http://schemas.openxmlformats.org/markup-compatibility/2006" xmlns:a14="http://schemas.microsoft.com/office/drawing/2010/main">
-        <mc:Choice Requires="a14">
+      <mc:AlternateContent xmlns:mc="http://schemas.openxmlformats.org/markup-compatibility/2006">
+        <mc:Choice xmlns:a14="http://schemas.microsoft.com/office/drawing/2010/main" Requires="a14">
           <p:sp>
             <p:nvSpPr>
               <p:cNvPr id="3" name="Content Placeholder 2"/>
@@ -31114,9 +32280,8 @@
                 <a:r>
                   <a:rPr lang="en-CA" sz="2400" b="1" dirty="0">
                     <a:solidFill>
-                      <a:schemeClr val="tx1">
+                      <a:schemeClr val="accent2">
                         <a:lumMod val="75000"/>
-                        <a:lumOff val="25000"/>
                       </a:schemeClr>
                     </a:solidFill>
                     <a:ea typeface="Open Sans" panose="020B0606030504020204" pitchFamily="34" charset="0"/>
@@ -31131,9 +32296,8 @@
                         <m:ctrlPr>
                           <a:rPr lang="en-US" sz="2400" b="1" i="1" smtClean="0">
                             <a:solidFill>
-                              <a:schemeClr val="tx1">
+                              <a:schemeClr val="accent2">
                                 <a:lumMod val="75000"/>
-                                <a:lumOff val="25000"/>
                               </a:schemeClr>
                             </a:solidFill>
                             <a:latin typeface="Cambria Math" panose="02040503050406030204" pitchFamily="18" charset="0"/>
@@ -31146,9 +32310,8 @@
                         <m:r>
                           <a:rPr lang="en-US" sz="2400" b="1" i="1" smtClean="0">
                             <a:solidFill>
-                              <a:schemeClr val="tx1">
+                              <a:schemeClr val="accent2">
                                 <a:lumMod val="75000"/>
-                                <a:lumOff val="25000"/>
                               </a:schemeClr>
                             </a:solidFill>
                             <a:latin typeface="Cambria Math" panose="02040503050406030204" pitchFamily="18" charset="0"/>
@@ -31162,9 +32325,8 @@
                         <m:r>
                           <a:rPr lang="en-US" sz="2400" b="1" i="1" smtClean="0">
                             <a:solidFill>
-                              <a:schemeClr val="tx1">
+                              <a:schemeClr val="accent2">
                                 <a:lumMod val="75000"/>
-                                <a:lumOff val="25000"/>
                               </a:schemeClr>
                             </a:solidFill>
                             <a:latin typeface="Cambria Math" panose="02040503050406030204" pitchFamily="18" charset="0"/>
@@ -31178,9 +32340,8 @@
                     <m:r>
                       <a:rPr lang="en-US" sz="2400" b="1" i="0" smtClean="0">
                         <a:solidFill>
-                          <a:schemeClr val="tx1">
+                          <a:schemeClr val="accent2">
                             <a:lumMod val="75000"/>
-                            <a:lumOff val="25000"/>
                           </a:schemeClr>
                         </a:solidFill>
                         <a:latin typeface="Cambria Math" panose="02040503050406030204" pitchFamily="18" charset="0"/>
@@ -31193,9 +32354,8 @@
                 </a14:m>
                 <a:endParaRPr lang="en-US" sz="2400" b="1" dirty="0">
                   <a:solidFill>
-                    <a:schemeClr val="tx1">
+                    <a:schemeClr val="accent2">
                       <a:lumMod val="75000"/>
-                      <a:lumOff val="25000"/>
                     </a:schemeClr>
                   </a:solidFill>
                   <a:ea typeface="Open Sans" panose="020B0606030504020204" pitchFamily="34" charset="0"/>
@@ -31642,7 +32802,7 @@
             </p:txBody>
           </p:sp>
         </mc:Choice>
-        <mc:Fallback xmlns="">
+        <mc:Fallback>
           <p:sp>
             <p:nvSpPr>
               <p:cNvPr id="3" name="Content Placeholder 2"/>
@@ -31659,7 +32819,7 @@
                 <a:ext cx="9753601" cy="5141388"/>
               </a:xfrm>
               <a:blipFill>
-                <a:blip r:embed="rId2"/>
+                <a:blip r:embed="rId3"/>
                 <a:stretch>
                   <a:fillRect l="-938"/>
                 </a:stretch>
@@ -31742,8 +32902,8 @@
           </a:p>
         </p:txBody>
       </p:sp>
-      <mc:AlternateContent xmlns:mc="http://schemas.openxmlformats.org/markup-compatibility/2006" xmlns:a14="http://schemas.microsoft.com/office/drawing/2010/main">
-        <mc:Choice Requires="a14">
+      <mc:AlternateContent xmlns:mc="http://schemas.openxmlformats.org/markup-compatibility/2006">
+        <mc:Choice xmlns:a14="http://schemas.microsoft.com/office/drawing/2010/main" Requires="a14">
           <p:sp>
             <p:nvSpPr>
               <p:cNvPr id="3" name="Content Placeholder 2"/>
@@ -32096,9 +33256,8 @@
                 <a:r>
                   <a:rPr lang="en-CA" sz="2400" b="1" dirty="0">
                     <a:solidFill>
-                      <a:schemeClr val="tx1">
+                      <a:schemeClr val="accent2">
                         <a:lumMod val="75000"/>
-                        <a:lumOff val="25000"/>
                       </a:schemeClr>
                     </a:solidFill>
                     <a:ea typeface="Open Sans" panose="020B0606030504020204" pitchFamily="34" charset="0"/>
@@ -32111,9 +33270,8 @@
                     <m:r>
                       <a:rPr lang="en-US" sz="2400" b="1" i="1">
                         <a:solidFill>
-                          <a:schemeClr val="tx1">
+                          <a:schemeClr val="accent2">
                             <a:lumMod val="75000"/>
-                            <a:lumOff val="25000"/>
                           </a:schemeClr>
                         </a:solidFill>
                         <a:latin typeface="Cambria Math" panose="02040503050406030204" pitchFamily="18" charset="0"/>
@@ -32129,9 +33287,8 @@
                         <m:ctrlPr>
                           <a:rPr lang="en-US" sz="2400" b="1" i="1">
                             <a:solidFill>
-                              <a:schemeClr val="tx1">
+                              <a:schemeClr val="accent2">
                                 <a:lumMod val="75000"/>
-                                <a:lumOff val="25000"/>
                               </a:schemeClr>
                             </a:solidFill>
                             <a:latin typeface="Cambria Math" panose="02040503050406030204" pitchFamily="18" charset="0"/>
@@ -32147,9 +33304,8 @@
                             <m:ctrlPr>
                               <a:rPr lang="en-US" sz="2400" b="1" i="1">
                                 <a:solidFill>
-                                  <a:schemeClr val="tx1">
+                                  <a:schemeClr val="accent2">
                                     <a:lumMod val="75000"/>
-                                    <a:lumOff val="25000"/>
                                   </a:schemeClr>
                                 </a:solidFill>
                                 <a:latin typeface="Cambria Math" panose="02040503050406030204" pitchFamily="18" charset="0"/>
@@ -32164,9 +33320,8 @@
                                 <m:ctrlPr>
                                   <a:rPr lang="en-US" sz="2400" b="1" i="1">
                                     <a:solidFill>
-                                      <a:schemeClr val="tx1">
+                                      <a:schemeClr val="accent2">
                                         <a:lumMod val="75000"/>
-                                        <a:lumOff val="25000"/>
                                       </a:schemeClr>
                                     </a:solidFill>
                                     <a:latin typeface="Cambria Math" panose="02040503050406030204" pitchFamily="18" charset="0"/>
@@ -32179,9 +33334,8 @@
                                 <m:r>
                                   <a:rPr lang="en-US" sz="2400" b="1" i="1">
                                     <a:solidFill>
-                                      <a:schemeClr val="tx1">
+                                      <a:schemeClr val="accent2">
                                         <a:lumMod val="75000"/>
-                                        <a:lumOff val="25000"/>
                                       </a:schemeClr>
                                     </a:solidFill>
                                     <a:latin typeface="Cambria Math" panose="02040503050406030204" pitchFamily="18" charset="0"/>
@@ -32195,9 +33349,8 @@
                                 <m:r>
                                   <a:rPr lang="en-US" sz="2400" b="1" i="1">
                                     <a:solidFill>
-                                      <a:schemeClr val="tx1">
+                                      <a:schemeClr val="accent2">
                                         <a:lumMod val="75000"/>
-                                        <a:lumOff val="25000"/>
                                       </a:schemeClr>
                                     </a:solidFill>
                                     <a:latin typeface="Cambria Math" panose="02040503050406030204" pitchFamily="18" charset="0"/>
@@ -32213,9 +33366,8 @@
                         <m:r>
                           <a:rPr lang="en-US" sz="2400" b="1" i="1">
                             <a:solidFill>
-                              <a:schemeClr val="tx1">
+                              <a:schemeClr val="accent2">
                                 <a:lumMod val="75000"/>
-                                <a:lumOff val="25000"/>
                               </a:schemeClr>
                             </a:solidFill>
                             <a:latin typeface="Cambria Math" panose="02040503050406030204" pitchFamily="18" charset="0"/>
@@ -32229,9 +33381,8 @@
                     <m:r>
                       <a:rPr lang="en-US" sz="2400" b="1" i="1">
                         <a:solidFill>
-                          <a:schemeClr val="tx1">
+                          <a:schemeClr val="accent2">
                             <a:lumMod val="75000"/>
-                            <a:lumOff val="25000"/>
                           </a:schemeClr>
                         </a:solidFill>
                         <a:latin typeface="Cambria Math" panose="02040503050406030204" pitchFamily="18" charset="0"/>
@@ -32245,9 +33396,8 @@
                         <m:ctrlPr>
                           <a:rPr lang="en-US" sz="2400" b="1" i="1">
                             <a:solidFill>
-                              <a:schemeClr val="tx1">
+                              <a:schemeClr val="accent2">
                                 <a:lumMod val="75000"/>
-                                <a:lumOff val="25000"/>
                               </a:schemeClr>
                             </a:solidFill>
                             <a:latin typeface="Cambria Math" panose="02040503050406030204" pitchFamily="18" charset="0"/>
@@ -32260,9 +33410,8 @@
                         <m:r>
                           <a:rPr lang="en-US" sz="2400" b="1" i="1">
                             <a:solidFill>
-                              <a:schemeClr val="tx1">
+                              <a:schemeClr val="accent2">
                                 <a:lumMod val="75000"/>
-                                <a:lumOff val="25000"/>
                               </a:schemeClr>
                             </a:solidFill>
                             <a:latin typeface="Cambria Math" panose="02040503050406030204" pitchFamily="18" charset="0"/>
@@ -32276,9 +33425,8 @@
                         <m:r>
                           <a:rPr lang="en-US" sz="2400" b="1" i="1">
                             <a:solidFill>
-                              <a:schemeClr val="tx1">
+                              <a:schemeClr val="accent2">
                                 <a:lumMod val="75000"/>
-                                <a:lumOff val="25000"/>
                               </a:schemeClr>
                             </a:solidFill>
                             <a:latin typeface="Cambria Math" panose="02040503050406030204" pitchFamily="18" charset="0"/>
@@ -32292,9 +33440,8 @@
                     <m:r>
                       <a:rPr lang="en-US" sz="2400" b="1" i="0" smtClean="0">
                         <a:solidFill>
-                          <a:schemeClr val="tx1">
+                          <a:schemeClr val="accent2">
                             <a:lumMod val="75000"/>
-                            <a:lumOff val="25000"/>
                           </a:schemeClr>
                         </a:solidFill>
                         <a:latin typeface="Cambria Math" panose="02040503050406030204" pitchFamily="18" charset="0"/>
@@ -32326,9 +33473,8 @@
                 <a:r>
                   <a:rPr lang="en-CA" sz="2400" b="1" dirty="0">
                     <a:solidFill>
-                      <a:schemeClr val="tx1">
+                      <a:schemeClr val="accent3">
                         <a:lumMod val="75000"/>
-                        <a:lumOff val="25000"/>
                       </a:schemeClr>
                     </a:solidFill>
                     <a:ea typeface="Open Sans" panose="020B0606030504020204" pitchFamily="34" charset="0"/>
@@ -32348,9 +33494,8 @@
                 <a:r>
                   <a:rPr lang="en-CA" sz="2400" b="1" dirty="0">
                     <a:solidFill>
-                      <a:schemeClr val="tx1">
+                      <a:schemeClr val="accent3">
                         <a:lumMod val="75000"/>
-                        <a:lumOff val="25000"/>
                       </a:schemeClr>
                     </a:solidFill>
                     <a:ea typeface="Open Sans" panose="020B0606030504020204" pitchFamily="34" charset="0"/>
@@ -32605,9 +33750,8 @@
                 <a:r>
                   <a:rPr lang="en-CA" sz="2400" b="1" dirty="0">
                     <a:solidFill>
-                      <a:schemeClr val="tx1">
+                      <a:schemeClr val="accent3">
                         <a:lumMod val="75000"/>
-                        <a:lumOff val="25000"/>
                       </a:schemeClr>
                     </a:solidFill>
                     <a:ea typeface="Open Sans" panose="020B0606030504020204" pitchFamily="34" charset="0"/>
@@ -32640,9 +33784,8 @@
                 <a:r>
                   <a:rPr lang="en-CA" sz="2400" b="1" dirty="0">
                     <a:solidFill>
-                      <a:schemeClr val="tx1">
+                      <a:schemeClr val="accent3">
                         <a:lumMod val="75000"/>
-                        <a:lumOff val="25000"/>
                       </a:schemeClr>
                     </a:solidFill>
                     <a:ea typeface="Open Sans" panose="020B0606030504020204" pitchFamily="34" charset="0"/>
@@ -32730,7 +33873,7 @@
             </p:txBody>
           </p:sp>
         </mc:Choice>
-        <mc:Fallback xmlns="">
+        <mc:Fallback>
           <p:sp>
             <p:nvSpPr>
               <p:cNvPr id="3" name="Content Placeholder 2"/>
@@ -32747,7 +33890,7 @@
                 <a:ext cx="9753601" cy="5141388"/>
               </a:xfrm>
               <a:blipFill>
-                <a:blip r:embed="rId2"/>
+                <a:blip r:embed="rId3"/>
                 <a:stretch>
                   <a:fillRect l="-938"/>
                 </a:stretch>
@@ -32830,8 +33973,8 @@
           </a:p>
         </p:txBody>
       </p:sp>
-      <mc:AlternateContent xmlns:mc="http://schemas.openxmlformats.org/markup-compatibility/2006" xmlns:a14="http://schemas.microsoft.com/office/drawing/2010/main">
-        <mc:Choice Requires="a14">
+      <mc:AlternateContent xmlns:mc="http://schemas.openxmlformats.org/markup-compatibility/2006">
+        <mc:Choice xmlns:a14="http://schemas.microsoft.com/office/drawing/2010/main" Requires="a14">
           <p:sp>
             <p:nvSpPr>
               <p:cNvPr id="3" name="Content Placeholder 2"/>
@@ -33184,9 +34327,8 @@
                 <a:r>
                   <a:rPr lang="en-CA" sz="2400" b="1" dirty="0">
                     <a:solidFill>
-                      <a:schemeClr val="tx1">
+                      <a:schemeClr val="accent2">
                         <a:lumMod val="75000"/>
-                        <a:lumOff val="25000"/>
                       </a:schemeClr>
                     </a:solidFill>
                     <a:ea typeface="Open Sans" panose="020B0606030504020204" pitchFamily="34" charset="0"/>
@@ -33199,9 +34341,8 @@
                     <m:r>
                       <a:rPr lang="en-US" sz="2400" b="1" i="1">
                         <a:solidFill>
-                          <a:schemeClr val="tx1">
+                          <a:schemeClr val="accent2">
                             <a:lumMod val="75000"/>
-                            <a:lumOff val="25000"/>
                           </a:schemeClr>
                         </a:solidFill>
                         <a:latin typeface="Cambria Math" panose="02040503050406030204" pitchFamily="18" charset="0"/>
@@ -33217,9 +34358,8 @@
                         <m:ctrlPr>
                           <a:rPr lang="en-US" sz="2400" b="1" i="1">
                             <a:solidFill>
-                              <a:schemeClr val="tx1">
+                              <a:schemeClr val="accent2">
                                 <a:lumMod val="75000"/>
-                                <a:lumOff val="25000"/>
                               </a:schemeClr>
                             </a:solidFill>
                             <a:latin typeface="Cambria Math" panose="02040503050406030204" pitchFamily="18" charset="0"/>
@@ -33235,9 +34375,8 @@
                             <m:ctrlPr>
                               <a:rPr lang="en-US" sz="2400" b="1" i="1">
                                 <a:solidFill>
-                                  <a:schemeClr val="tx1">
+                                  <a:schemeClr val="accent2">
                                     <a:lumMod val="75000"/>
-                                    <a:lumOff val="25000"/>
                                   </a:schemeClr>
                                 </a:solidFill>
                                 <a:latin typeface="Cambria Math" panose="02040503050406030204" pitchFamily="18" charset="0"/>
@@ -33252,9 +34391,8 @@
                                 <m:ctrlPr>
                                   <a:rPr lang="en-US" sz="2400" b="1" i="1">
                                     <a:solidFill>
-                                      <a:schemeClr val="tx1">
+                                      <a:schemeClr val="accent2">
                                         <a:lumMod val="75000"/>
-                                        <a:lumOff val="25000"/>
                                       </a:schemeClr>
                                     </a:solidFill>
                                     <a:latin typeface="Cambria Math" panose="02040503050406030204" pitchFamily="18" charset="0"/>
@@ -33267,9 +34405,8 @@
                                 <m:r>
                                   <a:rPr lang="en-US" sz="2400" b="1" i="1">
                                     <a:solidFill>
-                                      <a:schemeClr val="tx1">
+                                      <a:schemeClr val="accent2">
                                         <a:lumMod val="75000"/>
-                                        <a:lumOff val="25000"/>
                                       </a:schemeClr>
                                     </a:solidFill>
                                     <a:latin typeface="Cambria Math" panose="02040503050406030204" pitchFamily="18" charset="0"/>
@@ -33283,9 +34420,8 @@
                                 <m:r>
                                   <a:rPr lang="en-US" sz="2400" b="1" i="1">
                                     <a:solidFill>
-                                      <a:schemeClr val="tx1">
+                                      <a:schemeClr val="accent2">
                                         <a:lumMod val="75000"/>
-                                        <a:lumOff val="25000"/>
                                       </a:schemeClr>
                                     </a:solidFill>
                                     <a:latin typeface="Cambria Math" panose="02040503050406030204" pitchFamily="18" charset="0"/>
@@ -33301,9 +34437,8 @@
                         <m:r>
                           <a:rPr lang="en-US" sz="2400" b="1" i="1">
                             <a:solidFill>
-                              <a:schemeClr val="tx1">
+                              <a:schemeClr val="accent2">
                                 <a:lumMod val="75000"/>
-                                <a:lumOff val="25000"/>
                               </a:schemeClr>
                             </a:solidFill>
                             <a:latin typeface="Cambria Math" panose="02040503050406030204" pitchFamily="18" charset="0"/>
@@ -33317,9 +34452,8 @@
                     <m:r>
                       <a:rPr lang="en-US" sz="2400" b="1" i="1">
                         <a:solidFill>
-                          <a:schemeClr val="tx1">
+                          <a:schemeClr val="accent2">
                             <a:lumMod val="75000"/>
-                            <a:lumOff val="25000"/>
                           </a:schemeClr>
                         </a:solidFill>
                         <a:latin typeface="Cambria Math" panose="02040503050406030204" pitchFamily="18" charset="0"/>
@@ -33333,9 +34467,8 @@
                         <m:ctrlPr>
                           <a:rPr lang="en-US" sz="2400" b="1" i="1">
                             <a:solidFill>
-                              <a:schemeClr val="tx1">
+                              <a:schemeClr val="accent2">
                                 <a:lumMod val="75000"/>
-                                <a:lumOff val="25000"/>
                               </a:schemeClr>
                             </a:solidFill>
                             <a:latin typeface="Cambria Math" panose="02040503050406030204" pitchFamily="18" charset="0"/>
@@ -33348,9 +34481,8 @@
                         <m:r>
                           <a:rPr lang="en-US" sz="2400" b="1" i="1">
                             <a:solidFill>
-                              <a:schemeClr val="tx1">
+                              <a:schemeClr val="accent2">
                                 <a:lumMod val="75000"/>
-                                <a:lumOff val="25000"/>
                               </a:schemeClr>
                             </a:solidFill>
                             <a:latin typeface="Cambria Math" panose="02040503050406030204" pitchFamily="18" charset="0"/>
@@ -33364,9 +34496,8 @@
                         <m:r>
                           <a:rPr lang="en-US" sz="2400" b="1" i="1">
                             <a:solidFill>
-                              <a:schemeClr val="tx1">
+                              <a:schemeClr val="accent2">
                                 <a:lumMod val="75000"/>
-                                <a:lumOff val="25000"/>
                               </a:schemeClr>
                             </a:solidFill>
                             <a:latin typeface="Cambria Math" panose="02040503050406030204" pitchFamily="18" charset="0"/>
@@ -33380,9 +34511,8 @@
                     <m:r>
                       <a:rPr lang="en-US" sz="2400" b="1" i="0" smtClean="0">
                         <a:solidFill>
-                          <a:schemeClr val="tx1">
+                          <a:schemeClr val="accent2">
                             <a:lumMod val="75000"/>
-                            <a:lumOff val="25000"/>
                           </a:schemeClr>
                         </a:solidFill>
                         <a:latin typeface="Cambria Math" panose="02040503050406030204" pitchFamily="18" charset="0"/>
@@ -33414,9 +34544,8 @@
                 <a:r>
                   <a:rPr lang="en-CA" sz="2400" b="1" dirty="0">
                     <a:solidFill>
-                      <a:schemeClr val="tx1">
+                      <a:schemeClr val="accent3">
                         <a:lumMod val="75000"/>
-                        <a:lumOff val="25000"/>
                       </a:schemeClr>
                     </a:solidFill>
                     <a:ea typeface="Open Sans" panose="020B0606030504020204" pitchFamily="34" charset="0"/>
@@ -33436,9 +34565,8 @@
                 <a:r>
                   <a:rPr lang="en-CA" sz="2400" b="1" dirty="0">
                     <a:solidFill>
-                      <a:schemeClr val="tx1">
+                      <a:schemeClr val="accent3">
                         <a:lumMod val="75000"/>
-                        <a:lumOff val="25000"/>
                       </a:schemeClr>
                     </a:solidFill>
                     <a:ea typeface="Open Sans" panose="020B0606030504020204" pitchFamily="34" charset="0"/>
@@ -33693,9 +34821,8 @@
                 <a:r>
                   <a:rPr lang="en-CA" sz="2400" b="1" dirty="0">
                     <a:solidFill>
-                      <a:schemeClr val="tx1">
+                      <a:schemeClr val="accent3">
                         <a:lumMod val="75000"/>
-                        <a:lumOff val="25000"/>
                       </a:schemeClr>
                     </a:solidFill>
                     <a:ea typeface="Open Sans" panose="020B0606030504020204" pitchFamily="34" charset="0"/>
@@ -33728,9 +34855,8 @@
                 <a:r>
                   <a:rPr lang="en-CA" sz="2400" b="1" dirty="0">
                     <a:solidFill>
-                      <a:schemeClr val="tx1">
+                      <a:schemeClr val="accent3">
                         <a:lumMod val="75000"/>
-                        <a:lumOff val="25000"/>
                       </a:schemeClr>
                     </a:solidFill>
                     <a:ea typeface="Open Sans" panose="020B0606030504020204" pitchFamily="34" charset="0"/>
@@ -33816,18 +34942,35 @@
                 </a:endParaRPr>
               </a:p>
               <a:p>
-                <a:pPr marL="0" indent="0">
+                <a:pPr marL="274320" lvl="1" indent="0">
                   <a:lnSpc>
                     <a:spcPct val="100000"/>
                   </a:lnSpc>
                   <a:buNone/>
                 </a:pPr>
+                <a:endParaRPr lang="en-CA" sz="2400" b="1" dirty="0">
+                  <a:solidFill>
+                    <a:schemeClr val="tx1">
+                      <a:lumMod val="75000"/>
+                      <a:lumOff val="25000"/>
+                    </a:schemeClr>
+                  </a:solidFill>
+                  <a:ea typeface="Open Sans" panose="020B0606030504020204" pitchFamily="34" charset="0"/>
+                  <a:cs typeface="Times New Roman" panose="02020603050405020304" pitchFamily="18" charset="0"/>
+                </a:endParaRPr>
+              </a:p>
+              <a:p>
+                <a:pPr marL="274320" lvl="1" indent="0">
+                  <a:lnSpc>
+                    <a:spcPct val="100000"/>
+                  </a:lnSpc>
+                  <a:buNone/>
+                </a:pPr>
                 <a:r>
                   <a:rPr lang="en-CA" sz="2400" b="1" dirty="0">
                     <a:solidFill>
-                      <a:schemeClr val="tx1">
+                      <a:schemeClr val="accent3">
                         <a:lumMod val="75000"/>
-                        <a:lumOff val="25000"/>
                       </a:schemeClr>
                     </a:solidFill>
                     <a:ea typeface="Open Sans" panose="020B0606030504020204" pitchFamily="34" charset="0"/>
@@ -33840,9 +34983,8 @@
                     <m:r>
                       <a:rPr lang="en-US" sz="2400" b="0" i="1" smtClean="0">
                         <a:solidFill>
-                          <a:schemeClr val="tx1">
+                          <a:schemeClr val="accent3">
                             <a:lumMod val="75000"/>
-                            <a:lumOff val="25000"/>
                           </a:schemeClr>
                         </a:solidFill>
                         <a:latin typeface="Cambria Math" panose="02040503050406030204" pitchFamily="18" charset="0"/>
@@ -33858,9 +35000,8 @@
                         <m:ctrlPr>
                           <a:rPr lang="en-US" sz="2400" i="1" smtClean="0">
                             <a:solidFill>
-                              <a:schemeClr val="tx1">
+                              <a:schemeClr val="accent3">
                                 <a:lumMod val="75000"/>
-                                <a:lumOff val="25000"/>
                               </a:schemeClr>
                             </a:solidFill>
                             <a:latin typeface="Cambria Math" panose="02040503050406030204" pitchFamily="18" charset="0"/>
@@ -33873,9 +35014,8 @@
                         <m:r>
                           <a:rPr lang="en-US" sz="2400" b="0" i="1" smtClean="0">
                             <a:solidFill>
-                              <a:schemeClr val="tx1">
+                              <a:schemeClr val="accent3">
                                 <a:lumMod val="75000"/>
-                                <a:lumOff val="25000"/>
                               </a:schemeClr>
                             </a:solidFill>
                             <a:latin typeface="Cambria Math" panose="02040503050406030204" pitchFamily="18" charset="0"/>
@@ -33889,9 +35029,8 @@
                         <m:r>
                           <a:rPr lang="en-US" sz="2400" b="0" i="1" smtClean="0">
                             <a:solidFill>
-                              <a:schemeClr val="tx1">
+                              <a:schemeClr val="accent3">
                                 <a:lumMod val="75000"/>
-                                <a:lumOff val="25000"/>
                               </a:schemeClr>
                             </a:solidFill>
                             <a:latin typeface="Cambria Math" panose="02040503050406030204" pitchFamily="18" charset="0"/>
@@ -33905,9 +35044,8 @@
                     <m:r>
                       <a:rPr lang="en-US" sz="2400" b="0" i="1" smtClean="0">
                         <a:solidFill>
-                          <a:schemeClr val="tx1">
+                          <a:schemeClr val="accent3">
                             <a:lumMod val="75000"/>
-                            <a:lumOff val="25000"/>
                           </a:schemeClr>
                         </a:solidFill>
                         <a:latin typeface="Cambria Math" panose="02040503050406030204" pitchFamily="18" charset="0"/>
@@ -33919,9 +35057,8 @@
                     <m:r>
                       <a:rPr lang="en-US" sz="2400" b="0" i="1" smtClean="0">
                         <a:solidFill>
-                          <a:schemeClr val="tx1">
+                          <a:schemeClr val="accent3">
                             <a:lumMod val="75000"/>
-                            <a:lumOff val="25000"/>
                           </a:schemeClr>
                         </a:solidFill>
                         <a:latin typeface="Cambria Math" panose="02040503050406030204" pitchFamily="18" charset="0"/>
@@ -33937,9 +35074,8 @@
                         <m:ctrlPr>
                           <a:rPr lang="en-US" sz="2400" i="1" smtClean="0">
                             <a:solidFill>
-                              <a:schemeClr val="tx1">
+                              <a:schemeClr val="accent3">
                                 <a:lumMod val="75000"/>
-                                <a:lumOff val="25000"/>
                               </a:schemeClr>
                             </a:solidFill>
                             <a:latin typeface="Cambria Math" panose="02040503050406030204" pitchFamily="18" charset="0"/>
@@ -33952,9 +35088,8 @@
                         <m:r>
                           <a:rPr lang="en-US" sz="2400" b="0" i="1" smtClean="0">
                             <a:solidFill>
-                              <a:schemeClr val="tx1">
+                              <a:schemeClr val="accent3">
                                 <a:lumMod val="75000"/>
-                                <a:lumOff val="25000"/>
                               </a:schemeClr>
                             </a:solidFill>
                             <a:latin typeface="Cambria Math" panose="02040503050406030204" pitchFamily="18" charset="0"/>
@@ -33968,9 +35103,8 @@
                     <m:r>
                       <a:rPr lang="en-US" sz="2400" b="0" i="1" smtClean="0">
                         <a:solidFill>
-                          <a:schemeClr val="tx1">
+                          <a:schemeClr val="accent3">
                             <a:lumMod val="75000"/>
-                            <a:lumOff val="25000"/>
                           </a:schemeClr>
                         </a:solidFill>
                         <a:latin typeface="Cambria Math" panose="02040503050406030204" pitchFamily="18" charset="0"/>
@@ -33992,10 +35126,29 @@
                   <a:cs typeface="Times New Roman" panose="02020603050405020304" pitchFamily="18" charset="0"/>
                 </a:endParaRPr>
               </a:p>
+              <a:p>
+                <a:pPr marL="617220" lvl="1" indent="-342900">
+                  <a:lnSpc>
+                    <a:spcPct val="100000"/>
+                  </a:lnSpc>
+                  <a:buFont typeface="+mj-lt"/>
+                  <a:buAutoNum type="arabicPeriod"/>
+                </a:pPr>
+                <a:endParaRPr lang="en-CA" sz="2400" b="1" dirty="0">
+                  <a:solidFill>
+                    <a:schemeClr val="tx1">
+                      <a:lumMod val="75000"/>
+                      <a:lumOff val="25000"/>
+                    </a:schemeClr>
+                  </a:solidFill>
+                  <a:ea typeface="Open Sans" panose="020B0606030504020204" pitchFamily="34" charset="0"/>
+                  <a:cs typeface="Times New Roman" panose="02020603050405020304" pitchFamily="18" charset="0"/>
+                </a:endParaRPr>
+              </a:p>
             </p:txBody>
           </p:sp>
         </mc:Choice>
-        <mc:Fallback xmlns="">
+        <mc:Fallback>
           <p:sp>
             <p:nvSpPr>
               <p:cNvPr id="3" name="Content Placeholder 2"/>
@@ -34036,7 +35189,7 @@
     </p:spTree>
     <p:extLst>
       <p:ext uri="{BB962C8B-B14F-4D97-AF65-F5344CB8AC3E}">
-        <p14:creationId xmlns:p14="http://schemas.microsoft.com/office/powerpoint/2010/main" val="3906604665"/>
+        <p14:creationId xmlns:p14="http://schemas.microsoft.com/office/powerpoint/2010/main" val="1712505626"/>
       </p:ext>
     </p:extLst>
   </p:cSld>
@@ -34095,8 +35248,8 @@
           </a:p>
         </p:txBody>
       </p:sp>
-      <mc:AlternateContent xmlns:mc="http://schemas.openxmlformats.org/markup-compatibility/2006" xmlns:a14="http://schemas.microsoft.com/office/drawing/2010/main">
-        <mc:Choice Requires="a14">
+      <mc:AlternateContent xmlns:mc="http://schemas.openxmlformats.org/markup-compatibility/2006">
+        <mc:Choice xmlns:a14="http://schemas.microsoft.com/office/drawing/2010/main" Requires="a14">
           <p:sp>
             <p:nvSpPr>
               <p:cNvPr id="3" name="Content Placeholder 2"/>
@@ -34449,9 +35602,8 @@
                 <a:r>
                   <a:rPr lang="en-CA" sz="2400" b="1" dirty="0">
                     <a:solidFill>
-                      <a:schemeClr val="tx1">
+                      <a:schemeClr val="accent2">
                         <a:lumMod val="75000"/>
-                        <a:lumOff val="25000"/>
                       </a:schemeClr>
                     </a:solidFill>
                     <a:ea typeface="Open Sans" panose="020B0606030504020204" pitchFamily="34" charset="0"/>
@@ -34464,9 +35616,8 @@
                     <m:r>
                       <a:rPr lang="en-US" sz="2400" b="1" i="1">
                         <a:solidFill>
-                          <a:schemeClr val="tx1">
+                          <a:schemeClr val="accent2">
                             <a:lumMod val="75000"/>
-                            <a:lumOff val="25000"/>
                           </a:schemeClr>
                         </a:solidFill>
                         <a:latin typeface="Cambria Math" panose="02040503050406030204" pitchFamily="18" charset="0"/>
@@ -34482,9 +35633,8 @@
                         <m:ctrlPr>
                           <a:rPr lang="en-US" sz="2400" b="1" i="1">
                             <a:solidFill>
-                              <a:schemeClr val="tx1">
+                              <a:schemeClr val="accent2">
                                 <a:lumMod val="75000"/>
-                                <a:lumOff val="25000"/>
                               </a:schemeClr>
                             </a:solidFill>
                             <a:latin typeface="Cambria Math" panose="02040503050406030204" pitchFamily="18" charset="0"/>
@@ -34500,9 +35650,8 @@
                             <m:ctrlPr>
                               <a:rPr lang="en-US" sz="2400" b="1" i="1">
                                 <a:solidFill>
-                                  <a:schemeClr val="tx1">
+                                  <a:schemeClr val="accent2">
                                     <a:lumMod val="75000"/>
-                                    <a:lumOff val="25000"/>
                                   </a:schemeClr>
                                 </a:solidFill>
                                 <a:latin typeface="Cambria Math" panose="02040503050406030204" pitchFamily="18" charset="0"/>
@@ -34517,9 +35666,8 @@
                                 <m:ctrlPr>
                                   <a:rPr lang="en-US" sz="2400" b="1" i="1">
                                     <a:solidFill>
-                                      <a:schemeClr val="tx1">
+                                      <a:schemeClr val="accent2">
                                         <a:lumMod val="75000"/>
-                                        <a:lumOff val="25000"/>
                                       </a:schemeClr>
                                     </a:solidFill>
                                     <a:latin typeface="Cambria Math" panose="02040503050406030204" pitchFamily="18" charset="0"/>
@@ -34532,9 +35680,8 @@
                                 <m:r>
                                   <a:rPr lang="en-US" sz="2400" b="1" i="1">
                                     <a:solidFill>
-                                      <a:schemeClr val="tx1">
+                                      <a:schemeClr val="accent2">
                                         <a:lumMod val="75000"/>
-                                        <a:lumOff val="25000"/>
                                       </a:schemeClr>
                                     </a:solidFill>
                                     <a:latin typeface="Cambria Math" panose="02040503050406030204" pitchFamily="18" charset="0"/>
@@ -34548,9 +35695,8 @@
                                 <m:r>
                                   <a:rPr lang="en-US" sz="2400" b="1" i="1">
                                     <a:solidFill>
-                                      <a:schemeClr val="tx1">
+                                      <a:schemeClr val="accent2">
                                         <a:lumMod val="75000"/>
-                                        <a:lumOff val="25000"/>
                                       </a:schemeClr>
                                     </a:solidFill>
                                     <a:latin typeface="Cambria Math" panose="02040503050406030204" pitchFamily="18" charset="0"/>
@@ -34566,9 +35712,8 @@
                         <m:r>
                           <a:rPr lang="en-US" sz="2400" b="1" i="1">
                             <a:solidFill>
-                              <a:schemeClr val="tx1">
+                              <a:schemeClr val="accent2">
                                 <a:lumMod val="75000"/>
-                                <a:lumOff val="25000"/>
                               </a:schemeClr>
                             </a:solidFill>
                             <a:latin typeface="Cambria Math" panose="02040503050406030204" pitchFamily="18" charset="0"/>
@@ -34582,9 +35727,8 @@
                     <m:r>
                       <a:rPr lang="en-US" sz="2400" b="1" i="1">
                         <a:solidFill>
-                          <a:schemeClr val="tx1">
+                          <a:schemeClr val="accent2">
                             <a:lumMod val="75000"/>
-                            <a:lumOff val="25000"/>
                           </a:schemeClr>
                         </a:solidFill>
                         <a:latin typeface="Cambria Math" panose="02040503050406030204" pitchFamily="18" charset="0"/>
@@ -34598,9 +35742,8 @@
                         <m:ctrlPr>
                           <a:rPr lang="en-US" sz="2400" b="1" i="1">
                             <a:solidFill>
-                              <a:schemeClr val="tx1">
+                              <a:schemeClr val="accent2">
                                 <a:lumMod val="75000"/>
-                                <a:lumOff val="25000"/>
                               </a:schemeClr>
                             </a:solidFill>
                             <a:latin typeface="Cambria Math" panose="02040503050406030204" pitchFamily="18" charset="0"/>
@@ -34613,9 +35756,8 @@
                         <m:r>
                           <a:rPr lang="en-US" sz="2400" b="1" i="1">
                             <a:solidFill>
-                              <a:schemeClr val="tx1">
+                              <a:schemeClr val="accent2">
                                 <a:lumMod val="75000"/>
-                                <a:lumOff val="25000"/>
                               </a:schemeClr>
                             </a:solidFill>
                             <a:latin typeface="Cambria Math" panose="02040503050406030204" pitchFamily="18" charset="0"/>
@@ -34629,9 +35771,8 @@
                         <m:r>
                           <a:rPr lang="en-US" sz="2400" b="1" i="1">
                             <a:solidFill>
-                              <a:schemeClr val="tx1">
+                              <a:schemeClr val="accent2">
                                 <a:lumMod val="75000"/>
-                                <a:lumOff val="25000"/>
                               </a:schemeClr>
                             </a:solidFill>
                             <a:latin typeface="Cambria Math" panose="02040503050406030204" pitchFamily="18" charset="0"/>
@@ -34645,9 +35786,8 @@
                     <m:r>
                       <a:rPr lang="en-US" sz="2400" b="1" i="0" smtClean="0">
                         <a:solidFill>
-                          <a:schemeClr val="tx1">
+                          <a:schemeClr val="accent2">
                             <a:lumMod val="75000"/>
-                            <a:lumOff val="25000"/>
                           </a:schemeClr>
                         </a:solidFill>
                         <a:latin typeface="Cambria Math" panose="02040503050406030204" pitchFamily="18" charset="0"/>
@@ -34679,9 +35819,8 @@
                 <a:r>
                   <a:rPr lang="en-CA" sz="2400" b="1" dirty="0">
                     <a:solidFill>
-                      <a:schemeClr val="tx1">
+                      <a:schemeClr val="accent3">
                         <a:lumMod val="75000"/>
-                        <a:lumOff val="25000"/>
                       </a:schemeClr>
                     </a:solidFill>
                     <a:ea typeface="Open Sans" panose="020B0606030504020204" pitchFamily="34" charset="0"/>
@@ -34701,9 +35840,8 @@
                 <a:r>
                   <a:rPr lang="en-CA" sz="2400" b="1" dirty="0">
                     <a:solidFill>
-                      <a:schemeClr val="tx1">
+                      <a:schemeClr val="accent3">
                         <a:lumMod val="75000"/>
-                        <a:lumOff val="25000"/>
                       </a:schemeClr>
                     </a:solidFill>
                     <a:ea typeface="Open Sans" panose="020B0606030504020204" pitchFamily="34" charset="0"/>
@@ -34958,9 +36096,8 @@
                 <a:r>
                   <a:rPr lang="en-CA" sz="2400" b="1" dirty="0">
                     <a:solidFill>
-                      <a:schemeClr val="tx1">
+                      <a:schemeClr val="accent3">
                         <a:lumMod val="75000"/>
-                        <a:lumOff val="25000"/>
                       </a:schemeClr>
                     </a:solidFill>
                     <a:ea typeface="Open Sans" panose="020B0606030504020204" pitchFamily="34" charset="0"/>
@@ -34993,9 +36130,8 @@
                 <a:r>
                   <a:rPr lang="en-CA" sz="2400" b="1" dirty="0">
                     <a:solidFill>
-                      <a:schemeClr val="tx1">
+                      <a:schemeClr val="accent3">
                         <a:lumMod val="75000"/>
-                        <a:lumOff val="25000"/>
                       </a:schemeClr>
                     </a:solidFill>
                     <a:ea typeface="Open Sans" panose="020B0606030504020204" pitchFamily="34" charset="0"/>
@@ -35081,7 +36217,7 @@
                 </a:endParaRPr>
               </a:p>
               <a:p>
-                <a:pPr marL="0" indent="0">
+                <a:pPr marL="274320" lvl="1" indent="0">
                   <a:lnSpc>
                     <a:spcPct val="100000"/>
                   </a:lnSpc>
@@ -35090,24 +36226,22 @@
                 <a:r>
                   <a:rPr lang="en-CA" sz="2400" b="1" dirty="0">
                     <a:solidFill>
-                      <a:schemeClr val="tx1">
+                      <a:schemeClr val="accent3">
                         <a:lumMod val="75000"/>
-                        <a:lumOff val="25000"/>
                       </a:schemeClr>
                     </a:solidFill>
                     <a:ea typeface="Open Sans" panose="020B0606030504020204" pitchFamily="34" charset="0"/>
                     <a:cs typeface="Times New Roman" panose="02020603050405020304" pitchFamily="18" charset="0"/>
                   </a:rPr>
-                  <a:t>Key Assumption: Mean Independence. </a:t>
+                  <a:t>4. Key Assumption: Mean Independence. </a:t>
                 </a:r>
                 <a14:m>
                   <m:oMath xmlns:m="http://schemas.openxmlformats.org/officeDocument/2006/math">
                     <m:r>
                       <a:rPr lang="en-US" sz="2400" b="0" i="1" smtClean="0">
                         <a:solidFill>
-                          <a:schemeClr val="tx1">
+                          <a:schemeClr val="accent3">
                             <a:lumMod val="75000"/>
-                            <a:lumOff val="25000"/>
                           </a:schemeClr>
                         </a:solidFill>
                         <a:latin typeface="Cambria Math" panose="02040503050406030204" pitchFamily="18" charset="0"/>
@@ -35123,9 +36257,8 @@
                         <m:ctrlPr>
                           <a:rPr lang="en-US" sz="2400" i="1" smtClean="0">
                             <a:solidFill>
-                              <a:schemeClr val="tx1">
+                              <a:schemeClr val="accent3">
                                 <a:lumMod val="75000"/>
-                                <a:lumOff val="25000"/>
                               </a:schemeClr>
                             </a:solidFill>
                             <a:latin typeface="Cambria Math" panose="02040503050406030204" pitchFamily="18" charset="0"/>
@@ -35138,9 +36271,8 @@
                         <m:r>
                           <a:rPr lang="en-US" sz="2400" b="0" i="1" smtClean="0">
                             <a:solidFill>
-                              <a:schemeClr val="tx1">
+                              <a:schemeClr val="accent3">
                                 <a:lumMod val="75000"/>
-                                <a:lumOff val="25000"/>
                               </a:schemeClr>
                             </a:solidFill>
                             <a:latin typeface="Cambria Math" panose="02040503050406030204" pitchFamily="18" charset="0"/>
@@ -35154,9 +36286,8 @@
                         <m:r>
                           <a:rPr lang="en-US" sz="2400" b="0" i="1" smtClean="0">
                             <a:solidFill>
-                              <a:schemeClr val="tx1">
+                              <a:schemeClr val="accent3">
                                 <a:lumMod val="75000"/>
-                                <a:lumOff val="25000"/>
                               </a:schemeClr>
                             </a:solidFill>
                             <a:latin typeface="Cambria Math" panose="02040503050406030204" pitchFamily="18" charset="0"/>
@@ -35170,9 +36301,8 @@
                     <m:r>
                       <a:rPr lang="en-US" sz="2400" b="0" i="1" smtClean="0">
                         <a:solidFill>
-                          <a:schemeClr val="tx1">
+                          <a:schemeClr val="accent3">
                             <a:lumMod val="75000"/>
-                            <a:lumOff val="25000"/>
                           </a:schemeClr>
                         </a:solidFill>
                         <a:latin typeface="Cambria Math" panose="02040503050406030204" pitchFamily="18" charset="0"/>
@@ -35184,9 +36314,8 @@
                     <m:r>
                       <a:rPr lang="en-US" sz="2400" b="0" i="1" smtClean="0">
                         <a:solidFill>
-                          <a:schemeClr val="tx1">
+                          <a:schemeClr val="accent3">
                             <a:lumMod val="75000"/>
-                            <a:lumOff val="25000"/>
                           </a:schemeClr>
                         </a:solidFill>
                         <a:latin typeface="Cambria Math" panose="02040503050406030204" pitchFamily="18" charset="0"/>
@@ -35202,9 +36331,8 @@
                         <m:ctrlPr>
                           <a:rPr lang="en-US" sz="2400" i="1" smtClean="0">
                             <a:solidFill>
-                              <a:schemeClr val="tx1">
+                              <a:schemeClr val="accent3">
                                 <a:lumMod val="75000"/>
-                                <a:lumOff val="25000"/>
                               </a:schemeClr>
                             </a:solidFill>
                             <a:latin typeface="Cambria Math" panose="02040503050406030204" pitchFamily="18" charset="0"/>
@@ -35217,9 +36345,8 @@
                         <m:r>
                           <a:rPr lang="en-US" sz="2400" b="0" i="1" smtClean="0">
                             <a:solidFill>
-                              <a:schemeClr val="tx1">
+                              <a:schemeClr val="accent3">
                                 <a:lumMod val="75000"/>
-                                <a:lumOff val="25000"/>
                               </a:schemeClr>
                             </a:solidFill>
                             <a:latin typeface="Cambria Math" panose="02040503050406030204" pitchFamily="18" charset="0"/>
@@ -35233,9 +36360,8 @@
                     <m:r>
                       <a:rPr lang="en-US" sz="2400" b="0" i="1" smtClean="0">
                         <a:solidFill>
-                          <a:schemeClr val="tx1">
+                          <a:schemeClr val="accent3">
                             <a:lumMod val="75000"/>
-                            <a:lumOff val="25000"/>
                           </a:schemeClr>
                         </a:solidFill>
                         <a:latin typeface="Cambria Math" panose="02040503050406030204" pitchFamily="18" charset="0"/>
@@ -35319,10 +36445,47 @@
                   <a:t>Can we see this in toy data (Monte Carlo simulation)? </a:t>
                 </a:r>
               </a:p>
+              <a:p>
+                <a:pPr marL="274320" lvl="1" indent="0">
+                  <a:lnSpc>
+                    <a:spcPct val="100000"/>
+                  </a:lnSpc>
+                  <a:buNone/>
+                </a:pPr>
+                <a:endParaRPr lang="en-CA" sz="2400" dirty="0">
+                  <a:solidFill>
+                    <a:schemeClr val="tx1">
+                      <a:lumMod val="75000"/>
+                      <a:lumOff val="25000"/>
+                    </a:schemeClr>
+                  </a:solidFill>
+                  <a:ea typeface="Open Sans" panose="020B0606030504020204" pitchFamily="34" charset="0"/>
+                  <a:cs typeface="Times New Roman" panose="02020603050405020304" pitchFamily="18" charset="0"/>
+                </a:endParaRPr>
+              </a:p>
+              <a:p>
+                <a:pPr marL="617220" lvl="1" indent="-342900">
+                  <a:lnSpc>
+                    <a:spcPct val="100000"/>
+                  </a:lnSpc>
+                  <a:buFont typeface="+mj-lt"/>
+                  <a:buAutoNum type="arabicPeriod"/>
+                </a:pPr>
+                <a:endParaRPr lang="en-CA" sz="2400" b="1" dirty="0">
+                  <a:solidFill>
+                    <a:schemeClr val="tx1">
+                      <a:lumMod val="75000"/>
+                      <a:lumOff val="25000"/>
+                    </a:schemeClr>
+                  </a:solidFill>
+                  <a:ea typeface="Open Sans" panose="020B0606030504020204" pitchFamily="34" charset="0"/>
+                  <a:cs typeface="Times New Roman" panose="02020603050405020304" pitchFamily="18" charset="0"/>
+                </a:endParaRPr>
+              </a:p>
             </p:txBody>
           </p:sp>
         </mc:Choice>
-        <mc:Fallback xmlns="">
+        <mc:Fallback>
           <p:sp>
             <p:nvSpPr>
               <p:cNvPr id="3" name="Content Placeholder 2"/>
@@ -35339,9 +36502,9 @@
                 <a:ext cx="9753601" cy="5141388"/>
               </a:xfrm>
               <a:blipFill>
-                <a:blip r:embed="rId2"/>
+                <a:blip r:embed="rId3"/>
                 <a:stretch>
-                  <a:fillRect l="-938" b="-12693"/>
+                  <a:fillRect l="-938" b="-10202"/>
                 </a:stretch>
               </a:blipFill>
             </p:spPr>
@@ -35362,10 +36525,10 @@
       </mc:AlternateContent>
       <p:pic>
         <p:nvPicPr>
-          <p:cNvPr id="1026" name="Picture 2" descr="RStudio - RStudio">
+          <p:cNvPr id="4" name="Picture 2" descr="RStudio - RStudio">
             <a:extLst>
               <a:ext uri="{FF2B5EF4-FFF2-40B4-BE49-F238E27FC236}">
-                <a16:creationId xmlns:a16="http://schemas.microsoft.com/office/drawing/2014/main" id="{9AF5D326-B853-4CCC-9480-C3ABE2709299}"/>
+                <a16:creationId xmlns:a16="http://schemas.microsoft.com/office/drawing/2014/main" id="{8E1BF356-70D1-533B-733F-F7E40F1B17FD}"/>
               </a:ext>
             </a:extLst>
           </p:cNvPr>
@@ -35375,7 +36538,7 @@
           <p:nvPr/>
         </p:nvPicPr>
         <p:blipFill>
-          <a:blip r:embed="rId3">
+          <a:blip r:embed="rId4">
             <a:extLst>
               <a:ext uri="{28A0092B-C50C-407E-A947-70E740481C1C}">
                 <a14:useLocalDpi xmlns:a14="http://schemas.microsoft.com/office/drawing/2010/main" val="0"/>
@@ -35410,7 +36573,7 @@
     </p:spTree>
     <p:extLst>
       <p:ext uri="{BB962C8B-B14F-4D97-AF65-F5344CB8AC3E}">
-        <p14:creationId xmlns:p14="http://schemas.microsoft.com/office/powerpoint/2010/main" val="1250384422"/>
+        <p14:creationId xmlns:p14="http://schemas.microsoft.com/office/powerpoint/2010/main" val="2864316534"/>
       </p:ext>
     </p:extLst>
   </p:cSld>
@@ -37331,7 +38494,7 @@
                 <a:ext cx="10058400" cy="5410199"/>
               </a:xfrm>
               <a:blipFill>
-                <a:blip r:embed="rId2"/>
+                <a:blip r:embed="rId3"/>
                 <a:stretch>
                   <a:fillRect l="-424" t="-1240"/>
                 </a:stretch>

--- a/Lecture02_UnivariateOLS/Lecture2_OLS_2022F.pptx
+++ b/Lecture02_UnivariateOLS/Lecture2_OLS_2022F.pptx
@@ -5,7 +5,7 @@
     <p:sldMasterId id="2147483738" r:id="rId1"/>
   </p:sldMasterIdLst>
   <p:notesMasterIdLst>
-    <p:notesMasterId r:id="rId50"/>
+    <p:notesMasterId r:id="rId49"/>
   </p:notesMasterIdLst>
   <p:sldIdLst>
     <p:sldId id="256" r:id="rId2"/>
@@ -55,7 +55,6 @@
     <p:sldId id="356" r:id="rId46"/>
     <p:sldId id="374" r:id="rId47"/>
     <p:sldId id="375" r:id="rId48"/>
-    <p:sldId id="353" r:id="rId49"/>
   </p:sldIdLst>
   <p:sldSz cx="12192000" cy="6858000"/>
   <p:notesSz cx="7010400" cy="9296400"/>
@@ -255,7 +254,7 @@
           <a:p>
             <a:fld id="{EF911157-0FC2-4F06-8D61-FD647FE4E19D}" type="datetimeFigureOut">
               <a:rPr lang="en-US" smtClean="0"/>
-              <a:t>9/15/2022</a:t>
+              <a:t>9/19/2022</a:t>
             </a:fld>
             <a:endParaRPr lang="en-US"/>
           </a:p>
@@ -660,14 +659,9 @@
           <a:lstStyle/>
           <a:p>
             <a:r>
-              <a:rPr lang="en-US" dirty="0"/>
-              <a:t>Note – here chronic conditions are absorbing states -- you don’t get away from them. Hence, as you proceed into the future, your probability of getting a chronic condition is the same in each period, but your total probability is a different number (stocks versus flows). </a:t>
+              <a:rPr lang="en-US" b="1" dirty="0"/>
+              <a:t>Skip this one in future iterations</a:t>
             </a:r>
-            <a:r>
-              <a:rPr lang="en-US" b="1" dirty="0"/>
-              <a:t>Timing of inference/regression matters. </a:t>
-            </a:r>
-            <a:endParaRPr lang="en-US" dirty="0"/>
           </a:p>
         </p:txBody>
       </p:sp>
@@ -752,8 +746,8 @@
           <a:lstStyle/>
           <a:p>
             <a:r>
-              <a:rPr lang="en-US" dirty="0"/>
-              <a:t>Note: what assumptions does this process depend on? That you look like me (this is a very standard assumption, should think about it a lot in metrics). </a:t>
+              <a:rPr lang="en-US" b="1" dirty="0"/>
+              <a:t>Make a better example that has some information</a:t>
             </a:r>
           </a:p>
         </p:txBody>
@@ -2090,9 +2084,18 @@
           <a:lstStyle/>
           <a:p>
             <a:r>
-              <a:rPr lang="en-US" dirty="0"/>
-              <a:t>What are the interpretations of beta_0 and beta_1?</a:t>
+              <a:rPr lang="en-US" b="1" dirty="0"/>
+              <a:t>Draw your own figure </a:t>
             </a:r>
+            <a:r>
+              <a:rPr lang="en-US" b="1" dirty="0" err="1"/>
+              <a:t>herefor</a:t>
+            </a:r>
+            <a:r>
+              <a:rPr lang="en-US" b="1" dirty="0"/>
+              <a:t> next time, doesn’t match the notation and doesn’t look good. </a:t>
+            </a:r>
+            <a:endParaRPr lang="en-US" dirty="0"/>
           </a:p>
         </p:txBody>
       </p:sp>
@@ -4030,709 +4033,6 @@
 </p:notes>
 </file>
 
-<file path=ppt/notesSlides/notesSlide42.xml><?xml version="1.0" encoding="utf-8"?>
-<p:notes xmlns:a="http://schemas.openxmlformats.org/drawingml/2006/main" xmlns:r="http://schemas.openxmlformats.org/officeDocument/2006/relationships" xmlns:p="http://schemas.openxmlformats.org/presentationml/2006/main">
-  <p:cSld>
-    <p:spTree>
-      <p:nvGrpSpPr>
-        <p:cNvPr id="1" name=""/>
-        <p:cNvGrpSpPr/>
-        <p:nvPr/>
-      </p:nvGrpSpPr>
-      <p:grpSpPr>
-        <a:xfrm>
-          <a:off x="0" y="0"/>
-          <a:ext cx="0" cy="0"/>
-          <a:chOff x="0" y="0"/>
-          <a:chExt cx="0" cy="0"/>
-        </a:xfrm>
-      </p:grpSpPr>
-      <p:sp>
-        <p:nvSpPr>
-          <p:cNvPr id="2" name="Slide Image Placeholder 1"/>
-          <p:cNvSpPr>
-            <a:spLocks noGrp="1" noRot="1" noChangeAspect="1"/>
-          </p:cNvSpPr>
-          <p:nvPr>
-            <p:ph type="sldImg"/>
-          </p:nvPr>
-        </p:nvSpPr>
-        <p:spPr/>
-      </p:sp>
-      <mc:AlternateContent xmlns:mc="http://schemas.openxmlformats.org/markup-compatibility/2006" xmlns:a14="http://schemas.microsoft.com/office/drawing/2010/main">
-        <mc:Choice Requires="a14">
-          <p:sp>
-            <p:nvSpPr>
-              <p:cNvPr id="3" name="Notes Placeholder 2"/>
-              <p:cNvSpPr>
-                <a:spLocks noGrp="1"/>
-              </p:cNvSpPr>
-              <p:nvPr>
-                <p:ph type="body" idx="1"/>
-              </p:nvPr>
-            </p:nvSpPr>
-            <p:spPr/>
-            <p:txBody>
-              <a:bodyPr/>
-              <a:lstStyle/>
-              <a:p>
-                <a:pPr marL="0" marR="0" indent="0" algn="l" defTabSz="914400" rtl="0" eaLnBrk="1" fontAlgn="auto" latinLnBrk="0" hangingPunct="1">
-                  <a:lnSpc>
-                    <a:spcPct val="100000"/>
-                  </a:lnSpc>
-                  <a:spcBef>
-                    <a:spcPts val="0"/>
-                  </a:spcBef>
-                  <a:spcAft>
-                    <a:spcPts val="0"/>
-                  </a:spcAft>
-                  <a:buClrTx/>
-                  <a:buSzTx/>
-                  <a:buFontTx/>
-                  <a:buNone/>
-                  <a:tabLst/>
-                  <a:defRPr/>
-                </a:pPr>
-                <a:r>
-                  <a:rPr lang="en-CA" i="0" dirty="0"/>
-                  <a:t>Here are two examples</a:t>
-                </a:r>
-                <a:r>
-                  <a:rPr lang="en-CA" i="0" baseline="0" dirty="0"/>
-                  <a:t> where assumption </a:t>
-                </a:r>
-                <a14:m>
-                  <m:oMath xmlns:m="http://schemas.openxmlformats.org/officeDocument/2006/math">
-                    <m:r>
-                      <a:rPr lang="en-CA" sz="1200" i="1" smtClean="0">
-                        <a:solidFill>
-                          <a:schemeClr val="tx1">
-                            <a:lumMod val="75000"/>
-                            <a:lumOff val="25000"/>
-                          </a:schemeClr>
-                        </a:solidFill>
-                        <a:latin typeface="Cambria Math" panose="02040503050406030204" pitchFamily="18" charset="0"/>
-                        <a:ea typeface="Open Sans" panose="020B0606030504020204" pitchFamily="34" charset="0"/>
-                        <a:cs typeface="Open Sans" panose="020B0606030504020204" pitchFamily="34" charset="0"/>
-                      </a:rPr>
-                      <m:t>𝐸</m:t>
-                    </m:r>
-                    <m:d>
-                      <m:dPr>
-                        <m:ctrlPr>
-                          <a:rPr lang="en-CA" sz="1200" i="1">
-                            <a:solidFill>
-                              <a:schemeClr val="tx1">
-                                <a:lumMod val="75000"/>
-                                <a:lumOff val="25000"/>
-                              </a:schemeClr>
-                            </a:solidFill>
-                            <a:latin typeface="Cambria Math" panose="02040503050406030204" pitchFamily="18" charset="0"/>
-                            <a:ea typeface="Open Sans" panose="020B0606030504020204" pitchFamily="34" charset="0"/>
-                            <a:cs typeface="Open Sans" panose="020B0606030504020204" pitchFamily="34" charset="0"/>
-                          </a:rPr>
-                        </m:ctrlPr>
-                      </m:dPr>
-                      <m:e>
-                        <m:r>
-                          <a:rPr lang="en-CA" sz="1200" i="1">
-                            <a:solidFill>
-                              <a:schemeClr val="tx1">
-                                <a:lumMod val="75000"/>
-                                <a:lumOff val="25000"/>
-                              </a:schemeClr>
-                            </a:solidFill>
-                            <a:latin typeface="Cambria Math" panose="02040503050406030204" pitchFamily="18" charset="0"/>
-                            <a:ea typeface="Open Sans" panose="020B0606030504020204" pitchFamily="34" charset="0"/>
-                            <a:cs typeface="Open Sans" panose="020B0606030504020204" pitchFamily="34" charset="0"/>
-                          </a:rPr>
-                          <m:t>𝜖</m:t>
-                        </m:r>
-                        <m:r>
-                          <a:rPr lang="en-US" sz="1200" b="0" i="1" smtClean="0">
-                            <a:solidFill>
-                              <a:schemeClr val="tx1">
-                                <a:lumMod val="75000"/>
-                                <a:lumOff val="25000"/>
-                              </a:schemeClr>
-                            </a:solidFill>
-                            <a:latin typeface="Cambria Math"/>
-                            <a:ea typeface="Open Sans" panose="020B0606030504020204" pitchFamily="34" charset="0"/>
-                            <a:cs typeface="Open Sans" panose="020B0606030504020204" pitchFamily="34" charset="0"/>
-                          </a:rPr>
-                          <m:t>|</m:t>
-                        </m:r>
-                        <m:r>
-                          <a:rPr lang="en-US" sz="1200" b="0" i="1" smtClean="0">
-                            <a:solidFill>
-                              <a:schemeClr val="tx1">
-                                <a:lumMod val="75000"/>
-                                <a:lumOff val="25000"/>
-                              </a:schemeClr>
-                            </a:solidFill>
-                            <a:latin typeface="Cambria Math"/>
-                            <a:ea typeface="Open Sans" panose="020B0606030504020204" pitchFamily="34" charset="0"/>
-                            <a:cs typeface="Open Sans" panose="020B0606030504020204" pitchFamily="34" charset="0"/>
-                          </a:rPr>
-                          <m:t>𝑥</m:t>
-                        </m:r>
-                      </m:e>
-                    </m:d>
-                    <m:r>
-                      <a:rPr lang="en-CA" sz="1200" i="1">
-                        <a:solidFill>
-                          <a:schemeClr val="tx1">
-                            <a:lumMod val="75000"/>
-                            <a:lumOff val="25000"/>
-                          </a:schemeClr>
-                        </a:solidFill>
-                        <a:latin typeface="Cambria Math" panose="02040503050406030204" pitchFamily="18" charset="0"/>
-                        <a:ea typeface="Open Sans" panose="020B0606030504020204" pitchFamily="34" charset="0"/>
-                        <a:cs typeface="Open Sans" panose="020B0606030504020204" pitchFamily="34" charset="0"/>
-                      </a:rPr>
-                      <m:t>=0</m:t>
-                    </m:r>
-                  </m:oMath>
-                </a14:m>
-                <a:r>
-                  <a:rPr lang="en-US" sz="1200" dirty="0"/>
-                  <a:t>, is violated.</a:t>
-                </a:r>
-              </a:p>
-              <a:p>
-                <a:endParaRPr lang="en-CA" i="0" baseline="0" dirty="0"/>
-              </a:p>
-              <a:p>
-                <a:pPr marL="0" marR="0" indent="0" algn="l" defTabSz="914400" rtl="0" eaLnBrk="1" fontAlgn="auto" latinLnBrk="0" hangingPunct="1">
-                  <a:lnSpc>
-                    <a:spcPct val="100000"/>
-                  </a:lnSpc>
-                  <a:spcBef>
-                    <a:spcPts val="0"/>
-                  </a:spcBef>
-                  <a:spcAft>
-                    <a:spcPts val="0"/>
-                  </a:spcAft>
-                  <a:buClrTx/>
-                  <a:buSzTx/>
-                  <a:buFontTx/>
-                  <a:buNone/>
-                  <a:tabLst/>
-                  <a:defRPr/>
-                </a:pPr>
-                <a:r>
-                  <a:rPr lang="en-CA" i="0" dirty="0"/>
-                  <a:t>Effect of Addiction on health (confounding): </a:t>
-                </a:r>
-                <a:r>
-                  <a:rPr lang="en-CA" i="0" dirty="0">
-                    <a:latin typeface="+mn-lt"/>
-                  </a:rPr>
-                  <a:t>Here</a:t>
-                </a:r>
-                <a14:m>
-                  <m:oMath xmlns:m="http://schemas.openxmlformats.org/officeDocument/2006/math">
-                    <m:r>
-                      <a:rPr lang="en-US" b="0" i="0" smtClean="0">
-                        <a:solidFill>
-                          <a:schemeClr val="tx1">
-                            <a:lumMod val="75000"/>
-                            <a:lumOff val="25000"/>
-                          </a:schemeClr>
-                        </a:solidFill>
-                        <a:latin typeface="Cambria Math"/>
-                        <a:ea typeface="Open Sans" panose="020B0606030504020204" pitchFamily="34" charset="0"/>
-                        <a:cs typeface="Open Sans" panose="020B0606030504020204" pitchFamily="34" charset="0"/>
-                      </a:rPr>
-                      <m:t> </m:t>
-                    </m:r>
-                    <m:r>
-                      <a:rPr lang="en-CA" i="1" smtClean="0">
-                        <a:solidFill>
-                          <a:schemeClr val="tx1">
-                            <a:lumMod val="75000"/>
-                            <a:lumOff val="25000"/>
-                          </a:schemeClr>
-                        </a:solidFill>
-                        <a:latin typeface="Cambria Math" panose="02040503050406030204" pitchFamily="18" charset="0"/>
-                        <a:ea typeface="Open Sans" panose="020B0606030504020204" pitchFamily="34" charset="0"/>
-                        <a:cs typeface="Open Sans" panose="020B0606030504020204" pitchFamily="34" charset="0"/>
-                      </a:rPr>
-                      <m:t>𝐸</m:t>
-                    </m:r>
-                    <m:d>
-                      <m:dPr>
-                        <m:ctrlPr>
-                          <a:rPr lang="en-CA" i="1">
-                            <a:solidFill>
-                              <a:schemeClr val="tx1">
-                                <a:lumMod val="75000"/>
-                                <a:lumOff val="25000"/>
-                              </a:schemeClr>
-                            </a:solidFill>
-                            <a:latin typeface="Cambria Math" panose="02040503050406030204" pitchFamily="18" charset="0"/>
-                            <a:ea typeface="Open Sans" panose="020B0606030504020204" pitchFamily="34" charset="0"/>
-                            <a:cs typeface="Open Sans" panose="020B0606030504020204" pitchFamily="34" charset="0"/>
-                          </a:rPr>
-                        </m:ctrlPr>
-                      </m:dPr>
-                      <m:e>
-                        <m:r>
-                          <a:rPr lang="en-CA" i="1">
-                            <a:solidFill>
-                              <a:schemeClr val="tx1">
-                                <a:lumMod val="75000"/>
-                                <a:lumOff val="25000"/>
-                              </a:schemeClr>
-                            </a:solidFill>
-                            <a:latin typeface="Cambria Math" panose="02040503050406030204" pitchFamily="18" charset="0"/>
-                            <a:ea typeface="Open Sans" panose="020B0606030504020204" pitchFamily="34" charset="0"/>
-                            <a:cs typeface="Open Sans" panose="020B0606030504020204" pitchFamily="34" charset="0"/>
-                          </a:rPr>
-                          <m:t>𝜖</m:t>
-                        </m:r>
-                        <m:r>
-                          <a:rPr lang="en-US" i="1">
-                            <a:solidFill>
-                              <a:schemeClr val="tx1">
-                                <a:lumMod val="75000"/>
-                                <a:lumOff val="25000"/>
-                              </a:schemeClr>
-                            </a:solidFill>
-                            <a:latin typeface="Cambria Math"/>
-                            <a:ea typeface="Open Sans" panose="020B0606030504020204" pitchFamily="34" charset="0"/>
-                            <a:cs typeface="Open Sans" panose="020B0606030504020204" pitchFamily="34" charset="0"/>
-                          </a:rPr>
-                          <m:t>|</m:t>
-                        </m:r>
-                        <m:r>
-                          <a:rPr lang="en-US" i="1">
-                            <a:solidFill>
-                              <a:schemeClr val="tx1">
-                                <a:lumMod val="75000"/>
-                                <a:lumOff val="25000"/>
-                              </a:schemeClr>
-                            </a:solidFill>
-                            <a:latin typeface="Cambria Math"/>
-                            <a:ea typeface="Open Sans" panose="020B0606030504020204" pitchFamily="34" charset="0"/>
-                            <a:cs typeface="Open Sans" panose="020B0606030504020204" pitchFamily="34" charset="0"/>
-                          </a:rPr>
-                          <m:t>𝑥</m:t>
-                        </m:r>
-                      </m:e>
-                    </m:d>
-                    <m:r>
-                      <a:rPr lang="en-US" i="1" smtClean="0">
-                        <a:solidFill>
-                          <a:schemeClr val="tx1">
-                            <a:lumMod val="75000"/>
-                            <a:lumOff val="25000"/>
-                          </a:schemeClr>
-                        </a:solidFill>
-                        <a:latin typeface="Cambria Math"/>
-                        <a:ea typeface="Open Sans" panose="020B0606030504020204" pitchFamily="34" charset="0"/>
-                        <a:cs typeface="Open Sans" panose="020B0606030504020204" pitchFamily="34" charset="0"/>
-                      </a:rPr>
-                      <m:t>≠</m:t>
-                    </m:r>
-                    <m:r>
-                      <a:rPr lang="en-CA" i="1">
-                        <a:solidFill>
-                          <a:schemeClr val="tx1">
-                            <a:lumMod val="75000"/>
-                            <a:lumOff val="25000"/>
-                          </a:schemeClr>
-                        </a:solidFill>
-                        <a:latin typeface="Cambria Math" panose="02040503050406030204" pitchFamily="18" charset="0"/>
-                        <a:ea typeface="Open Sans" panose="020B0606030504020204" pitchFamily="34" charset="0"/>
-                        <a:cs typeface="Open Sans" panose="020B0606030504020204" pitchFamily="34" charset="0"/>
-                      </a:rPr>
-                      <m:t>0</m:t>
-                    </m:r>
-                    <m:r>
-                      <a:rPr lang="en-US" b="0" i="0" smtClean="0">
-                        <a:solidFill>
-                          <a:schemeClr val="tx1">
-                            <a:lumMod val="75000"/>
-                            <a:lumOff val="25000"/>
-                          </a:schemeClr>
-                        </a:solidFill>
-                        <a:latin typeface="Cambria Math"/>
-                        <a:ea typeface="Open Sans" panose="020B0606030504020204" pitchFamily="34" charset="0"/>
-                        <a:cs typeface="Open Sans" panose="020B0606030504020204" pitchFamily="34" charset="0"/>
-                      </a:rPr>
-                      <m:t> </m:t>
-                    </m:r>
-                  </m:oMath>
-                </a14:m>
-                <a:r>
-                  <a:rPr lang="en-CA" i="0" dirty="0">
-                    <a:latin typeface="+mn-lt"/>
-                  </a:rPr>
-                  <a:t>where there may be factors that are omitted that correlate with the included</a:t>
-                </a:r>
-                <a:r>
-                  <a:rPr lang="en-CA" i="0" baseline="0" dirty="0">
-                    <a:latin typeface="+mn-lt"/>
-                  </a:rPr>
-                  <a:t> explanatory variables.</a:t>
-                </a:r>
-                <a:endParaRPr lang="en-CA" i="0" dirty="0">
-                  <a:latin typeface="+mn-lt"/>
-                </a:endParaRPr>
-              </a:p>
-              <a:p>
-                <a:endParaRPr lang="en-CA" dirty="0"/>
-              </a:p>
-              <a:p>
-                <a:r>
-                  <a:rPr lang="en-CA" dirty="0"/>
-                  <a:t>Censored data: Treatment effectiveness, Number of physician</a:t>
-                </a:r>
-                <a:r>
-                  <a:rPr lang="en-CA" baseline="0" dirty="0"/>
-                  <a:t> v</a:t>
-                </a:r>
-                <a:r>
-                  <a:rPr lang="en-CA" dirty="0"/>
-                  <a:t>isits in claims data (sample selection):</a:t>
-                </a:r>
-                <a:r>
-                  <a:rPr lang="en-CA" baseline="0" dirty="0"/>
-                  <a:t> Wherein the observations on the explanatory variables may be correlated with the error term as a selection rule must be satisfied for observations to be observed. </a:t>
-                </a:r>
-                <a:endParaRPr lang="en-CA" dirty="0"/>
-              </a:p>
-              <a:p>
-                <a:endParaRPr lang="en-CA" dirty="0"/>
-              </a:p>
-              <a:p>
-                <a:endParaRPr lang="en-CA" dirty="0"/>
-              </a:p>
-              <a:p>
-                <a:endParaRPr lang="en-US" dirty="0"/>
-              </a:p>
-            </p:txBody>
-          </p:sp>
-        </mc:Choice>
-        <mc:Fallback xmlns="">
-          <p:sp>
-            <p:nvSpPr>
-              <p:cNvPr id="3" name="Notes Placeholder 2"/>
-              <p:cNvSpPr>
-                <a:spLocks noGrp="1"/>
-              </p:cNvSpPr>
-              <p:nvPr>
-                <p:ph type="body" idx="1"/>
-              </p:nvPr>
-            </p:nvSpPr>
-            <p:spPr/>
-            <p:txBody>
-              <a:bodyPr/>
-              <a:lstStyle/>
-              <a:p>
-                <a:pPr marL="0" marR="0" indent="0" algn="l" defTabSz="914400" rtl="0" eaLnBrk="1" fontAlgn="auto" latinLnBrk="0" hangingPunct="1">
-                  <a:lnSpc>
-                    <a:spcPct val="100000"/>
-                  </a:lnSpc>
-                  <a:spcBef>
-                    <a:spcPts val="0"/>
-                  </a:spcBef>
-                  <a:spcAft>
-                    <a:spcPts val="0"/>
-                  </a:spcAft>
-                  <a:buClrTx/>
-                  <a:buSzTx/>
-                  <a:buFontTx/>
-                  <a:buNone/>
-                  <a:tabLst/>
-                  <a:defRPr/>
-                </a:pPr>
-                <a:r>
-                  <a:rPr lang="en-CA" i="0" dirty="0"/>
-                  <a:t>Here are two examples</a:t>
-                </a:r>
-                <a:r>
-                  <a:rPr lang="en-CA" i="0" baseline="0" dirty="0"/>
-                  <a:t> where assumption </a:t>
-                </a:r>
-                <a:r>
-                  <a:rPr lang="en-CA" sz="1200" i="0">
-                    <a:solidFill>
-                      <a:schemeClr val="tx1">
-                        <a:lumMod val="75000"/>
-                        <a:lumOff val="25000"/>
-                      </a:schemeClr>
-                    </a:solidFill>
-                    <a:latin typeface="Cambria Math" panose="02040503050406030204" pitchFamily="18" charset="0"/>
-                    <a:ea typeface="Open Sans" panose="020B0606030504020204" pitchFamily="34" charset="0"/>
-                    <a:cs typeface="Open Sans" panose="020B0606030504020204" pitchFamily="34" charset="0"/>
-                  </a:rPr>
-                  <a:t>𝐸(𝜖</a:t>
-                </a:r>
-                <a:r>
-                  <a:rPr lang="en-US" sz="1200" b="0" i="0">
-                    <a:solidFill>
-                      <a:schemeClr val="tx1">
-                        <a:lumMod val="75000"/>
-                        <a:lumOff val="25000"/>
-                      </a:schemeClr>
-                    </a:solidFill>
-                    <a:latin typeface="Cambria Math"/>
-                    <a:ea typeface="Open Sans" panose="020B0606030504020204" pitchFamily="34" charset="0"/>
-                    <a:cs typeface="Open Sans" panose="020B0606030504020204" pitchFamily="34" charset="0"/>
-                  </a:rPr>
-                  <a:t>|𝑥</a:t>
-                </a:r>
-                <a:r>
-                  <a:rPr lang="en-US" sz="1200" b="0" i="0">
-                    <a:solidFill>
-                      <a:schemeClr val="tx1">
-                        <a:lumMod val="75000"/>
-                        <a:lumOff val="25000"/>
-                      </a:schemeClr>
-                    </a:solidFill>
-                    <a:latin typeface="Cambria Math" panose="02040503050406030204" pitchFamily="18" charset="0"/>
-                    <a:ea typeface="Open Sans" panose="020B0606030504020204" pitchFamily="34" charset="0"/>
-                    <a:cs typeface="Open Sans" panose="020B0606030504020204" pitchFamily="34" charset="0"/>
-                  </a:rPr>
-                  <a:t>)</a:t>
-                </a:r>
-                <a:r>
-                  <a:rPr lang="en-CA" sz="1200" i="0">
-                    <a:solidFill>
-                      <a:schemeClr val="tx1">
-                        <a:lumMod val="75000"/>
-                        <a:lumOff val="25000"/>
-                      </a:schemeClr>
-                    </a:solidFill>
-                    <a:latin typeface="Cambria Math" panose="02040503050406030204" pitchFamily="18" charset="0"/>
-                    <a:ea typeface="Open Sans" panose="020B0606030504020204" pitchFamily="34" charset="0"/>
-                    <a:cs typeface="Open Sans" panose="020B0606030504020204" pitchFamily="34" charset="0"/>
-                  </a:rPr>
-                  <a:t>=0</a:t>
-                </a:r>
-                <a:r>
-                  <a:rPr lang="en-US" sz="1200" dirty="0"/>
-                  <a:t>, is violated.</a:t>
-                </a:r>
-              </a:p>
-              <a:p>
-                <a:endParaRPr lang="en-CA" i="0" baseline="0" dirty="0"/>
-              </a:p>
-              <a:p>
-                <a:pPr marL="0" marR="0" indent="0" algn="l" defTabSz="914400" rtl="0" eaLnBrk="1" fontAlgn="auto" latinLnBrk="0" hangingPunct="1">
-                  <a:lnSpc>
-                    <a:spcPct val="100000"/>
-                  </a:lnSpc>
-                  <a:spcBef>
-                    <a:spcPts val="0"/>
-                  </a:spcBef>
-                  <a:spcAft>
-                    <a:spcPts val="0"/>
-                  </a:spcAft>
-                  <a:buClrTx/>
-                  <a:buSzTx/>
-                  <a:buFontTx/>
-                  <a:buNone/>
-                  <a:tabLst/>
-                  <a:defRPr/>
-                </a:pPr>
-                <a:r>
-                  <a:rPr lang="en-CA" i="0" dirty="0"/>
-                  <a:t>Effect of Addiction on health (confounding): </a:t>
-                </a:r>
-                <a:r>
-                  <a:rPr lang="en-CA" i="0" dirty="0">
-                    <a:latin typeface="+mn-lt"/>
-                  </a:rPr>
-                  <a:t>Here</a:t>
-                </a:r>
-                <a:r>
-                  <a:rPr lang="en-US" b="0" i="0">
-                    <a:solidFill>
-                      <a:schemeClr val="tx1">
-                        <a:lumMod val="75000"/>
-                        <a:lumOff val="25000"/>
-                      </a:schemeClr>
-                    </a:solidFill>
-                    <a:latin typeface="Cambria Math"/>
-                    <a:ea typeface="Open Sans" panose="020B0606030504020204" pitchFamily="34" charset="0"/>
-                    <a:cs typeface="Open Sans" panose="020B0606030504020204" pitchFamily="34" charset="0"/>
-                  </a:rPr>
-                  <a:t> </a:t>
-                </a:r>
-                <a:r>
-                  <a:rPr lang="en-CA" i="0">
-                    <a:solidFill>
-                      <a:schemeClr val="tx1">
-                        <a:lumMod val="75000"/>
-                        <a:lumOff val="25000"/>
-                      </a:schemeClr>
-                    </a:solidFill>
-                    <a:latin typeface="Cambria Math" panose="02040503050406030204" pitchFamily="18" charset="0"/>
-                    <a:ea typeface="Open Sans" panose="020B0606030504020204" pitchFamily="34" charset="0"/>
-                    <a:cs typeface="Open Sans" panose="020B0606030504020204" pitchFamily="34" charset="0"/>
-                  </a:rPr>
-                  <a:t>𝐸(𝜖</a:t>
-                </a:r>
-                <a:r>
-                  <a:rPr lang="en-US" i="0">
-                    <a:solidFill>
-                      <a:schemeClr val="tx1">
-                        <a:lumMod val="75000"/>
-                        <a:lumOff val="25000"/>
-                      </a:schemeClr>
-                    </a:solidFill>
-                    <a:latin typeface="Cambria Math"/>
-                    <a:ea typeface="Open Sans" panose="020B0606030504020204" pitchFamily="34" charset="0"/>
-                    <a:cs typeface="Open Sans" panose="020B0606030504020204" pitchFamily="34" charset="0"/>
-                  </a:rPr>
-                  <a:t>|𝑥</a:t>
-                </a:r>
-                <a:r>
-                  <a:rPr lang="en-US" i="0">
-                    <a:solidFill>
-                      <a:schemeClr val="tx1">
-                        <a:lumMod val="75000"/>
-                        <a:lumOff val="25000"/>
-                      </a:schemeClr>
-                    </a:solidFill>
-                    <a:latin typeface="Cambria Math" panose="02040503050406030204" pitchFamily="18" charset="0"/>
-                    <a:ea typeface="Open Sans" panose="020B0606030504020204" pitchFamily="34" charset="0"/>
-                    <a:cs typeface="Open Sans" panose="020B0606030504020204" pitchFamily="34" charset="0"/>
-                  </a:rPr>
-                  <a:t>)</a:t>
-                </a:r>
-                <a:r>
-                  <a:rPr lang="en-US" i="0">
-                    <a:solidFill>
-                      <a:schemeClr val="tx1">
-                        <a:lumMod val="75000"/>
-                        <a:lumOff val="25000"/>
-                      </a:schemeClr>
-                    </a:solidFill>
-                    <a:latin typeface="Cambria Math"/>
-                    <a:ea typeface="Open Sans" panose="020B0606030504020204" pitchFamily="34" charset="0"/>
-                    <a:cs typeface="Open Sans" panose="020B0606030504020204" pitchFamily="34" charset="0"/>
-                  </a:rPr>
-                  <a:t>≠</a:t>
-                </a:r>
-                <a:r>
-                  <a:rPr lang="en-CA" i="0">
-                    <a:solidFill>
-                      <a:schemeClr val="tx1">
-                        <a:lumMod val="75000"/>
-                        <a:lumOff val="25000"/>
-                      </a:schemeClr>
-                    </a:solidFill>
-                    <a:latin typeface="Cambria Math" panose="02040503050406030204" pitchFamily="18" charset="0"/>
-                    <a:ea typeface="Open Sans" panose="020B0606030504020204" pitchFamily="34" charset="0"/>
-                    <a:cs typeface="Open Sans" panose="020B0606030504020204" pitchFamily="34" charset="0"/>
-                  </a:rPr>
-                  <a:t>0</a:t>
-                </a:r>
-                <a:r>
-                  <a:rPr lang="en-US" b="0" i="0">
-                    <a:solidFill>
-                      <a:schemeClr val="tx1">
-                        <a:lumMod val="75000"/>
-                        <a:lumOff val="25000"/>
-                      </a:schemeClr>
-                    </a:solidFill>
-                    <a:latin typeface="Cambria Math"/>
-                    <a:ea typeface="Open Sans" panose="020B0606030504020204" pitchFamily="34" charset="0"/>
-                    <a:cs typeface="Open Sans" panose="020B0606030504020204" pitchFamily="34" charset="0"/>
-                  </a:rPr>
-                  <a:t> </a:t>
-                </a:r>
-                <a:r>
-                  <a:rPr lang="en-CA" i="0" dirty="0">
-                    <a:latin typeface="+mn-lt"/>
-                  </a:rPr>
-                  <a:t>where there may be factors that are omitted that correlate with the included</a:t>
-                </a:r>
-                <a:r>
-                  <a:rPr lang="en-CA" i="0" baseline="0" dirty="0">
-                    <a:latin typeface="+mn-lt"/>
-                  </a:rPr>
-                  <a:t> explanatory variables.</a:t>
-                </a:r>
-                <a:endParaRPr lang="en-CA" i="0" dirty="0">
-                  <a:latin typeface="+mn-lt"/>
-                </a:endParaRPr>
-              </a:p>
-              <a:p>
-                <a:endParaRPr lang="en-CA" dirty="0"/>
-              </a:p>
-              <a:p>
-                <a:r>
-                  <a:rPr lang="en-CA" dirty="0"/>
-                  <a:t>Censored data: Treatment effectiveness, Number of physician</a:t>
-                </a:r>
-                <a:r>
-                  <a:rPr lang="en-CA" baseline="0" dirty="0"/>
-                  <a:t> v</a:t>
-                </a:r>
-                <a:r>
-                  <a:rPr lang="en-CA" dirty="0"/>
-                  <a:t>isits in claims data (sample selection):</a:t>
-                </a:r>
-                <a:r>
-                  <a:rPr lang="en-CA" baseline="0" dirty="0"/>
-                  <a:t> Wherein the observations on the explanatory variables may be correlated with the error term as a selection rule must be satisfied for observations to be observed. </a:t>
-                </a:r>
-                <a:endParaRPr lang="en-CA" dirty="0"/>
-              </a:p>
-              <a:p>
-                <a:endParaRPr lang="en-CA" dirty="0"/>
-              </a:p>
-              <a:p>
-                <a:endParaRPr lang="en-CA" dirty="0"/>
-              </a:p>
-              <a:p>
-                <a:endParaRPr lang="en-US" dirty="0"/>
-              </a:p>
-            </p:txBody>
-          </p:sp>
-        </mc:Fallback>
-      </mc:AlternateContent>
-      <p:sp>
-        <p:nvSpPr>
-          <p:cNvPr id="4" name="Slide Number Placeholder 3"/>
-          <p:cNvSpPr>
-            <a:spLocks noGrp="1"/>
-          </p:cNvSpPr>
-          <p:nvPr>
-            <p:ph type="sldNum" sz="quarter" idx="5"/>
-          </p:nvPr>
-        </p:nvSpPr>
-        <p:spPr/>
-        <p:txBody>
-          <a:bodyPr/>
-          <a:lstStyle/>
-          <a:p>
-            <a:fld id="{4AF79E1B-2C51-4B9B-8EA4-26DE9E345AFF}" type="slidenum">
-              <a:rPr lang="en-US" smtClean="0"/>
-              <a:t>48</a:t>
-            </a:fld>
-            <a:endParaRPr lang="en-US"/>
-          </a:p>
-        </p:txBody>
-      </p:sp>
-    </p:spTree>
-    <p:extLst>
-      <p:ext uri="{BB962C8B-B14F-4D97-AF65-F5344CB8AC3E}">
-        <p14:creationId xmlns:p14="http://schemas.microsoft.com/office/powerpoint/2010/main" val="841724163"/>
-      </p:ext>
-    </p:extLst>
-  </p:cSld>
-  <p:clrMapOvr>
-    <a:masterClrMapping/>
-  </p:clrMapOvr>
-</p:notes>
-</file>
-
 <file path=ppt/notesSlides/notesSlide5.xml><?xml version="1.0" encoding="utf-8"?>
 <p:notes xmlns:a="http://schemas.openxmlformats.org/drawingml/2006/main" xmlns:r="http://schemas.openxmlformats.org/officeDocument/2006/relationships" xmlns:p="http://schemas.openxmlformats.org/presentationml/2006/main">
   <p:cSld>
@@ -5337,7 +4637,7 @@
             <a:fld id="{0972D05C-DCFB-4BB6-B49C-AC126BF3ED2C}" type="datetimeFigureOut">
               <a:rPr lang="en-US" smtClean="0"/>
               <a:pPr/>
-              <a:t>9/15/2022</a:t>
+              <a:t>9/19/2022</a:t>
             </a:fld>
             <a:endParaRPr lang="en-US"/>
           </a:p>
@@ -5567,7 +4867,7 @@
             <a:fld id="{0972D05C-DCFB-4BB6-B49C-AC126BF3ED2C}" type="datetimeFigureOut">
               <a:rPr lang="en-US" smtClean="0"/>
               <a:pPr/>
-              <a:t>9/15/2022</a:t>
+              <a:t>9/19/2022</a:t>
             </a:fld>
             <a:endParaRPr lang="en-US"/>
           </a:p>
@@ -5749,7 +5049,7 @@
             <a:fld id="{0972D05C-DCFB-4BB6-B49C-AC126BF3ED2C}" type="datetimeFigureOut">
               <a:rPr lang="en-US" smtClean="0"/>
               <a:pPr/>
-              <a:t>9/15/2022</a:t>
+              <a:t>9/19/2022</a:t>
             </a:fld>
             <a:endParaRPr lang="en-US"/>
           </a:p>
@@ -5921,7 +5221,7 @@
             <a:fld id="{0972D05C-DCFB-4BB6-B49C-AC126BF3ED2C}" type="datetimeFigureOut">
               <a:rPr lang="en-US" smtClean="0"/>
               <a:pPr/>
-              <a:t>9/15/2022</a:t>
+              <a:t>9/19/2022</a:t>
             </a:fld>
             <a:endParaRPr lang="en-US"/>
           </a:p>
@@ -6177,7 +5477,7 @@
             <a:fld id="{0972D05C-DCFB-4BB6-B49C-AC126BF3ED2C}" type="datetimeFigureOut">
               <a:rPr lang="en-US" smtClean="0"/>
               <a:pPr/>
-              <a:t>9/15/2022</a:t>
+              <a:t>9/19/2022</a:t>
             </a:fld>
             <a:endParaRPr lang="en-US"/>
           </a:p>
@@ -6505,7 +5805,7 @@
             <a:fld id="{0972D05C-DCFB-4BB6-B49C-AC126BF3ED2C}" type="datetimeFigureOut">
               <a:rPr lang="en-US" smtClean="0"/>
               <a:pPr/>
-              <a:t>9/15/2022</a:t>
+              <a:t>9/19/2022</a:t>
             </a:fld>
             <a:endParaRPr lang="en-US"/>
           </a:p>
@@ -6958,7 +6258,7 @@
             <a:fld id="{0972D05C-DCFB-4BB6-B49C-AC126BF3ED2C}" type="datetimeFigureOut">
               <a:rPr lang="en-US" smtClean="0"/>
               <a:pPr/>
-              <a:t>9/15/2022</a:t>
+              <a:t>9/19/2022</a:t>
             </a:fld>
             <a:endParaRPr lang="en-US"/>
           </a:p>
@@ -7078,7 +6378,7 @@
             <a:fld id="{0972D05C-DCFB-4BB6-B49C-AC126BF3ED2C}" type="datetimeFigureOut">
               <a:rPr lang="en-US" smtClean="0"/>
               <a:pPr/>
-              <a:t>9/15/2022</a:t>
+              <a:t>9/19/2022</a:t>
             </a:fld>
             <a:endParaRPr lang="en-US"/>
           </a:p>
@@ -7175,7 +6475,7 @@
             <a:fld id="{0972D05C-DCFB-4BB6-B49C-AC126BF3ED2C}" type="datetimeFigureOut">
               <a:rPr lang="en-US" smtClean="0"/>
               <a:pPr/>
-              <a:t>9/15/2022</a:t>
+              <a:t>9/19/2022</a:t>
             </a:fld>
             <a:endParaRPr lang="en-US"/>
           </a:p>
@@ -7464,7 +6764,7 @@
             <a:fld id="{0972D05C-DCFB-4BB6-B49C-AC126BF3ED2C}" type="datetimeFigureOut">
               <a:rPr lang="en-US" smtClean="0"/>
               <a:pPr/>
-              <a:t>9/15/2022</a:t>
+              <a:t>9/19/2022</a:t>
             </a:fld>
             <a:endParaRPr lang="en-US"/>
           </a:p>
@@ -7788,7 +7088,7 @@
             <a:fld id="{0972D05C-DCFB-4BB6-B49C-AC126BF3ED2C}" type="datetimeFigureOut">
               <a:rPr lang="en-US" smtClean="0"/>
               <a:pPr/>
-              <a:t>9/15/2022</a:t>
+              <a:t>9/19/2022</a:t>
             </a:fld>
             <a:endParaRPr lang="en-US"/>
           </a:p>
@@ -8043,7 +7343,7 @@
             <a:fld id="{0972D05C-DCFB-4BB6-B49C-AC126BF3ED2C}" type="datetimeFigureOut">
               <a:rPr lang="en-US" smtClean="0"/>
               <a:pPr/>
-              <a:t>9/15/2022</a:t>
+              <a:t>9/19/2022</a:t>
             </a:fld>
             <a:endParaRPr lang="en-US" dirty="0"/>
           </a:p>
@@ -9911,8 +9211,8 @@
           </a:p>
         </p:txBody>
       </p:sp>
-      <mc:AlternateContent xmlns:mc="http://schemas.openxmlformats.org/markup-compatibility/2006">
-        <mc:Choice xmlns:a14="http://schemas.microsoft.com/office/drawing/2010/main" Requires="a14">
+      <mc:AlternateContent xmlns:mc="http://schemas.openxmlformats.org/markup-compatibility/2006" xmlns:a14="http://schemas.microsoft.com/office/drawing/2010/main">
+        <mc:Choice Requires="a14">
           <p:sp>
             <p:nvSpPr>
               <p:cNvPr id="3" name="Content Placeholder 2"/>
@@ -10198,7 +9498,7 @@
             </p:txBody>
           </p:sp>
         </mc:Choice>
-        <mc:Fallback>
+        <mc:Fallback xmlns="">
           <p:sp>
             <p:nvSpPr>
               <p:cNvPr id="3" name="Content Placeholder 2"/>
@@ -11766,8 +11066,8 @@
           </a:p>
         </p:txBody>
       </p:sp>
-      <mc:AlternateContent xmlns:mc="http://schemas.openxmlformats.org/markup-compatibility/2006">
-        <mc:Choice xmlns:a14="http://schemas.microsoft.com/office/drawing/2010/main" Requires="a14">
+      <mc:AlternateContent xmlns:mc="http://schemas.openxmlformats.org/markup-compatibility/2006" xmlns:a14="http://schemas.microsoft.com/office/drawing/2010/main">
+        <mc:Choice Requires="a14">
           <p:sp>
             <p:nvSpPr>
               <p:cNvPr id="3" name="Content Placeholder 2"/>
@@ -12255,7 +11555,7 @@
             </p:txBody>
           </p:sp>
         </mc:Choice>
-        <mc:Fallback>
+        <mc:Fallback xmlns="">
           <p:sp>
             <p:nvSpPr>
               <p:cNvPr id="3" name="Content Placeholder 2"/>
@@ -26602,8 +25902,8 @@
           </a:p>
         </p:txBody>
       </p:sp>
-      <mc:AlternateContent xmlns:mc="http://schemas.openxmlformats.org/markup-compatibility/2006">
-        <mc:Choice xmlns:a14="http://schemas.microsoft.com/office/drawing/2010/main" Requires="a14">
+      <mc:AlternateContent xmlns:mc="http://schemas.openxmlformats.org/markup-compatibility/2006" xmlns:a14="http://schemas.microsoft.com/office/drawing/2010/main">
+        <mc:Choice Requires="a14">
           <p:sp>
             <p:nvSpPr>
               <p:cNvPr id="3" name="Content Placeholder 2"/>
@@ -27455,7 +26755,7 @@
             </p:txBody>
           </p:sp>
         </mc:Choice>
-        <mc:Fallback>
+        <mc:Fallback xmlns="">
           <p:sp>
             <p:nvSpPr>
               <p:cNvPr id="3" name="Content Placeholder 2"/>
@@ -30258,8 +29558,8 @@
           </a:p>
         </p:txBody>
       </p:sp>
-      <mc:AlternateContent xmlns:mc="http://schemas.openxmlformats.org/markup-compatibility/2006">
-        <mc:Choice xmlns:a14="http://schemas.microsoft.com/office/drawing/2010/main" Requires="a14">
+      <mc:AlternateContent xmlns:mc="http://schemas.openxmlformats.org/markup-compatibility/2006" xmlns:a14="http://schemas.microsoft.com/office/drawing/2010/main">
+        <mc:Choice Requires="a14">
           <p:sp>
             <p:nvSpPr>
               <p:cNvPr id="3" name="Content Placeholder 2"/>
@@ -30885,7 +30185,7 @@
             </p:txBody>
           </p:sp>
         </mc:Choice>
-        <mc:Fallback>
+        <mc:Fallback xmlns="">
           <p:sp>
             <p:nvSpPr>
               <p:cNvPr id="3" name="Content Placeholder 2"/>
@@ -31926,8 +31226,8 @@
           </a:p>
         </p:txBody>
       </p:sp>
-      <mc:AlternateContent xmlns:mc="http://schemas.openxmlformats.org/markup-compatibility/2006">
-        <mc:Choice xmlns:a14="http://schemas.microsoft.com/office/drawing/2010/main" Requires="a14">
+      <mc:AlternateContent xmlns:mc="http://schemas.openxmlformats.org/markup-compatibility/2006" xmlns:a14="http://schemas.microsoft.com/office/drawing/2010/main">
+        <mc:Choice Requires="a14">
           <p:sp>
             <p:nvSpPr>
               <p:cNvPr id="3" name="Content Placeholder 2"/>
@@ -32802,7 +32102,7 @@
             </p:txBody>
           </p:sp>
         </mc:Choice>
-        <mc:Fallback>
+        <mc:Fallback xmlns="">
           <p:sp>
             <p:nvSpPr>
               <p:cNvPr id="3" name="Content Placeholder 2"/>
@@ -32902,8 +32202,8 @@
           </a:p>
         </p:txBody>
       </p:sp>
-      <mc:AlternateContent xmlns:mc="http://schemas.openxmlformats.org/markup-compatibility/2006">
-        <mc:Choice xmlns:a14="http://schemas.microsoft.com/office/drawing/2010/main" Requires="a14">
+      <mc:AlternateContent xmlns:mc="http://schemas.openxmlformats.org/markup-compatibility/2006" xmlns:a14="http://schemas.microsoft.com/office/drawing/2010/main">
+        <mc:Choice Requires="a14">
           <p:sp>
             <p:nvSpPr>
               <p:cNvPr id="3" name="Content Placeholder 2"/>
@@ -33873,7 +33173,7 @@
             </p:txBody>
           </p:sp>
         </mc:Choice>
-        <mc:Fallback>
+        <mc:Fallback xmlns="">
           <p:sp>
             <p:nvSpPr>
               <p:cNvPr id="3" name="Content Placeholder 2"/>
@@ -33973,8 +33273,8 @@
           </a:p>
         </p:txBody>
       </p:sp>
-      <mc:AlternateContent xmlns:mc="http://schemas.openxmlformats.org/markup-compatibility/2006">
-        <mc:Choice xmlns:a14="http://schemas.microsoft.com/office/drawing/2010/main" Requires="a14">
+      <mc:AlternateContent xmlns:mc="http://schemas.openxmlformats.org/markup-compatibility/2006" xmlns:a14="http://schemas.microsoft.com/office/drawing/2010/main">
+        <mc:Choice Requires="a14">
           <p:sp>
             <p:nvSpPr>
               <p:cNvPr id="3" name="Content Placeholder 2"/>
@@ -35148,7 +34448,7 @@
             </p:txBody>
           </p:sp>
         </mc:Choice>
-        <mc:Fallback>
+        <mc:Fallback xmlns="">
           <p:sp>
             <p:nvSpPr>
               <p:cNvPr id="3" name="Content Placeholder 2"/>
@@ -35248,8 +34548,8 @@
           </a:p>
         </p:txBody>
       </p:sp>
-      <mc:AlternateContent xmlns:mc="http://schemas.openxmlformats.org/markup-compatibility/2006">
-        <mc:Choice xmlns:a14="http://schemas.microsoft.com/office/drawing/2010/main" Requires="a14">
+      <mc:AlternateContent xmlns:mc="http://schemas.openxmlformats.org/markup-compatibility/2006" xmlns:a14="http://schemas.microsoft.com/office/drawing/2010/main">
+        <mc:Choice Requires="a14">
           <p:sp>
             <p:nvSpPr>
               <p:cNvPr id="3" name="Content Placeholder 2"/>
@@ -36485,7 +35785,7 @@
             </p:txBody>
           </p:sp>
         </mc:Choice>
-        <mc:Fallback>
+        <mc:Fallback xmlns="">
           <p:sp>
             <p:nvSpPr>
               <p:cNvPr id="3" name="Content Placeholder 2"/>
@@ -36574,94 +35874,6 @@
     <p:extLst>
       <p:ext uri="{BB962C8B-B14F-4D97-AF65-F5344CB8AC3E}">
         <p14:creationId xmlns:p14="http://schemas.microsoft.com/office/powerpoint/2010/main" val="2864316534"/>
-      </p:ext>
-    </p:extLst>
-  </p:cSld>
-  <p:clrMapOvr>
-    <a:masterClrMapping/>
-  </p:clrMapOvr>
-</p:sld>
-</file>
-
-<file path=ppt/slides/slide48.xml><?xml version="1.0" encoding="utf-8"?>
-<p:sld xmlns:a="http://schemas.openxmlformats.org/drawingml/2006/main" xmlns:r="http://schemas.openxmlformats.org/officeDocument/2006/relationships" xmlns:p="http://schemas.openxmlformats.org/presentationml/2006/main">
-  <p:cSld>
-    <p:spTree>
-      <p:nvGrpSpPr>
-        <p:cNvPr id="1" name=""/>
-        <p:cNvGrpSpPr/>
-        <p:nvPr/>
-      </p:nvGrpSpPr>
-      <p:grpSpPr>
-        <a:xfrm>
-          <a:off x="0" y="0"/>
-          <a:ext cx="0" cy="0"/>
-          <a:chOff x="0" y="0"/>
-          <a:chExt cx="0" cy="0"/>
-        </a:xfrm>
-      </p:grpSpPr>
-      <p:sp>
-        <p:nvSpPr>
-          <p:cNvPr id="2" name="Title 1"/>
-          <p:cNvSpPr>
-            <a:spLocks noGrp="1"/>
-          </p:cNvSpPr>
-          <p:nvPr>
-            <p:ph type="ctrTitle"/>
-          </p:nvPr>
-        </p:nvSpPr>
-        <p:spPr/>
-        <p:txBody>
-          <a:bodyPr>
-            <a:normAutofit/>
-          </a:bodyPr>
-          <a:lstStyle/>
-          <a:p>
-            <a:r>
-              <a:rPr lang="en-US" sz="6000" dirty="0">
-                <a:latin typeface="Times New Roman" panose="02020603050405020304" pitchFamily="18" charset="0"/>
-                <a:cs typeface="Times New Roman" panose="02020603050405020304" pitchFamily="18" charset="0"/>
-              </a:rPr>
-              <a:t>When might the OLS assumptions be violated? </a:t>
-            </a:r>
-          </a:p>
-        </p:txBody>
-      </p:sp>
-      <p:sp>
-        <p:nvSpPr>
-          <p:cNvPr id="3" name="Content Placeholder 2"/>
-          <p:cNvSpPr>
-            <a:spLocks noGrp="1"/>
-          </p:cNvSpPr>
-          <p:nvPr>
-            <p:ph type="subTitle" idx="1"/>
-          </p:nvPr>
-        </p:nvSpPr>
-        <p:spPr/>
-        <p:txBody>
-          <a:bodyPr>
-            <a:normAutofit/>
-          </a:bodyPr>
-          <a:lstStyle/>
-          <a:p>
-            <a:pPr marL="274320" lvl="1" indent="0">
-              <a:buNone/>
-            </a:pPr>
-            <a:endParaRPr lang="en-CA" sz="2000" dirty="0">
-              <a:solidFill>
-                <a:schemeClr val="tx1"/>
-              </a:solidFill>
-              <a:latin typeface="Open Sans"/>
-              <a:ea typeface="Open Sans" panose="020B0606030504020204" pitchFamily="34" charset="0"/>
-              <a:cs typeface="Open Sans" panose="020B0606030504020204" pitchFamily="34" charset="0"/>
-            </a:endParaRPr>
-          </a:p>
-        </p:txBody>
-      </p:sp>
-    </p:spTree>
-    <p:extLst>
-      <p:ext uri="{BB962C8B-B14F-4D97-AF65-F5344CB8AC3E}">
-        <p14:creationId xmlns:p14="http://schemas.microsoft.com/office/powerpoint/2010/main" val="93666983"/>
       </p:ext>
     </p:extLst>
   </p:cSld>
